--- a/common/bscstm/cheetsheet.pptx
+++ b/common/bscstm/cheetsheet.pptx
@@ -3712,6 +3712,8 @@
                 <a:solidFill>
                   <a:schemeClr val="accent6"/>
                 </a:solidFill>
+                <a:latin typeface="+mj-ea"/>
+                <a:ea typeface="+mj-ea"/>
               </a:rPr>
               <a:t>ブレイクポイント</a:t>
             </a:r>
@@ -3751,6 +3753,8 @@
                 <a:solidFill>
                   <a:schemeClr val="accent6"/>
                 </a:solidFill>
+                <a:latin typeface="+mj-ea"/>
+                <a:ea typeface="+mj-ea"/>
               </a:rPr>
               <a:t>グリッドシステム</a:t>
             </a:r>
@@ -3787,6 +3791,8 @@
           <a:p>
             <a:r>
               <a:rPr lang="en-US" altLang="ja-JP" sz="900" dirty="0">
+                <a:latin typeface="+mj-ea"/>
+                <a:ea typeface="+mj-ea"/>
                 <a:hlinkClick r:id="rId2"/>
               </a:rPr>
               <a:t>https://v133-130-111-84.a03a.g.tyo1.static.cnode.io/cosmo/</a:t>
@@ -3795,6 +3801,8 @@
               <a:solidFill>
                 <a:schemeClr val="accent6"/>
               </a:solidFill>
+              <a:latin typeface="+mj-ea"/>
+              <a:ea typeface="+mj-ea"/>
             </a:endParaRPr>
           </a:p>
         </p:txBody>
@@ -3832,6 +3840,8 @@
                 <a:solidFill>
                   <a:schemeClr val="accent6"/>
                 </a:solidFill>
+                <a:latin typeface="+mj-ea"/>
+                <a:ea typeface="+mj-ea"/>
               </a:rPr>
               <a:t>サイジング（</a:t>
             </a:r>
@@ -3840,6 +3850,8 @@
                 <a:solidFill>
                   <a:schemeClr val="accent6"/>
                 </a:solidFill>
+                <a:latin typeface="+mj-ea"/>
+                <a:ea typeface="+mj-ea"/>
               </a:rPr>
               <a:t> sizing </a:t>
             </a:r>
@@ -3848,6 +3860,8 @@
                 <a:solidFill>
                   <a:schemeClr val="accent6"/>
                 </a:solidFill>
+                <a:latin typeface="+mj-ea"/>
+                <a:ea typeface="+mj-ea"/>
               </a:rPr>
               <a:t>）</a:t>
             </a:r>
@@ -3869,14 +3883,14 @@
           <p:nvPr>
             <p:extLst>
               <p:ext uri="{D42A27DB-BD31-4B8C-83A1-F6EECF244321}">
-                <p14:modId xmlns:p14="http://schemas.microsoft.com/office/powerpoint/2010/main" val="3193986041"/>
+                <p14:modId xmlns:p14="http://schemas.microsoft.com/office/powerpoint/2010/main" val="2058057474"/>
               </p:ext>
             </p:extLst>
           </p:nvPr>
         </p:nvGraphicFramePr>
         <p:xfrm>
-          <a:off x="276225" y="1960616"/>
-          <a:ext cx="5314950" cy="1051560"/>
+          <a:off x="276224" y="1960616"/>
+          <a:ext cx="5810250" cy="1051560"/>
         </p:xfrm>
         <a:graphic>
           <a:graphicData uri="http://schemas.openxmlformats.org/drawingml/2006/table">
@@ -3885,31 +3899,38 @@
                 <a:tableStyleId>{E8B1032C-EA38-4F05-BA0D-38AFFFC7BED3}</a:tableStyleId>
               </a:tblPr>
               <a:tblGrid>
-                <a:gridCol w="698445">
+                <a:gridCol w="714376">
                   <a:extLst>
                     <a:ext uri="{9D8B030D-6E8A-4147-A177-3AD203B41FA5}">
                       <a16:colId xmlns:a16="http://schemas.microsoft.com/office/drawing/2014/main" val="2998470273"/>
                     </a:ext>
                   </a:extLst>
                 </a:gridCol>
-                <a:gridCol w="860976">
+                <a:gridCol w="828675">
                   <a:extLst>
                     <a:ext uri="{9D8B030D-6E8A-4147-A177-3AD203B41FA5}">
                       <a16:colId xmlns:a16="http://schemas.microsoft.com/office/drawing/2014/main" val="3607064280"/>
                     </a:ext>
                   </a:extLst>
                 </a:gridCol>
-                <a:gridCol w="948830">
+                <a:gridCol w="971550">
                   <a:extLst>
                     <a:ext uri="{9D8B030D-6E8A-4147-A177-3AD203B41FA5}">
                       <a16:colId xmlns:a16="http://schemas.microsoft.com/office/drawing/2014/main" val="3012900613"/>
                     </a:ext>
                   </a:extLst>
                 </a:gridCol>
-                <a:gridCol w="2806699">
+                <a:gridCol w="2581275">
                   <a:extLst>
                     <a:ext uri="{9D8B030D-6E8A-4147-A177-3AD203B41FA5}">
                       <a16:colId xmlns:a16="http://schemas.microsoft.com/office/drawing/2014/main" val="3942871161"/>
+                    </a:ext>
+                  </a:extLst>
+                </a:gridCol>
+                <a:gridCol w="714374">
+                  <a:extLst>
+                    <a:ext uri="{9D8B030D-6E8A-4147-A177-3AD203B41FA5}">
+                      <a16:colId xmlns:a16="http://schemas.microsoft.com/office/drawing/2014/main" val="2187689698"/>
                     </a:ext>
                   </a:extLst>
                 </a:gridCol>
@@ -4027,183 +4048,6 @@
                     </a:solidFill>
                   </a:tcPr>
                 </a:tc>
-                <a:extLst>
-                  <a:ext uri="{0D108BD9-81ED-4DB2-BD59-A6C34878D82A}">
-                    <a16:rowId xmlns:a16="http://schemas.microsoft.com/office/drawing/2014/main" val="1199967262"/>
-                  </a:ext>
-                </a:extLst>
-              </a:tr>
-              <a:tr h="173838">
-                <a:tc>
-                  <a:txBody>
-                    <a:bodyPr/>
-                    <a:lstStyle/>
-                    <a:p>
-                      <a:pPr algn="l" fontAlgn="ctr"/>
-                      <a:r>
-                        <a:rPr lang="ja-JP" altLang="en-US" sz="800" b="0" i="0" u="none" strike="noStrike" dirty="0">
-                          <a:solidFill>
-                            <a:srgbClr val="000000"/>
-                          </a:solidFill>
-                          <a:effectLst/>
-                          <a:latin typeface="游ゴシック" panose="020B0400000000000000" pitchFamily="50" charset="-128"/>
-                          <a:ea typeface="游ゴシック" panose="020B0400000000000000" pitchFamily="50" charset="-128"/>
-                        </a:rPr>
-                        <a:t>％指定</a:t>
-                      </a:r>
-                      <a:endParaRPr lang="en-US" altLang="ja-JP" sz="800" b="0" i="0" u="none" strike="noStrike" dirty="0">
-                        <a:solidFill>
-                          <a:srgbClr val="000000"/>
-                        </a:solidFill>
-                        <a:effectLst/>
-                        <a:latin typeface="游ゴシック" panose="020B0400000000000000" pitchFamily="50" charset="-128"/>
-                        <a:ea typeface="游ゴシック" panose="020B0400000000000000" pitchFamily="50" charset="-128"/>
-                      </a:endParaRPr>
-                    </a:p>
-                  </a:txBody>
-                  <a:tcPr marL="45720" marR="45720" anchor="ctr"/>
-                </a:tc>
-                <a:tc>
-                  <a:txBody>
-                    <a:bodyPr/>
-                    <a:lstStyle/>
-                    <a:p>
-                      <a:pPr algn="l" fontAlgn="ctr"/>
-                      <a:r>
-                        <a:rPr lang="ja-JP" altLang="en-US" sz="800" dirty="0"/>
-                        <a:t>w-100p</a:t>
-                      </a:r>
-                      <a:endParaRPr lang="en-US" altLang="ja-JP" sz="800" b="0" i="0" u="none" strike="noStrike" dirty="0">
-                        <a:solidFill>
-                          <a:srgbClr val="000000"/>
-                        </a:solidFill>
-                        <a:effectLst/>
-                        <a:latin typeface="游ゴシック" panose="020B0400000000000000" pitchFamily="50" charset="-128"/>
-                        <a:ea typeface="游ゴシック" panose="020B0400000000000000" pitchFamily="50" charset="-128"/>
-                      </a:endParaRPr>
-                    </a:p>
-                  </a:txBody>
-                  <a:tcPr marL="45720" marR="45720" anchor="ctr"/>
-                </a:tc>
-                <a:tc>
-                  <a:txBody>
-                    <a:bodyPr/>
-                    <a:lstStyle/>
-                    <a:p>
-                      <a:pPr algn="l" fontAlgn="ctr"/>
-                      <a:r>
-                        <a:rPr lang="en-US" sz="800" u="none" strike="noStrike" dirty="0">
-                          <a:effectLst/>
-                        </a:rPr>
-                        <a:t>0p</a:t>
-                      </a:r>
-                      <a:r>
-                        <a:rPr lang="ja-JP" altLang="en-US" sz="800" u="none" strike="noStrike" dirty="0">
-                          <a:effectLst/>
-                        </a:rPr>
-                        <a:t> </a:t>
-                      </a:r>
-                      <a:r>
-                        <a:rPr lang="en-US" altLang="ja-JP" sz="800" u="none" strike="noStrike" dirty="0">
-                          <a:effectLst/>
-                        </a:rPr>
-                        <a:t>-</a:t>
-                      </a:r>
-                      <a:r>
-                        <a:rPr lang="ja-JP" altLang="en-US" sz="800" u="none" strike="noStrike" dirty="0">
-                          <a:effectLst/>
-                        </a:rPr>
-                        <a:t> </a:t>
-                      </a:r>
-                      <a:r>
-                        <a:rPr lang="en-US" sz="800" u="none" strike="noStrike" dirty="0">
-                          <a:effectLst/>
-                        </a:rPr>
-                        <a:t>100p</a:t>
-                      </a:r>
-                      <a:endParaRPr lang="en-US" sz="800" b="0" i="0" u="none" strike="noStrike" dirty="0">
-                        <a:solidFill>
-                          <a:srgbClr val="000000"/>
-                        </a:solidFill>
-                        <a:effectLst/>
-                        <a:latin typeface="游ゴシック" panose="020B0400000000000000" pitchFamily="50" charset="-128"/>
-                        <a:ea typeface="游ゴシック" panose="020B0400000000000000" pitchFamily="50" charset="-128"/>
-                      </a:endParaRPr>
-                    </a:p>
-                  </a:txBody>
-                  <a:tcPr marL="45720" marR="45720" anchor="ctr"/>
-                </a:tc>
-                <a:tc>
-                  <a:txBody>
-                    <a:bodyPr/>
-                    <a:lstStyle/>
-                    <a:p>
-                      <a:pPr algn="l" fontAlgn="ctr"/>
-                      <a:r>
-                        <a:rPr lang="en-US" sz="800" u="none" strike="noStrike" dirty="0">
-                          <a:effectLst/>
-                        </a:rPr>
-                        <a:t>m-10p  h-50p  m-md-12px</a:t>
-                      </a:r>
-                      <a:endParaRPr lang="en-US" sz="800" b="0" i="0" u="none" strike="noStrike" dirty="0">
-                        <a:solidFill>
-                          <a:srgbClr val="000000"/>
-                        </a:solidFill>
-                        <a:effectLst/>
-                        <a:latin typeface="游ゴシック" panose="020B0400000000000000" pitchFamily="50" charset="-128"/>
-                        <a:ea typeface="游ゴシック" panose="020B0400000000000000" pitchFamily="50" charset="-128"/>
-                      </a:endParaRPr>
-                    </a:p>
-                  </a:txBody>
-                  <a:tcPr marL="45720" marR="45720" anchor="ctr"/>
-                </a:tc>
-                <a:extLst>
-                  <a:ext uri="{0D108BD9-81ED-4DB2-BD59-A6C34878D82A}">
-                    <a16:rowId xmlns:a16="http://schemas.microsoft.com/office/drawing/2014/main" val="1768608318"/>
-                  </a:ext>
-                </a:extLst>
-              </a:tr>
-              <a:tr h="173838">
-                <a:tc>
-                  <a:txBody>
-                    <a:bodyPr/>
-                    <a:lstStyle/>
-                    <a:p>
-                      <a:pPr algn="l" fontAlgn="ctr"/>
-                      <a:r>
-                        <a:rPr lang="en-US" altLang="ja-JP" sz="800" b="0" i="0" u="none" strike="noStrike" dirty="0">
-                          <a:solidFill>
-                            <a:srgbClr val="000000"/>
-                          </a:solidFill>
-                          <a:effectLst/>
-                          <a:latin typeface="游ゴシック" panose="020B0400000000000000" pitchFamily="50" charset="-128"/>
-                          <a:ea typeface="游ゴシック" panose="020B0400000000000000" pitchFamily="50" charset="-128"/>
-                        </a:rPr>
-                        <a:t>px</a:t>
-                      </a:r>
-                      <a:r>
-                        <a:rPr lang="ja-JP" altLang="en-US" sz="800" b="0" i="0" u="none" strike="noStrike" dirty="0">
-                          <a:solidFill>
-                            <a:srgbClr val="000000"/>
-                          </a:solidFill>
-                          <a:effectLst/>
-                          <a:latin typeface="游ゴシック" panose="020B0400000000000000" pitchFamily="50" charset="-128"/>
-                          <a:ea typeface="游ゴシック" panose="020B0400000000000000" pitchFamily="50" charset="-128"/>
-                        </a:rPr>
-                        <a:t>指定</a:t>
-                      </a:r>
-                      <a:endParaRPr lang="en-US" sz="800" b="0" i="0" u="none" strike="noStrike" dirty="0">
-                        <a:solidFill>
-                          <a:srgbClr val="000000"/>
-                        </a:solidFill>
-                        <a:effectLst/>
-                        <a:latin typeface="游ゴシック" panose="020B0400000000000000" pitchFamily="50" charset="-128"/>
-                        <a:ea typeface="游ゴシック" panose="020B0400000000000000" pitchFamily="50" charset="-128"/>
-                      </a:endParaRPr>
-                    </a:p>
-                  </a:txBody>
-                  <a:tcPr marL="45720" marR="45720" anchor="ctr"/>
-                </a:tc>
                 <a:tc>
                   <a:txBody>
                     <a:bodyPr/>
@@ -4227,76 +4071,38 @@
                         <a:defRPr/>
                       </a:pPr>
                       <a:r>
-                        <a:rPr lang="ja-JP" altLang="en-US" sz="800" dirty="0"/>
-                        <a:t>w-100p</a:t>
-                      </a:r>
-                      <a:r>
-                        <a:rPr lang="en-US" altLang="ja-JP" sz="800" dirty="0"/>
-                        <a:t>x</a:t>
-                      </a:r>
-                      <a:endParaRPr lang="en-US" altLang="ja-JP" sz="800" b="0" i="0" u="none" strike="noStrike" dirty="0">
+                        <a:rPr lang="en-US" altLang="ja-JP" sz="700" b="0" i="0" u="none" strike="noStrike" dirty="0">
+                          <a:solidFill>
+                            <a:srgbClr val="000000"/>
+                          </a:solidFill>
+                          <a:effectLst/>
+                          <a:latin typeface="+mn-lt"/>
+                          <a:ea typeface="+mn-ea"/>
+                        </a:rPr>
+                        <a:t>Breakpoint</a:t>
+                      </a:r>
+                      <a:endParaRPr lang="ja-JP" altLang="en-US" sz="700" b="0" i="0" u="none" strike="noStrike" dirty="0">
                         <a:solidFill>
                           <a:srgbClr val="000000"/>
                         </a:solidFill>
                         <a:effectLst/>
-                        <a:latin typeface="游ゴシック" panose="020B0400000000000000" pitchFamily="50" charset="-128"/>
+                        <a:latin typeface="+mn-lt"/>
                         <a:ea typeface="+mn-ea"/>
                       </a:endParaRPr>
                     </a:p>
                   </a:txBody>
-                  <a:tcPr marL="45720" marR="45720" anchor="ctr"/>
-                </a:tc>
-                <a:tc>
-                  <a:txBody>
-                    <a:bodyPr/>
-                    <a:lstStyle/>
-                    <a:p>
-                      <a:pPr algn="l" fontAlgn="ctr"/>
-                      <a:r>
-                        <a:rPr lang="en-US" sz="800" u="none" strike="noStrike" dirty="0">
-                          <a:effectLst/>
-                        </a:rPr>
-                        <a:t>0px – 1000px</a:t>
-                      </a:r>
-                      <a:endParaRPr lang="en-US" sz="800" b="0" i="0" u="none" strike="noStrike" dirty="0">
-                        <a:solidFill>
-                          <a:srgbClr val="000000"/>
-                        </a:solidFill>
-                        <a:effectLst/>
-                        <a:latin typeface="游ゴシック" panose="020B0400000000000000" pitchFamily="50" charset="-128"/>
-                        <a:ea typeface="游ゴシック" panose="020B0400000000000000" pitchFamily="50" charset="-128"/>
-                      </a:endParaRPr>
-                    </a:p>
-                  </a:txBody>
-                  <a:tcPr marL="45720" marR="45720" anchor="ctr"/>
-                </a:tc>
-                <a:tc>
-                  <a:txBody>
-                    <a:bodyPr/>
-                    <a:lstStyle/>
-                    <a:p>
-                      <a:pPr algn="l" fontAlgn="ctr"/>
-                      <a:r>
-                        <a:rPr lang="en-US" sz="800" u="none" strike="noStrike" dirty="0">
-                          <a:effectLst/>
-                        </a:rPr>
-                        <a:t>m-10px h-50px m-md-50px</a:t>
-                      </a:r>
-                      <a:endParaRPr lang="en-US" sz="800" b="0" i="0" u="none" strike="noStrike" dirty="0">
-                        <a:solidFill>
-                          <a:srgbClr val="000000"/>
-                        </a:solidFill>
-                        <a:effectLst/>
-                        <a:latin typeface="游ゴシック" panose="020B0400000000000000" pitchFamily="50" charset="-128"/>
-                        <a:ea typeface="游ゴシック" panose="020B0400000000000000" pitchFamily="50" charset="-128"/>
-                      </a:endParaRPr>
-                    </a:p>
-                  </a:txBody>
-                  <a:tcPr marL="45720" marR="45720" anchor="ctr"/>
+                  <a:tcPr marL="45720" marR="45720" anchor="ctr">
+                    <a:solidFill>
+                      <a:schemeClr val="accent6">
+                        <a:lumMod val="20000"/>
+                        <a:lumOff val="80000"/>
+                      </a:schemeClr>
+                    </a:solidFill>
+                  </a:tcPr>
                 </a:tc>
                 <a:extLst>
                   <a:ext uri="{0D108BD9-81ED-4DB2-BD59-A6C34878D82A}">
-                    <a16:rowId xmlns:a16="http://schemas.microsoft.com/office/drawing/2014/main" val="2733662300"/>
+                    <a16:rowId xmlns:a16="http://schemas.microsoft.com/office/drawing/2014/main" val="1199967262"/>
                   </a:ext>
                 </a:extLst>
               </a:tr>
@@ -4308,17 +4114,6 @@
                     <a:p>
                       <a:pPr algn="l" fontAlgn="ctr"/>
                       <a:r>
-                        <a:rPr lang="en-US" altLang="ja-JP" sz="800" b="0" i="0" u="none" strike="noStrike" dirty="0">
-                          <a:solidFill>
-                            <a:srgbClr val="000000"/>
-                          </a:solidFill>
-                          <a:effectLst/>
-                          <a:latin typeface="游ゴシック" panose="020B0400000000000000" pitchFamily="50" charset="-128"/>
-                          <a:ea typeface="游ゴシック" panose="020B0400000000000000" pitchFamily="50" charset="-128"/>
-                        </a:rPr>
-                        <a:t>Max</a:t>
-                      </a:r>
-                      <a:r>
                         <a:rPr lang="ja-JP" altLang="en-US" sz="800" b="0" i="0" u="none" strike="noStrike" dirty="0">
                           <a:solidFill>
                             <a:srgbClr val="000000"/>
@@ -4327,9 +4122,9 @@
                           <a:latin typeface="游ゴシック" panose="020B0400000000000000" pitchFamily="50" charset="-128"/>
                           <a:ea typeface="游ゴシック" panose="020B0400000000000000" pitchFamily="50" charset="-128"/>
                         </a:rPr>
-                        <a:t>指定</a:t>
-                      </a:r>
-                      <a:endParaRPr lang="en-US" sz="800" b="0" i="0" u="none" strike="noStrike" dirty="0">
+                        <a:t>％指定</a:t>
+                      </a:r>
+                      <a:endParaRPr lang="en-US" altLang="ja-JP" sz="800" b="0" i="0" u="none" strike="noStrike" dirty="0">
                         <a:solidFill>
                           <a:srgbClr val="000000"/>
                         </a:solidFill>
@@ -4346,7 +4141,101 @@
                     <a:bodyPr/>
                     <a:lstStyle/>
                     <a:p>
-                      <a:pPr marL="0" marR="0" lvl="0" indent="0" algn="l" defTabSz="1280160" rtl="0" eaLnBrk="1" fontAlgn="ctr" latinLnBrk="0" hangingPunct="1">
+                      <a:pPr algn="l" fontAlgn="ctr"/>
+                      <a:r>
+                        <a:rPr lang="ja-JP" altLang="en-US" sz="800" dirty="0"/>
+                        <a:t>w-100p</a:t>
+                      </a:r>
+                      <a:endParaRPr lang="en-US" altLang="ja-JP" sz="800" b="0" i="0" u="none" strike="noStrike" dirty="0">
+                        <a:solidFill>
+                          <a:srgbClr val="000000"/>
+                        </a:solidFill>
+                        <a:effectLst/>
+                        <a:latin typeface="游ゴシック" panose="020B0400000000000000" pitchFamily="50" charset="-128"/>
+                        <a:ea typeface="游ゴシック" panose="020B0400000000000000" pitchFamily="50" charset="-128"/>
+                      </a:endParaRPr>
+                    </a:p>
+                  </a:txBody>
+                  <a:tcPr marL="45720" marR="45720" anchor="ctr"/>
+                </a:tc>
+                <a:tc>
+                  <a:txBody>
+                    <a:bodyPr/>
+                    <a:lstStyle/>
+                    <a:p>
+                      <a:pPr algn="l" fontAlgn="ctr"/>
+                      <a:r>
+                        <a:rPr lang="en-US" sz="800" u="none" strike="noStrike" dirty="0">
+                          <a:effectLst/>
+                        </a:rPr>
+                        <a:t>0p</a:t>
+                      </a:r>
+                      <a:r>
+                        <a:rPr lang="ja-JP" altLang="en-US" sz="800" u="none" strike="noStrike" dirty="0">
+                          <a:effectLst/>
+                        </a:rPr>
+                        <a:t> </a:t>
+                      </a:r>
+                      <a:r>
+                        <a:rPr lang="en-US" altLang="ja-JP" sz="800" u="none" strike="noStrike" dirty="0">
+                          <a:effectLst/>
+                        </a:rPr>
+                        <a:t>-</a:t>
+                      </a:r>
+                      <a:r>
+                        <a:rPr lang="ja-JP" altLang="en-US" sz="800" u="none" strike="noStrike" dirty="0">
+                          <a:effectLst/>
+                        </a:rPr>
+                        <a:t> </a:t>
+                      </a:r>
+                      <a:r>
+                        <a:rPr lang="en-US" sz="800" u="none" strike="noStrike" dirty="0">
+                          <a:effectLst/>
+                        </a:rPr>
+                        <a:t>100p</a:t>
+                      </a:r>
+                      <a:endParaRPr lang="en-US" sz="800" b="0" i="0" u="none" strike="noStrike" dirty="0">
+                        <a:solidFill>
+                          <a:srgbClr val="000000"/>
+                        </a:solidFill>
+                        <a:effectLst/>
+                        <a:latin typeface="游ゴシック" panose="020B0400000000000000" pitchFamily="50" charset="-128"/>
+                        <a:ea typeface="游ゴシック" panose="020B0400000000000000" pitchFamily="50" charset="-128"/>
+                      </a:endParaRPr>
+                    </a:p>
+                  </a:txBody>
+                  <a:tcPr marL="45720" marR="45720" anchor="ctr"/>
+                </a:tc>
+                <a:tc>
+                  <a:txBody>
+                    <a:bodyPr/>
+                    <a:lstStyle/>
+                    <a:p>
+                      <a:pPr algn="l" fontAlgn="ctr"/>
+                      <a:r>
+                        <a:rPr lang="en-US" sz="800" u="none" strike="noStrike" dirty="0">
+                          <a:effectLst/>
+                        </a:rPr>
+                        <a:t>m-10p  h-50p  m-md-12px</a:t>
+                      </a:r>
+                      <a:endParaRPr lang="en-US" sz="800" b="0" i="0" u="none" strike="noStrike" dirty="0">
+                        <a:solidFill>
+                          <a:srgbClr val="000000"/>
+                        </a:solidFill>
+                        <a:effectLst/>
+                        <a:latin typeface="游ゴシック" panose="020B0400000000000000" pitchFamily="50" charset="-128"/>
+                        <a:ea typeface="游ゴシック" panose="020B0400000000000000" pitchFamily="50" charset="-128"/>
+                      </a:endParaRPr>
+                    </a:p>
+                  </a:txBody>
+                  <a:tcPr marL="45720" marR="45720" anchor="ctr"/>
+                </a:tc>
+                <a:tc>
+                  <a:txBody>
+                    <a:bodyPr/>
+                    <a:lstStyle/>
+                    <a:p>
+                      <a:pPr marL="0" marR="0" lvl="0" indent="0" algn="ctr" defTabSz="1280160" rtl="0" eaLnBrk="1" fontAlgn="ctr" latinLnBrk="0" hangingPunct="1">
                         <a:lnSpc>
                           <a:spcPct val="100000"/>
                         </a:lnSpc>
@@ -4364,102 +4253,23 @@
                         <a:defRPr/>
                       </a:pPr>
                       <a:r>
-                        <a:rPr lang="ja-JP" altLang="en-US" sz="800" dirty="0"/>
-                        <a:t>max-w-100</a:t>
-                      </a:r>
-                      <a:r>
-                        <a:rPr lang="en-US" altLang="ja-JP" sz="800" dirty="0"/>
-                        <a:t>p</a:t>
-                      </a:r>
-                      <a:endParaRPr lang="en-US" altLang="ja-JP" sz="800" b="0" i="0" u="none" strike="noStrike" dirty="0">
-                        <a:solidFill>
-                          <a:srgbClr val="000000"/>
-                        </a:solidFill>
-                        <a:effectLst/>
-                        <a:latin typeface="游ゴシック" panose="020B0400000000000000" pitchFamily="50" charset="-128"/>
-                        <a:ea typeface="+mn-ea"/>
-                      </a:endParaRPr>
-                    </a:p>
-                  </a:txBody>
-                  <a:tcPr marL="45720" marR="45720" anchor="ctr"/>
-                </a:tc>
-                <a:tc>
-                  <a:txBody>
-                    <a:bodyPr/>
-                    <a:lstStyle/>
-                    <a:p>
-                      <a:pPr algn="l" fontAlgn="ctr"/>
-                      <a:r>
-                        <a:rPr lang="en-US" sz="800" b="0" i="0" u="none" strike="noStrike" dirty="0">
-                          <a:solidFill>
-                            <a:srgbClr val="000000"/>
-                          </a:solidFill>
-                          <a:effectLst/>
-                          <a:latin typeface="游ゴシック" panose="020B0400000000000000" pitchFamily="50" charset="-128"/>
-                          <a:ea typeface="游ゴシック" panose="020B0400000000000000" pitchFamily="50" charset="-128"/>
-                        </a:rPr>
-                        <a:t>100p</a:t>
-                      </a:r>
-                      <a:r>
                         <a:rPr lang="ja-JP" altLang="en-US" sz="800" b="0" i="0" u="none" strike="noStrike" dirty="0">
                           <a:solidFill>
                             <a:srgbClr val="000000"/>
                           </a:solidFill>
                           <a:effectLst/>
-                          <a:latin typeface="游ゴシック" panose="020B0400000000000000" pitchFamily="50" charset="-128"/>
-                          <a:ea typeface="游ゴシック" panose="020B0400000000000000" pitchFamily="50" charset="-128"/>
-                        </a:rPr>
-                        <a:t>のみ</a:t>
-                      </a:r>
-                      <a:endParaRPr lang="en-US" sz="800" b="0" i="0" u="none" strike="noStrike" dirty="0">
+                          <a:latin typeface="+mn-lt"/>
+                          <a:ea typeface="+mn-ea"/>
+                        </a:rPr>
+                        <a:t>〇</a:t>
+                      </a:r>
+                      <a:endParaRPr lang="en-US" altLang="ja-JP" sz="800" b="0" i="0" u="none" strike="noStrike" dirty="0">
                         <a:solidFill>
                           <a:srgbClr val="000000"/>
                         </a:solidFill>
                         <a:effectLst/>
-                        <a:latin typeface="游ゴシック" panose="020B0400000000000000" pitchFamily="50" charset="-128"/>
-                        <a:ea typeface="游ゴシック" panose="020B0400000000000000" pitchFamily="50" charset="-128"/>
-                      </a:endParaRPr>
-                    </a:p>
-                  </a:txBody>
-                  <a:tcPr marL="45720" marR="45720" anchor="ctr"/>
-                </a:tc>
-                <a:tc>
-                  <a:txBody>
-                    <a:bodyPr/>
-                    <a:lstStyle/>
-                    <a:p>
-                      <a:pPr algn="l" fontAlgn="ctr"/>
-                      <a:r>
-                        <a:rPr lang="ja-JP" altLang="en-US" sz="800" dirty="0"/>
-                        <a:t>max-w-100</a:t>
-                      </a:r>
-                      <a:r>
-                        <a:rPr lang="en-US" altLang="ja-JP" sz="800" dirty="0"/>
-                        <a:t>p</a:t>
-                      </a:r>
-                      <a:r>
-                        <a:rPr lang="ja-JP" altLang="en-US" sz="800" dirty="0"/>
-                        <a:t>  max-w-</a:t>
-                      </a:r>
-                      <a:r>
-                        <a:rPr lang="en-US" altLang="ja-JP" sz="800" dirty="0"/>
-                        <a:t>md-</a:t>
-                      </a:r>
-                      <a:r>
-                        <a:rPr lang="ja-JP" altLang="en-US" sz="800" dirty="0"/>
-                        <a:t>100</a:t>
-                      </a:r>
-                      <a:r>
-                        <a:rPr lang="en-US" altLang="ja-JP" sz="800" dirty="0"/>
-                        <a:t>p</a:t>
-                      </a:r>
-                      <a:endParaRPr lang="en-US" sz="800" b="0" i="0" u="none" strike="noStrike" dirty="0">
-                        <a:solidFill>
-                          <a:srgbClr val="000000"/>
-                        </a:solidFill>
-                        <a:effectLst/>
-                        <a:latin typeface="游ゴシック" panose="020B0400000000000000" pitchFamily="50" charset="-128"/>
-                        <a:ea typeface="游ゴシック" panose="020B0400000000000000" pitchFamily="50" charset="-128"/>
+                        <a:latin typeface="+mn-lt"/>
+                        <a:ea typeface="+mn-ea"/>
                       </a:endParaRPr>
                     </a:p>
                   </a:txBody>
@@ -4467,7 +4277,7 @@
                 </a:tc>
                 <a:extLst>
                   <a:ext uri="{0D108BD9-81ED-4DB2-BD59-A6C34878D82A}">
-                    <a16:rowId xmlns:a16="http://schemas.microsoft.com/office/drawing/2014/main" val="364004198"/>
+                    <a16:rowId xmlns:a16="http://schemas.microsoft.com/office/drawing/2014/main" val="1768608318"/>
                   </a:ext>
                 </a:extLst>
               </a:tr>
@@ -4487,7 +4297,7 @@
                           <a:latin typeface="游ゴシック" panose="020B0400000000000000" pitchFamily="50" charset="-128"/>
                           <a:ea typeface="游ゴシック" panose="020B0400000000000000" pitchFamily="50" charset="-128"/>
                         </a:rPr>
-                        <a:t>min</a:t>
+                        <a:t>px</a:t>
                       </a:r>
                       <a:r>
                         <a:rPr lang="ja-JP" altLang="en-US" sz="800" b="0" i="0" u="none" strike="noStrike" dirty="0">
@@ -4536,15 +4346,189 @@
                       </a:pPr>
                       <a:r>
                         <a:rPr lang="ja-JP" altLang="en-US" sz="800" dirty="0"/>
-                        <a:t>m</a:t>
+                        <a:t>w-100p</a:t>
                       </a:r>
                       <a:r>
                         <a:rPr lang="en-US" altLang="ja-JP" sz="800" dirty="0"/>
-                        <a:t>in</a:t>
-                      </a:r>
+                        <a:t>x</a:t>
+                      </a:r>
+                      <a:endParaRPr lang="en-US" altLang="ja-JP" sz="800" b="0" i="0" u="none" strike="noStrike" dirty="0">
+                        <a:solidFill>
+                          <a:srgbClr val="000000"/>
+                        </a:solidFill>
+                        <a:effectLst/>
+                        <a:latin typeface="游ゴシック" panose="020B0400000000000000" pitchFamily="50" charset="-128"/>
+                        <a:ea typeface="+mn-ea"/>
+                      </a:endParaRPr>
+                    </a:p>
+                  </a:txBody>
+                  <a:tcPr marL="45720" marR="45720" anchor="ctr"/>
+                </a:tc>
+                <a:tc>
+                  <a:txBody>
+                    <a:bodyPr/>
+                    <a:lstStyle/>
+                    <a:p>
+                      <a:pPr algn="l" fontAlgn="ctr"/>
+                      <a:r>
+                        <a:rPr lang="en-US" sz="800" u="none" strike="noStrike" dirty="0">
+                          <a:effectLst/>
+                        </a:rPr>
+                        <a:t>0px – 1000px</a:t>
+                      </a:r>
+                      <a:endParaRPr lang="en-US" sz="800" b="0" i="0" u="none" strike="noStrike" dirty="0">
+                        <a:solidFill>
+                          <a:srgbClr val="000000"/>
+                        </a:solidFill>
+                        <a:effectLst/>
+                        <a:latin typeface="游ゴシック" panose="020B0400000000000000" pitchFamily="50" charset="-128"/>
+                        <a:ea typeface="游ゴシック" panose="020B0400000000000000" pitchFamily="50" charset="-128"/>
+                      </a:endParaRPr>
+                    </a:p>
+                  </a:txBody>
+                  <a:tcPr marL="45720" marR="45720" anchor="ctr"/>
+                </a:tc>
+                <a:tc>
+                  <a:txBody>
+                    <a:bodyPr/>
+                    <a:lstStyle/>
+                    <a:p>
+                      <a:pPr algn="l" fontAlgn="ctr"/>
+                      <a:r>
+                        <a:rPr lang="en-US" sz="800" u="none" strike="noStrike" dirty="0">
+                          <a:effectLst/>
+                        </a:rPr>
+                        <a:t>m-10px h-50px m-md-50px</a:t>
+                      </a:r>
+                      <a:endParaRPr lang="en-US" sz="800" b="0" i="0" u="none" strike="noStrike" dirty="0">
+                        <a:solidFill>
+                          <a:srgbClr val="000000"/>
+                        </a:solidFill>
+                        <a:effectLst/>
+                        <a:latin typeface="游ゴシック" panose="020B0400000000000000" pitchFamily="50" charset="-128"/>
+                        <a:ea typeface="游ゴシック" panose="020B0400000000000000" pitchFamily="50" charset="-128"/>
+                      </a:endParaRPr>
+                    </a:p>
+                  </a:txBody>
+                  <a:tcPr marL="45720" marR="45720" anchor="ctr"/>
+                </a:tc>
+                <a:tc>
+                  <a:txBody>
+                    <a:bodyPr/>
+                    <a:lstStyle/>
+                    <a:p>
+                      <a:pPr marL="0" marR="0" lvl="0" indent="0" algn="ctr" defTabSz="1280160" rtl="0" eaLnBrk="1" fontAlgn="ctr" latinLnBrk="0" hangingPunct="1">
+                        <a:lnSpc>
+                          <a:spcPct val="100000"/>
+                        </a:lnSpc>
+                        <a:spcBef>
+                          <a:spcPts val="0"/>
+                        </a:spcBef>
+                        <a:spcAft>
+                          <a:spcPts val="0"/>
+                        </a:spcAft>
+                        <a:buClrTx/>
+                        <a:buSzTx/>
+                        <a:buFontTx/>
+                        <a:buNone/>
+                        <a:tabLst/>
+                        <a:defRPr/>
+                      </a:pPr>
+                      <a:r>
+                        <a:rPr lang="ja-JP" altLang="en-US" sz="800" b="0" i="0" u="none" strike="noStrike" dirty="0">
+                          <a:solidFill>
+                            <a:srgbClr val="000000"/>
+                          </a:solidFill>
+                          <a:effectLst/>
+                          <a:latin typeface="+mn-lt"/>
+                          <a:ea typeface="+mn-ea"/>
+                        </a:rPr>
+                        <a:t>〇</a:t>
+                      </a:r>
+                      <a:endParaRPr lang="en-US" altLang="ja-JP" sz="800" b="0" i="0" u="none" strike="noStrike" dirty="0">
+                        <a:solidFill>
+                          <a:srgbClr val="000000"/>
+                        </a:solidFill>
+                        <a:effectLst/>
+                        <a:latin typeface="+mn-lt"/>
+                        <a:ea typeface="+mn-ea"/>
+                      </a:endParaRPr>
+                    </a:p>
+                  </a:txBody>
+                  <a:tcPr marL="45720" marR="45720" anchor="ctr"/>
+                </a:tc>
+                <a:extLst>
+                  <a:ext uri="{0D108BD9-81ED-4DB2-BD59-A6C34878D82A}">
+                    <a16:rowId xmlns:a16="http://schemas.microsoft.com/office/drawing/2014/main" val="2733662300"/>
+                  </a:ext>
+                </a:extLst>
+              </a:tr>
+              <a:tr h="173838">
+                <a:tc>
+                  <a:txBody>
+                    <a:bodyPr/>
+                    <a:lstStyle/>
+                    <a:p>
+                      <a:pPr algn="l" fontAlgn="ctr"/>
+                      <a:r>
+                        <a:rPr lang="en-US" altLang="ja-JP" sz="800" b="0" i="0" u="none" strike="noStrike" dirty="0">
+                          <a:solidFill>
+                            <a:srgbClr val="000000"/>
+                          </a:solidFill>
+                          <a:effectLst/>
+                          <a:latin typeface="游ゴシック" panose="020B0400000000000000" pitchFamily="50" charset="-128"/>
+                          <a:ea typeface="游ゴシック" panose="020B0400000000000000" pitchFamily="50" charset="-128"/>
+                        </a:rPr>
+                        <a:t>Max</a:t>
+                      </a:r>
+                      <a:r>
+                        <a:rPr lang="ja-JP" altLang="en-US" sz="800" b="0" i="0" u="none" strike="noStrike" dirty="0">
+                          <a:solidFill>
+                            <a:srgbClr val="000000"/>
+                          </a:solidFill>
+                          <a:effectLst/>
+                          <a:latin typeface="游ゴシック" panose="020B0400000000000000" pitchFamily="50" charset="-128"/>
+                          <a:ea typeface="游ゴシック" panose="020B0400000000000000" pitchFamily="50" charset="-128"/>
+                        </a:rPr>
+                        <a:t>指定</a:t>
+                      </a:r>
+                      <a:endParaRPr lang="en-US" sz="800" b="0" i="0" u="none" strike="noStrike" dirty="0">
+                        <a:solidFill>
+                          <a:srgbClr val="000000"/>
+                        </a:solidFill>
+                        <a:effectLst/>
+                        <a:latin typeface="游ゴシック" panose="020B0400000000000000" pitchFamily="50" charset="-128"/>
+                        <a:ea typeface="游ゴシック" panose="020B0400000000000000" pitchFamily="50" charset="-128"/>
+                      </a:endParaRPr>
+                    </a:p>
+                  </a:txBody>
+                  <a:tcPr marL="45720" marR="45720" anchor="ctr"/>
+                </a:tc>
+                <a:tc>
+                  <a:txBody>
+                    <a:bodyPr/>
+                    <a:lstStyle/>
+                    <a:p>
+                      <a:pPr marL="0" marR="0" lvl="0" indent="0" algn="l" defTabSz="1280160" rtl="0" eaLnBrk="1" fontAlgn="ctr" latinLnBrk="0" hangingPunct="1">
+                        <a:lnSpc>
+                          <a:spcPct val="100000"/>
+                        </a:lnSpc>
+                        <a:spcBef>
+                          <a:spcPts val="0"/>
+                        </a:spcBef>
+                        <a:spcAft>
+                          <a:spcPts val="0"/>
+                        </a:spcAft>
+                        <a:buClrTx/>
+                        <a:buSzTx/>
+                        <a:buFontTx/>
+                        <a:buNone/>
+                        <a:tabLst/>
+                        <a:defRPr/>
+                      </a:pPr>
                       <a:r>
                         <a:rPr lang="ja-JP" altLang="en-US" sz="800" dirty="0"/>
-                        <a:t>-w-100</a:t>
+                        <a:t>max-w-100</a:t>
                       </a:r>
                       <a:r>
                         <a:rPr lang="en-US" altLang="ja-JP" sz="800" dirty="0"/>
@@ -4610,15 +4594,7 @@
                       <a:pPr algn="l" fontAlgn="ctr"/>
                       <a:r>
                         <a:rPr lang="ja-JP" altLang="en-US" sz="800" dirty="0"/>
-                        <a:t>m</a:t>
-                      </a:r>
-                      <a:r>
-                        <a:rPr lang="en-US" altLang="ja-JP" sz="800" dirty="0"/>
-                        <a:t>in</a:t>
-                      </a:r>
-                      <a:r>
-                        <a:rPr lang="ja-JP" altLang="en-US" sz="800" dirty="0"/>
-                        <a:t>-w-100</a:t>
+                        <a:t>max-w-100</a:t>
                       </a:r>
                       <a:r>
                         <a:rPr lang="en-US" altLang="ja-JP" sz="800" dirty="0"/>
@@ -4626,15 +4602,7 @@
                       </a:r>
                       <a:r>
                         <a:rPr lang="ja-JP" altLang="en-US" sz="800" dirty="0"/>
-                        <a:t>  m</a:t>
-                      </a:r>
-                      <a:r>
-                        <a:rPr lang="en-US" altLang="ja-JP" sz="800" dirty="0"/>
-                        <a:t>in</a:t>
-                      </a:r>
-                      <a:r>
-                        <a:rPr lang="ja-JP" altLang="en-US" sz="800" dirty="0"/>
-                        <a:t>-w-</a:t>
+                        <a:t>  max-w-</a:t>
                       </a:r>
                       <a:r>
                         <a:rPr lang="en-US" altLang="ja-JP" sz="800" dirty="0"/>
@@ -4655,6 +4623,291 @@
                         <a:effectLst/>
                         <a:latin typeface="游ゴシック" panose="020B0400000000000000" pitchFamily="50" charset="-128"/>
                         <a:ea typeface="游ゴシック" panose="020B0400000000000000" pitchFamily="50" charset="-128"/>
+                      </a:endParaRPr>
+                    </a:p>
+                  </a:txBody>
+                  <a:tcPr marL="45720" marR="45720" anchor="ctr"/>
+                </a:tc>
+                <a:tc>
+                  <a:txBody>
+                    <a:bodyPr/>
+                    <a:lstStyle/>
+                    <a:p>
+                      <a:pPr marL="0" marR="0" lvl="0" indent="0" algn="ctr" defTabSz="1280160" rtl="0" eaLnBrk="1" fontAlgn="ctr" latinLnBrk="0" hangingPunct="1">
+                        <a:lnSpc>
+                          <a:spcPct val="100000"/>
+                        </a:lnSpc>
+                        <a:spcBef>
+                          <a:spcPts val="0"/>
+                        </a:spcBef>
+                        <a:spcAft>
+                          <a:spcPts val="0"/>
+                        </a:spcAft>
+                        <a:buClrTx/>
+                        <a:buSzTx/>
+                        <a:buFontTx/>
+                        <a:buNone/>
+                        <a:tabLst/>
+                        <a:defRPr/>
+                      </a:pPr>
+                      <a:r>
+                        <a:rPr lang="ja-JP" altLang="en-US" sz="800" b="0" i="0" u="none" strike="noStrike" dirty="0">
+                          <a:solidFill>
+                            <a:srgbClr val="000000"/>
+                          </a:solidFill>
+                          <a:effectLst/>
+                          <a:latin typeface="+mn-lt"/>
+                          <a:ea typeface="+mn-ea"/>
+                        </a:rPr>
+                        <a:t>〇</a:t>
+                      </a:r>
+                      <a:endParaRPr lang="en-US" altLang="ja-JP" sz="800" b="0" i="0" u="none" strike="noStrike" dirty="0">
+                        <a:solidFill>
+                          <a:srgbClr val="000000"/>
+                        </a:solidFill>
+                        <a:effectLst/>
+                        <a:latin typeface="+mn-lt"/>
+                        <a:ea typeface="+mn-ea"/>
+                      </a:endParaRPr>
+                    </a:p>
+                  </a:txBody>
+                  <a:tcPr marL="45720" marR="45720" anchor="ctr"/>
+                </a:tc>
+                <a:extLst>
+                  <a:ext uri="{0D108BD9-81ED-4DB2-BD59-A6C34878D82A}">
+                    <a16:rowId xmlns:a16="http://schemas.microsoft.com/office/drawing/2014/main" val="364004198"/>
+                  </a:ext>
+                </a:extLst>
+              </a:tr>
+              <a:tr h="173838">
+                <a:tc>
+                  <a:txBody>
+                    <a:bodyPr/>
+                    <a:lstStyle/>
+                    <a:p>
+                      <a:pPr algn="l" fontAlgn="ctr"/>
+                      <a:r>
+                        <a:rPr lang="en-US" altLang="ja-JP" sz="800" b="0" i="0" u="none" strike="noStrike" dirty="0">
+                          <a:solidFill>
+                            <a:srgbClr val="000000"/>
+                          </a:solidFill>
+                          <a:effectLst/>
+                          <a:latin typeface="游ゴシック" panose="020B0400000000000000" pitchFamily="50" charset="-128"/>
+                          <a:ea typeface="游ゴシック" panose="020B0400000000000000" pitchFamily="50" charset="-128"/>
+                        </a:rPr>
+                        <a:t>min</a:t>
+                      </a:r>
+                      <a:r>
+                        <a:rPr lang="ja-JP" altLang="en-US" sz="800" b="0" i="0" u="none" strike="noStrike" dirty="0">
+                          <a:solidFill>
+                            <a:srgbClr val="000000"/>
+                          </a:solidFill>
+                          <a:effectLst/>
+                          <a:latin typeface="游ゴシック" panose="020B0400000000000000" pitchFamily="50" charset="-128"/>
+                          <a:ea typeface="游ゴシック" panose="020B0400000000000000" pitchFamily="50" charset="-128"/>
+                        </a:rPr>
+                        <a:t>指定</a:t>
+                      </a:r>
+                      <a:endParaRPr lang="en-US" sz="800" b="0" i="0" u="none" strike="noStrike" dirty="0">
+                        <a:solidFill>
+                          <a:srgbClr val="000000"/>
+                        </a:solidFill>
+                        <a:effectLst/>
+                        <a:latin typeface="游ゴシック" panose="020B0400000000000000" pitchFamily="50" charset="-128"/>
+                        <a:ea typeface="游ゴシック" panose="020B0400000000000000" pitchFamily="50" charset="-128"/>
+                      </a:endParaRPr>
+                    </a:p>
+                  </a:txBody>
+                  <a:tcPr marL="45720" marR="45720" anchor="ctr"/>
+                </a:tc>
+                <a:tc>
+                  <a:txBody>
+                    <a:bodyPr/>
+                    <a:lstStyle/>
+                    <a:p>
+                      <a:pPr marL="0" marR="0" lvl="0" indent="0" algn="l" defTabSz="1280160" rtl="0" eaLnBrk="1" fontAlgn="ctr" latinLnBrk="0" hangingPunct="1">
+                        <a:lnSpc>
+                          <a:spcPct val="100000"/>
+                        </a:lnSpc>
+                        <a:spcBef>
+                          <a:spcPts val="0"/>
+                        </a:spcBef>
+                        <a:spcAft>
+                          <a:spcPts val="0"/>
+                        </a:spcAft>
+                        <a:buClrTx/>
+                        <a:buSzTx/>
+                        <a:buFontTx/>
+                        <a:buNone/>
+                        <a:tabLst/>
+                        <a:defRPr/>
+                      </a:pPr>
+                      <a:r>
+                        <a:rPr lang="ja-JP" altLang="en-US" sz="800" dirty="0"/>
+                        <a:t>m</a:t>
+                      </a:r>
+                      <a:r>
+                        <a:rPr lang="en-US" altLang="ja-JP" sz="800" dirty="0"/>
+                        <a:t>in</a:t>
+                      </a:r>
+                      <a:r>
+                        <a:rPr lang="ja-JP" altLang="en-US" sz="800" dirty="0"/>
+                        <a:t>-w-100</a:t>
+                      </a:r>
+                      <a:r>
+                        <a:rPr lang="en-US" altLang="ja-JP" sz="800" dirty="0"/>
+                        <a:t>p</a:t>
+                      </a:r>
+                      <a:endParaRPr lang="en-US" altLang="ja-JP" sz="800" b="0" i="0" u="none" strike="noStrike" dirty="0">
+                        <a:solidFill>
+                          <a:srgbClr val="000000"/>
+                        </a:solidFill>
+                        <a:effectLst/>
+                        <a:latin typeface="游ゴシック" panose="020B0400000000000000" pitchFamily="50" charset="-128"/>
+                        <a:ea typeface="+mn-ea"/>
+                      </a:endParaRPr>
+                    </a:p>
+                  </a:txBody>
+                  <a:tcPr marL="45720" marR="45720" anchor="ctr"/>
+                </a:tc>
+                <a:tc>
+                  <a:txBody>
+                    <a:bodyPr/>
+                    <a:lstStyle/>
+                    <a:p>
+                      <a:pPr algn="l" fontAlgn="ctr"/>
+                      <a:r>
+                        <a:rPr lang="en-US" sz="800" b="0" i="0" u="none" strike="noStrike" dirty="0">
+                          <a:solidFill>
+                            <a:srgbClr val="000000"/>
+                          </a:solidFill>
+                          <a:effectLst/>
+                          <a:latin typeface="游ゴシック" panose="020B0400000000000000" pitchFamily="50" charset="-128"/>
+                          <a:ea typeface="游ゴシック" panose="020B0400000000000000" pitchFamily="50" charset="-128"/>
+                        </a:rPr>
+                        <a:t>100p</a:t>
+                      </a:r>
+                      <a:r>
+                        <a:rPr lang="ja-JP" altLang="en-US" sz="800" b="0" i="0" u="none" strike="noStrike" dirty="0">
+                          <a:solidFill>
+                            <a:srgbClr val="000000"/>
+                          </a:solidFill>
+                          <a:effectLst/>
+                          <a:latin typeface="游ゴシック" panose="020B0400000000000000" pitchFamily="50" charset="-128"/>
+                          <a:ea typeface="游ゴシック" panose="020B0400000000000000" pitchFamily="50" charset="-128"/>
+                        </a:rPr>
+                        <a:t>のみ</a:t>
+                      </a:r>
+                      <a:endParaRPr lang="en-US" sz="800" b="0" i="0" u="none" strike="noStrike" dirty="0">
+                        <a:solidFill>
+                          <a:srgbClr val="000000"/>
+                        </a:solidFill>
+                        <a:effectLst/>
+                        <a:latin typeface="游ゴシック" panose="020B0400000000000000" pitchFamily="50" charset="-128"/>
+                        <a:ea typeface="游ゴシック" panose="020B0400000000000000" pitchFamily="50" charset="-128"/>
+                      </a:endParaRPr>
+                    </a:p>
+                  </a:txBody>
+                  <a:tcPr marL="45720" marR="45720" anchor="ctr"/>
+                </a:tc>
+                <a:tc>
+                  <a:txBody>
+                    <a:bodyPr/>
+                    <a:lstStyle/>
+                    <a:p>
+                      <a:pPr algn="l" fontAlgn="ctr"/>
+                      <a:r>
+                        <a:rPr lang="ja-JP" altLang="en-US" sz="800" dirty="0"/>
+                        <a:t>m</a:t>
+                      </a:r>
+                      <a:r>
+                        <a:rPr lang="en-US" altLang="ja-JP" sz="800" dirty="0"/>
+                        <a:t>in</a:t>
+                      </a:r>
+                      <a:r>
+                        <a:rPr lang="ja-JP" altLang="en-US" sz="800" dirty="0"/>
+                        <a:t>-w-100</a:t>
+                      </a:r>
+                      <a:r>
+                        <a:rPr lang="en-US" altLang="ja-JP" sz="800" dirty="0"/>
+                        <a:t>p</a:t>
+                      </a:r>
+                      <a:r>
+                        <a:rPr lang="ja-JP" altLang="en-US" sz="800" dirty="0"/>
+                        <a:t>  m</a:t>
+                      </a:r>
+                      <a:r>
+                        <a:rPr lang="en-US" altLang="ja-JP" sz="800" dirty="0"/>
+                        <a:t>in</a:t>
+                      </a:r>
+                      <a:r>
+                        <a:rPr lang="ja-JP" altLang="en-US" sz="800" dirty="0"/>
+                        <a:t>-w-</a:t>
+                      </a:r>
+                      <a:r>
+                        <a:rPr lang="en-US" altLang="ja-JP" sz="800" dirty="0"/>
+                        <a:t>md-</a:t>
+                      </a:r>
+                      <a:r>
+                        <a:rPr lang="ja-JP" altLang="en-US" sz="800" dirty="0"/>
+                        <a:t>100</a:t>
+                      </a:r>
+                      <a:r>
+                        <a:rPr lang="en-US" altLang="ja-JP" sz="800" dirty="0"/>
+                        <a:t>p</a:t>
+                      </a:r>
+                      <a:endParaRPr lang="en-US" sz="800" b="0" i="0" u="none" strike="noStrike" dirty="0">
+                        <a:solidFill>
+                          <a:srgbClr val="000000"/>
+                        </a:solidFill>
+                        <a:effectLst/>
+                        <a:latin typeface="游ゴシック" panose="020B0400000000000000" pitchFamily="50" charset="-128"/>
+                        <a:ea typeface="游ゴシック" panose="020B0400000000000000" pitchFamily="50" charset="-128"/>
+                      </a:endParaRPr>
+                    </a:p>
+                  </a:txBody>
+                  <a:tcPr marL="45720" marR="45720" anchor="ctr"/>
+                </a:tc>
+                <a:tc>
+                  <a:txBody>
+                    <a:bodyPr/>
+                    <a:lstStyle/>
+                    <a:p>
+                      <a:pPr marL="0" marR="0" lvl="0" indent="0" algn="ctr" defTabSz="1280160" rtl="0" eaLnBrk="1" fontAlgn="ctr" latinLnBrk="0" hangingPunct="1">
+                        <a:lnSpc>
+                          <a:spcPct val="100000"/>
+                        </a:lnSpc>
+                        <a:spcBef>
+                          <a:spcPts val="0"/>
+                        </a:spcBef>
+                        <a:spcAft>
+                          <a:spcPts val="0"/>
+                        </a:spcAft>
+                        <a:buClrTx/>
+                        <a:buSzTx/>
+                        <a:buFontTx/>
+                        <a:buNone/>
+                        <a:tabLst/>
+                        <a:defRPr/>
+                      </a:pPr>
+                      <a:r>
+                        <a:rPr lang="ja-JP" altLang="en-US" sz="800" b="0" i="0" u="none" strike="noStrike" dirty="0">
+                          <a:solidFill>
+                            <a:srgbClr val="000000"/>
+                          </a:solidFill>
+                          <a:effectLst/>
+                          <a:latin typeface="+mn-lt"/>
+                          <a:ea typeface="+mn-ea"/>
+                        </a:rPr>
+                        <a:t>〇</a:t>
+                      </a:r>
+                      <a:endParaRPr lang="en-US" altLang="ja-JP" sz="800" b="0" i="0" u="none" strike="noStrike" dirty="0">
+                        <a:solidFill>
+                          <a:srgbClr val="000000"/>
+                        </a:solidFill>
+                        <a:effectLst/>
+                        <a:latin typeface="+mn-lt"/>
+                        <a:ea typeface="+mn-ea"/>
                       </a:endParaRPr>
                     </a:p>
                   </a:txBody>
@@ -4684,8 +4937,8 @@
         </p:nvSpPr>
         <p:spPr>
           <a:xfrm>
-            <a:off x="3057525" y="5460000"/>
-            <a:ext cx="8858250" cy="2100575"/>
+            <a:off x="6886575" y="4800600"/>
+            <a:ext cx="8858250" cy="1923604"/>
           </a:xfrm>
           <a:prstGeom prst="rect">
             <a:avLst/>
@@ -4697,76 +4950,126 @@
           </a:bodyPr>
           <a:lstStyle/>
           <a:p>
-            <a:r>
-              <a:rPr lang="ja-JP" altLang="en-US" sz="1000" dirty="0"/>
-              <a:t>テキスト・fw-normal・ls・lh・fz-XXpx・text-left、text-center、text-right、text-justify</a:t>
-            </a:r>
-            <a:endParaRPr lang="en-US" altLang="ja-JP" sz="1000" dirty="0"/>
-          </a:p>
-          <a:p>
-            <a:endParaRPr lang="en-US" altLang="ja-JP" sz="1000" dirty="0"/>
-          </a:p>
-          <a:p>
-            <a:r>
-              <a:rPr lang="ja-JP" altLang="en-US" sz="1000" dirty="0"/>
+            <a:endParaRPr lang="en-US" altLang="ja-JP" sz="1000" dirty="0">
+              <a:latin typeface="+mj-ea"/>
+              <a:ea typeface="+mj-ea"/>
+            </a:endParaRPr>
+          </a:p>
+          <a:p>
+            <a:r>
+              <a:rPr lang="ja-JP" altLang="en-US" sz="1000" dirty="0">
+                <a:latin typeface="+mj-ea"/>
+                <a:ea typeface="+mj-ea"/>
+              </a:rPr>
               <a:t>ボーダー・border・border-top・border-right・border-bottom・border-left・border・border-top-0・border-right-0・border-bottom-0・border-left-0</a:t>
             </a:r>
-            <a:endParaRPr lang="en-US" altLang="ja-JP" sz="1000" dirty="0"/>
-          </a:p>
-          <a:p>
-            <a:endParaRPr lang="en-US" altLang="ja-JP" sz="1000" dirty="0"/>
-          </a:p>
-          <a:p>
-            <a:r>
-              <a:rPr lang="ja-JP" altLang="en-US" sz="1000" dirty="0"/>
+            <a:endParaRPr lang="en-US" altLang="ja-JP" sz="1000" dirty="0">
+              <a:latin typeface="+mj-ea"/>
+              <a:ea typeface="+mj-ea"/>
+            </a:endParaRPr>
+          </a:p>
+          <a:p>
+            <a:endParaRPr lang="en-US" altLang="ja-JP" sz="1000" dirty="0">
+              <a:latin typeface="+mj-ea"/>
+              <a:ea typeface="+mj-ea"/>
+            </a:endParaRPr>
+          </a:p>
+          <a:p>
+            <a:r>
+              <a:rPr lang="ja-JP" altLang="en-US" sz="1000" dirty="0">
+                <a:latin typeface="+mj-ea"/>
+                <a:ea typeface="+mj-ea"/>
+              </a:rPr>
               <a:t>角丸・rounded　px指定</a:t>
             </a:r>
             <a:r>
-              <a:rPr lang="en-US" altLang="ja-JP" sz="1000" dirty="0"/>
+              <a:rPr lang="en-US" altLang="ja-JP" sz="1000" dirty="0">
+                <a:latin typeface="+mj-ea"/>
+                <a:ea typeface="+mj-ea"/>
+              </a:rPr>
               <a:t>,</a:t>
             </a:r>
             <a:r>
-              <a:rPr lang="ja-JP" altLang="en-US" sz="1000" dirty="0"/>
+              <a:rPr lang="ja-JP" altLang="en-US" sz="1000" dirty="0">
+                <a:latin typeface="+mj-ea"/>
+                <a:ea typeface="+mj-ea"/>
+              </a:rPr>
               <a:t>ブレイクポイントは相談・rounded-circle・rounded-0</a:t>
             </a:r>
-            <a:endParaRPr lang="en-US" altLang="ja-JP" sz="1000" dirty="0"/>
-          </a:p>
-          <a:p>
-            <a:endParaRPr lang="en-US" altLang="ja-JP" sz="1000" dirty="0"/>
-          </a:p>
-          <a:p>
-            <a:r>
-              <a:rPr lang="ja-JP" altLang="en-US" sz="1000" dirty="0"/>
+            <a:endParaRPr lang="en-US" altLang="ja-JP" sz="1000" dirty="0">
+              <a:latin typeface="+mj-ea"/>
+              <a:ea typeface="+mj-ea"/>
+            </a:endParaRPr>
+          </a:p>
+          <a:p>
+            <a:endParaRPr lang="en-US" altLang="ja-JP" sz="1000" dirty="0">
+              <a:latin typeface="+mj-ea"/>
+              <a:ea typeface="+mj-ea"/>
+            </a:endParaRPr>
+          </a:p>
+          <a:p>
+            <a:r>
+              <a:rPr lang="ja-JP" altLang="en-US" sz="1000" dirty="0">
+                <a:latin typeface="+mj-ea"/>
+                <a:ea typeface="+mj-ea"/>
+              </a:rPr>
               <a:t>ＩＥ対応・pt-ie-20px ~30pxまで</a:t>
             </a:r>
-            <a:endParaRPr lang="en-US" altLang="ja-JP" sz="1000" dirty="0"/>
-          </a:p>
-          <a:p>
-            <a:endParaRPr lang="en-US" altLang="ja-JP" sz="1000" dirty="0"/>
-          </a:p>
-          <a:p>
-            <a:r>
-              <a:rPr lang="ja-JP" altLang="en-US" sz="1000" dirty="0"/>
+            <a:endParaRPr lang="en-US" altLang="ja-JP" sz="1000" dirty="0">
+              <a:latin typeface="+mj-ea"/>
+              <a:ea typeface="+mj-ea"/>
+            </a:endParaRPr>
+          </a:p>
+          <a:p>
+            <a:endParaRPr lang="en-US" altLang="ja-JP" sz="1000" dirty="0">
+              <a:latin typeface="+mj-ea"/>
+              <a:ea typeface="+mj-ea"/>
+            </a:endParaRPr>
+          </a:p>
+          <a:p>
+            <a:r>
+              <a:rPr lang="ja-JP" altLang="en-US" sz="1000" dirty="0">
+                <a:latin typeface="+mj-ea"/>
+                <a:ea typeface="+mj-ea"/>
+              </a:rPr>
               <a:t>縦中央配置・d-block justify-content-center</a:t>
             </a:r>
-            <a:endParaRPr lang="en-US" altLang="ja-JP" sz="1000" dirty="0"/>
-          </a:p>
-          <a:p>
-            <a:endParaRPr lang="en-US" altLang="ja-JP" sz="1000" dirty="0"/>
-          </a:p>
-          <a:p>
-            <a:r>
-              <a:rPr lang="ja-JP" altLang="en-US" sz="1000" dirty="0"/>
+            <a:endParaRPr lang="en-US" altLang="ja-JP" sz="1000" dirty="0">
+              <a:latin typeface="+mj-ea"/>
+              <a:ea typeface="+mj-ea"/>
+            </a:endParaRPr>
+          </a:p>
+          <a:p>
+            <a:endParaRPr lang="en-US" altLang="ja-JP" sz="1000" dirty="0">
+              <a:latin typeface="+mj-ea"/>
+              <a:ea typeface="+mj-ea"/>
+            </a:endParaRPr>
+          </a:p>
+          <a:p>
+            <a:r>
+              <a:rPr lang="ja-JP" altLang="en-US" sz="1000" dirty="0">
+                <a:latin typeface="+mj-ea"/>
+                <a:ea typeface="+mj-ea"/>
+              </a:rPr>
               <a:t>基礎カラー・</a:t>
             </a:r>
-            <a:endParaRPr lang="en-US" altLang="ja-JP" sz="1000" dirty="0"/>
-          </a:p>
-          <a:p>
-            <a:endParaRPr lang="en-US" altLang="ja-JP" sz="900" dirty="0"/>
-          </a:p>
-          <a:p>
-            <a:r>
-              <a:rPr lang="ja-JP" altLang="en-US" sz="1000" dirty="0"/>
+            <a:endParaRPr lang="en-US" altLang="ja-JP" sz="1000" dirty="0">
+              <a:latin typeface="+mj-ea"/>
+              <a:ea typeface="+mj-ea"/>
+            </a:endParaRPr>
+          </a:p>
+          <a:p>
+            <a:endParaRPr lang="en-US" altLang="ja-JP" sz="900" dirty="0">
+              <a:latin typeface="+mj-ea"/>
+              <a:ea typeface="+mj-ea"/>
+            </a:endParaRPr>
+          </a:p>
+          <a:p>
+            <a:r>
+              <a:rPr lang="ja-JP" altLang="en-US" sz="1000" dirty="0">
+                <a:latin typeface="+mj-ea"/>
+                <a:ea typeface="+mj-ea"/>
+              </a:rPr>
               <a:t>ルール・bscstmで対象セレクタを囲うこと</a:t>
             </a:r>
           </a:p>
@@ -4805,6 +5108,8 @@
                 <a:solidFill>
                   <a:schemeClr val="accent6"/>
                 </a:solidFill>
+                <a:latin typeface="+mj-ea"/>
+                <a:ea typeface="+mj-ea"/>
               </a:rPr>
               <a:t>テキスト</a:t>
             </a:r>
@@ -4826,14 +5131,14 @@
           <p:nvPr>
             <p:extLst>
               <p:ext uri="{D42A27DB-BD31-4B8C-83A1-F6EECF244321}">
-                <p14:modId xmlns:p14="http://schemas.microsoft.com/office/powerpoint/2010/main" val="1477163142"/>
+                <p14:modId xmlns:p14="http://schemas.microsoft.com/office/powerpoint/2010/main" val="1648055694"/>
               </p:ext>
             </p:extLst>
           </p:nvPr>
         </p:nvGraphicFramePr>
         <p:xfrm>
-          <a:off x="276224" y="3515842"/>
-          <a:ext cx="6124575" cy="1539240"/>
+          <a:off x="276225" y="3515842"/>
+          <a:ext cx="5810250" cy="2118360"/>
         </p:xfrm>
         <a:graphic>
           <a:graphicData uri="http://schemas.openxmlformats.org/drawingml/2006/table">
@@ -4842,35 +5147,35 @@
                 <a:tableStyleId>{E8B1032C-EA38-4F05-BA0D-38AFFFC7BED3}</a:tableStyleId>
               </a:tblPr>
               <a:tblGrid>
-                <a:gridCol w="751481">
+                <a:gridCol w="712914">
                   <a:extLst>
                     <a:ext uri="{9D8B030D-6E8A-4147-A177-3AD203B41FA5}">
                       <a16:colId xmlns:a16="http://schemas.microsoft.com/office/drawing/2014/main" val="2998470273"/>
                     </a:ext>
                   </a:extLst>
                 </a:gridCol>
-                <a:gridCol w="646274">
+                <a:gridCol w="839500">
                   <a:extLst>
                     <a:ext uri="{9D8B030D-6E8A-4147-A177-3AD203B41FA5}">
                       <a16:colId xmlns:a16="http://schemas.microsoft.com/office/drawing/2014/main" val="3607064280"/>
                     </a:ext>
                   </a:extLst>
                 </a:gridCol>
-                <a:gridCol w="888246">
+                <a:gridCol w="962186">
                   <a:extLst>
                     <a:ext uri="{9D8B030D-6E8A-4147-A177-3AD203B41FA5}">
                       <a16:colId xmlns:a16="http://schemas.microsoft.com/office/drawing/2014/main" val="3012900613"/>
                     </a:ext>
                   </a:extLst>
                 </a:gridCol>
-                <a:gridCol w="3038475">
+                <a:gridCol w="2581275">
                   <a:extLst>
                     <a:ext uri="{9D8B030D-6E8A-4147-A177-3AD203B41FA5}">
                       <a16:colId xmlns:a16="http://schemas.microsoft.com/office/drawing/2014/main" val="3942871161"/>
                     </a:ext>
                   </a:extLst>
                 </a:gridCol>
-                <a:gridCol w="800099">
+                <a:gridCol w="714375">
                   <a:extLst>
                     <a:ext uri="{9D8B030D-6E8A-4147-A177-3AD203B41FA5}">
                       <a16:colId xmlns:a16="http://schemas.microsoft.com/office/drawing/2014/main" val="2495800951"/>
@@ -4890,7 +5195,7 @@
                           <a:srgbClr val="000000"/>
                         </a:solidFill>
                         <a:effectLst/>
-                        <a:latin typeface="游ゴシック" panose="020B0400000000000000" pitchFamily="50" charset="-128"/>
+                        <a:latin typeface="+mn-lt"/>
                         <a:ea typeface="游ゴシック" panose="020B0400000000000000" pitchFamily="50" charset="-128"/>
                       </a:endParaRPr>
                     </a:p>
@@ -4916,7 +5221,7 @@
                             <a:srgbClr val="000000"/>
                           </a:solidFill>
                           <a:effectLst/>
-                          <a:latin typeface="游ゴシック" panose="020B0400000000000000" pitchFamily="50" charset="-128"/>
+                          <a:latin typeface="+mn-lt"/>
                           <a:ea typeface="游ゴシック" panose="020B0400000000000000" pitchFamily="50" charset="-128"/>
                         </a:rPr>
                         <a:t>書き方</a:t>
@@ -4944,7 +5249,7 @@
                             <a:srgbClr val="000000"/>
                           </a:solidFill>
                           <a:effectLst/>
-                          <a:latin typeface="游ゴシック" panose="020B0400000000000000" pitchFamily="50" charset="-128"/>
+                          <a:latin typeface="+mn-lt"/>
                           <a:ea typeface="游ゴシック" panose="020B0400000000000000" pitchFamily="50" charset="-128"/>
                         </a:rPr>
                         <a:t>適用範囲（幅）</a:t>
@@ -4969,6 +5274,7 @@
                       <a:r>
                         <a:rPr lang="ja-JP" altLang="en-US" sz="700" u="none" strike="noStrike" dirty="0">
                           <a:effectLst/>
+                          <a:latin typeface="+mn-lt"/>
                         </a:rPr>
                         <a:t>例</a:t>
                       </a:r>
@@ -4977,7 +5283,7 @@
                           <a:srgbClr val="000000"/>
                         </a:solidFill>
                         <a:effectLst/>
-                        <a:latin typeface="游ゴシック" panose="020B0400000000000000" pitchFamily="50" charset="-128"/>
+                        <a:latin typeface="+mn-lt"/>
                         <a:ea typeface="游ゴシック" panose="020B0400000000000000" pitchFamily="50" charset="-128"/>
                       </a:endParaRPr>
                     </a:p>
@@ -5003,7 +5309,7 @@
                             <a:srgbClr val="000000"/>
                           </a:solidFill>
                           <a:effectLst/>
-                          <a:latin typeface="游ゴシック" panose="020B0400000000000000" pitchFamily="50" charset="-128"/>
+                          <a:latin typeface="+mn-lt"/>
                           <a:ea typeface="游ゴシック" panose="020B0400000000000000" pitchFamily="50" charset="-128"/>
                         </a:rPr>
                         <a:t>Breakpoint</a:t>
@@ -5013,7 +5319,7 @@
                           <a:srgbClr val="000000"/>
                         </a:solidFill>
                         <a:effectLst/>
-                        <a:latin typeface="游ゴシック" panose="020B0400000000000000" pitchFamily="50" charset="-128"/>
+                        <a:latin typeface="+mn-lt"/>
                         <a:ea typeface="游ゴシック" panose="020B0400000000000000" pitchFamily="50" charset="-128"/>
                       </a:endParaRPr>
                     </a:p>
@@ -5046,7 +5352,7 @@
                             <a:srgbClr val="000000"/>
                           </a:solidFill>
                           <a:effectLst/>
-                          <a:latin typeface="游ゴシック" panose="020B0400000000000000" pitchFamily="50" charset="-128"/>
+                          <a:latin typeface="+mn-lt"/>
                           <a:ea typeface="游ゴシック" panose="020B0400000000000000" pitchFamily="50" charset="-128"/>
                         </a:rPr>
                         <a:t>size</a:t>
@@ -5062,7 +5368,9 @@
                     <a:p>
                       <a:pPr algn="l" fontAlgn="ctr"/>
                       <a:r>
-                        <a:rPr lang="en-US" altLang="ja-JP" sz="800" dirty="0"/>
+                        <a:rPr lang="en-US" altLang="ja-JP" sz="800" dirty="0">
+                          <a:latin typeface="+mn-lt"/>
+                        </a:rPr>
                         <a:t>fz-16px</a:t>
                       </a:r>
                       <a:endParaRPr lang="en-US" altLang="ja-JP" sz="800" b="0" i="0" u="none" strike="noStrike" dirty="0">
@@ -5070,7 +5378,7 @@
                           <a:srgbClr val="000000"/>
                         </a:solidFill>
                         <a:effectLst/>
-                        <a:latin typeface="游ゴシック" panose="020B0400000000000000" pitchFamily="50" charset="-128"/>
+                        <a:latin typeface="+mn-lt"/>
                         <a:ea typeface="游ゴシック" panose="020B0400000000000000" pitchFamily="50" charset="-128"/>
                       </a:endParaRPr>
                     </a:p>
@@ -5086,39 +5394,44 @@
                       <a:r>
                         <a:rPr lang="en-US" sz="800" u="none" strike="noStrike" dirty="0">
                           <a:effectLst/>
-                        </a:rPr>
-                        <a:t>0p</a:t>
+                          <a:latin typeface="+mn-lt"/>
+                        </a:rPr>
+                        <a:t>0px</a:t>
                       </a:r>
                       <a:r>
                         <a:rPr lang="ja-JP" altLang="en-US" sz="800" u="none" strike="noStrike" dirty="0">
                           <a:effectLst/>
+                          <a:latin typeface="+mn-lt"/>
                         </a:rPr>
                         <a:t> </a:t>
                       </a:r>
                       <a:r>
                         <a:rPr lang="en-US" altLang="ja-JP" sz="800" u="none" strike="noStrike" dirty="0">
                           <a:effectLst/>
+                          <a:latin typeface="+mn-lt"/>
                         </a:rPr>
                         <a:t>-</a:t>
                       </a:r>
                       <a:r>
                         <a:rPr lang="ja-JP" altLang="en-US" sz="800" u="none" strike="noStrike" dirty="0">
                           <a:effectLst/>
+                          <a:latin typeface="+mn-lt"/>
                         </a:rPr>
                         <a:t> </a:t>
                       </a:r>
                       <a:r>
                         <a:rPr lang="en-US" sz="800" u="none" strike="noStrike" dirty="0">
                           <a:effectLst/>
-                        </a:rPr>
-                        <a:t>100p</a:t>
+                          <a:latin typeface="+mn-lt"/>
+                        </a:rPr>
+                        <a:t>60px</a:t>
                       </a:r>
                       <a:endParaRPr lang="en-US" sz="800" b="0" i="0" u="none" strike="noStrike" dirty="0">
                         <a:solidFill>
                           <a:srgbClr val="000000"/>
                         </a:solidFill>
                         <a:effectLst/>
-                        <a:latin typeface="游ゴシック" panose="020B0400000000000000" pitchFamily="50" charset="-128"/>
+                        <a:latin typeface="+mn-lt"/>
                         <a:ea typeface="游ゴシック" panose="020B0400000000000000" pitchFamily="50" charset="-128"/>
                       </a:endParaRPr>
                     </a:p>
@@ -5129,112 +5442,6 @@
                   <a:txBody>
                     <a:bodyPr/>
                     <a:lstStyle/>
-                    <a:p>
-                      <a:pPr algn="l" fontAlgn="ctr"/>
-                      <a:endParaRPr lang="en-US" sz="800" b="0" i="0" u="none" strike="noStrike" dirty="0">
-                        <a:solidFill>
-                          <a:srgbClr val="000000"/>
-                        </a:solidFill>
-                        <a:effectLst/>
-                        <a:latin typeface="游ゴシック" panose="020B0400000000000000" pitchFamily="50" charset="-128"/>
-                        <a:ea typeface="游ゴシック" panose="020B0400000000000000" pitchFamily="50" charset="-128"/>
-                      </a:endParaRPr>
-                    </a:p>
-                  </a:txBody>
-                  <a:tcPr marL="45720" marR="45720" anchor="ctr"/>
-                </a:tc>
-                <a:tc>
-                  <a:txBody>
-                    <a:bodyPr/>
-                    <a:lstStyle/>
-                    <a:p>
-                      <a:pPr algn="ctr" fontAlgn="ctr"/>
-                      <a:r>
-                        <a:rPr lang="ja-JP" altLang="en-US" sz="800" b="0" i="0" u="none" strike="noStrike" dirty="0">
-                          <a:solidFill>
-                            <a:srgbClr val="000000"/>
-                          </a:solidFill>
-                          <a:effectLst/>
-                          <a:latin typeface="游ゴシック" panose="020B0400000000000000" pitchFamily="50" charset="-128"/>
-                          <a:ea typeface="游ゴシック" panose="020B0400000000000000" pitchFamily="50" charset="-128"/>
-                        </a:rPr>
-                        <a:t>〇</a:t>
-                      </a:r>
-                      <a:endParaRPr lang="en-US" sz="800" b="0" i="0" u="none" strike="noStrike" dirty="0">
-                        <a:solidFill>
-                          <a:srgbClr val="000000"/>
-                        </a:solidFill>
-                        <a:effectLst/>
-                        <a:latin typeface="游ゴシック" panose="020B0400000000000000" pitchFamily="50" charset="-128"/>
-                        <a:ea typeface="游ゴシック" panose="020B0400000000000000" pitchFamily="50" charset="-128"/>
-                      </a:endParaRPr>
-                    </a:p>
-                  </a:txBody>
-                  <a:tcPr marL="45720" marR="45720" anchor="ctr"/>
-                </a:tc>
-                <a:extLst>
-                  <a:ext uri="{0D108BD9-81ED-4DB2-BD59-A6C34878D82A}">
-                    <a16:rowId xmlns:a16="http://schemas.microsoft.com/office/drawing/2014/main" val="1768608318"/>
-                  </a:ext>
-                </a:extLst>
-              </a:tr>
-              <a:tr h="142786">
-                <a:tc>
-                  <a:txBody>
-                    <a:bodyPr/>
-                    <a:lstStyle/>
-                    <a:p>
-                      <a:pPr algn="l" fontAlgn="ctr"/>
-                      <a:r>
-                        <a:rPr lang="en-US" altLang="ja-JP" sz="800" b="0" i="0" u="none" strike="noStrike" dirty="0">
-                          <a:solidFill>
-                            <a:srgbClr val="000000"/>
-                          </a:solidFill>
-                          <a:effectLst/>
-                          <a:latin typeface="游ゴシック" panose="020B0400000000000000" pitchFamily="50" charset="-128"/>
-                          <a:ea typeface="游ゴシック" panose="020B0400000000000000" pitchFamily="50" charset="-128"/>
-                        </a:rPr>
-                        <a:t>weight</a:t>
-                      </a:r>
-                      <a:endParaRPr lang="en-US" sz="800" b="0" i="0" u="none" strike="noStrike" dirty="0">
-                        <a:solidFill>
-                          <a:srgbClr val="000000"/>
-                        </a:solidFill>
-                        <a:effectLst/>
-                        <a:latin typeface="游ゴシック" panose="020B0400000000000000" pitchFamily="50" charset="-128"/>
-                        <a:ea typeface="游ゴシック" panose="020B0400000000000000" pitchFamily="50" charset="-128"/>
-                      </a:endParaRPr>
-                    </a:p>
-                  </a:txBody>
-                  <a:tcPr marL="45720" marR="45720" anchor="ctr"/>
-                </a:tc>
-                <a:tc>
-                  <a:txBody>
-                    <a:bodyPr/>
-                    <a:lstStyle/>
-                    <a:p>
-                      <a:pPr algn="l" fontAlgn="ctr"/>
-                      <a:r>
-                        <a:rPr lang="en-US" altLang="ja-JP" sz="800" u="none" strike="noStrike" dirty="0" err="1">
-                          <a:effectLst/>
-                        </a:rPr>
-                        <a:t>fw</a:t>
-                      </a:r>
-                      <a:r>
-                        <a:rPr lang="en-US" altLang="ja-JP" sz="800" u="none" strike="noStrike" dirty="0">
-                          <a:effectLst/>
-                        </a:rPr>
-                        <a:t>-lighter</a:t>
-                      </a:r>
-                      <a:endParaRPr lang="en-US" altLang="ja-JP" sz="800" b="0" i="0" u="none" strike="noStrike" dirty="0">
-                        <a:solidFill>
-                          <a:srgbClr val="000000"/>
-                        </a:solidFill>
-                        <a:effectLst/>
-                        <a:latin typeface="游ゴシック" panose="020B0400000000000000" pitchFamily="50" charset="-128"/>
-                        <a:ea typeface="+mn-ea"/>
-                      </a:endParaRPr>
-                    </a:p>
                     <a:p>
                       <a:pPr marL="0" marR="0" lvl="0" indent="0" algn="l" defTabSz="1280160" rtl="0" eaLnBrk="1" fontAlgn="ctr" latinLnBrk="0" hangingPunct="1">
                         <a:lnSpc>
@@ -5254,17 +5461,127 @@
                         <a:defRPr/>
                       </a:pPr>
                       <a:r>
+                        <a:rPr lang="en-US" altLang="ja-JP" sz="800" dirty="0">
+                          <a:latin typeface="+mn-lt"/>
+                        </a:rPr>
+                        <a:t>fz-16px</a:t>
+                      </a:r>
+                      <a:r>
+                        <a:rPr lang="en-US" altLang="ja-JP" sz="800" b="0" i="0" u="none" strike="noStrike" dirty="0">
+                          <a:solidFill>
+                            <a:srgbClr val="000000"/>
+                          </a:solidFill>
+                          <a:effectLst/>
+                          <a:latin typeface="+mn-lt"/>
+                          <a:ea typeface="游ゴシック" panose="020B0400000000000000" pitchFamily="50" charset="-128"/>
+                        </a:rPr>
+                        <a:t> fx-md-18px</a:t>
+                      </a:r>
+                      <a:endParaRPr lang="en-US" altLang="ja-JP" sz="800" b="0" i="0" u="none" strike="noStrike" dirty="0">
+                        <a:solidFill>
+                          <a:srgbClr val="000000"/>
+                        </a:solidFill>
+                        <a:effectLst/>
+                        <a:latin typeface="+mn-lt"/>
+                        <a:ea typeface="+mn-ea"/>
+                      </a:endParaRPr>
+                    </a:p>
+                  </a:txBody>
+                  <a:tcPr marL="45720" marR="45720" anchor="ctr"/>
+                </a:tc>
+                <a:tc>
+                  <a:txBody>
+                    <a:bodyPr/>
+                    <a:lstStyle/>
+                    <a:p>
+                      <a:pPr algn="ctr" fontAlgn="ctr"/>
+                      <a:r>
+                        <a:rPr lang="ja-JP" altLang="en-US" sz="800" b="0" i="0" u="none" strike="noStrike" dirty="0">
+                          <a:solidFill>
+                            <a:srgbClr val="000000"/>
+                          </a:solidFill>
+                          <a:effectLst/>
+                          <a:latin typeface="+mn-lt"/>
+                          <a:ea typeface="游ゴシック" panose="020B0400000000000000" pitchFamily="50" charset="-128"/>
+                        </a:rPr>
+                        <a:t>〇</a:t>
+                      </a:r>
+                      <a:endParaRPr lang="en-US" sz="800" b="0" i="0" u="none" strike="noStrike" dirty="0">
+                        <a:solidFill>
+                          <a:srgbClr val="000000"/>
+                        </a:solidFill>
+                        <a:effectLst/>
+                        <a:latin typeface="+mn-lt"/>
+                        <a:ea typeface="游ゴシック" panose="020B0400000000000000" pitchFamily="50" charset="-128"/>
+                      </a:endParaRPr>
+                    </a:p>
+                  </a:txBody>
+                  <a:tcPr marL="45720" marR="45720" anchor="ctr"/>
+                </a:tc>
+                <a:extLst>
+                  <a:ext uri="{0D108BD9-81ED-4DB2-BD59-A6C34878D82A}">
+                    <a16:rowId xmlns:a16="http://schemas.microsoft.com/office/drawing/2014/main" val="1768608318"/>
+                  </a:ext>
+                </a:extLst>
+              </a:tr>
+              <a:tr h="142786">
+                <a:tc>
+                  <a:txBody>
+                    <a:bodyPr/>
+                    <a:lstStyle/>
+                    <a:p>
+                      <a:pPr algn="l" fontAlgn="ctr"/>
+                      <a:r>
+                        <a:rPr lang="en-US" altLang="ja-JP" sz="800" b="0" i="0" u="none" strike="noStrike" dirty="0">
+                          <a:solidFill>
+                            <a:srgbClr val="000000"/>
+                          </a:solidFill>
+                          <a:effectLst/>
+                          <a:latin typeface="+mn-lt"/>
+                          <a:ea typeface="游ゴシック" panose="020B0400000000000000" pitchFamily="50" charset="-128"/>
+                        </a:rPr>
+                        <a:t>weight</a:t>
+                      </a:r>
+                      <a:endParaRPr lang="en-US" sz="800" b="0" i="0" u="none" strike="noStrike" dirty="0">
+                        <a:solidFill>
+                          <a:srgbClr val="000000"/>
+                        </a:solidFill>
+                        <a:effectLst/>
+                        <a:latin typeface="+mn-lt"/>
+                        <a:ea typeface="游ゴシック" panose="020B0400000000000000" pitchFamily="50" charset="-128"/>
+                      </a:endParaRPr>
+                    </a:p>
+                  </a:txBody>
+                  <a:tcPr marL="45720" marR="45720" anchor="ctr"/>
+                </a:tc>
+                <a:tc>
+                  <a:txBody>
+                    <a:bodyPr/>
+                    <a:lstStyle/>
+                    <a:p>
+                      <a:pPr algn="l" fontAlgn="ctr"/>
+                      <a:r>
                         <a:rPr lang="en-US" altLang="ja-JP" sz="800" u="none" strike="noStrike" dirty="0" err="1">
                           <a:effectLst/>
+                          <a:latin typeface="+mn-lt"/>
                         </a:rPr>
                         <a:t>fw</a:t>
                       </a:r>
                       <a:r>
                         <a:rPr lang="en-US" altLang="ja-JP" sz="800" u="none" strike="noStrike" dirty="0">
                           <a:effectLst/>
-                        </a:rPr>
-                        <a:t>-light</a:t>
-                      </a:r>
+                          <a:latin typeface="+mn-lt"/>
+                        </a:rPr>
+                        <a:t>-lighter</a:t>
+                      </a:r>
+                      <a:endParaRPr lang="en-US" altLang="ja-JP" sz="800" b="0" i="0" u="none" strike="noStrike" dirty="0">
+                        <a:solidFill>
+                          <a:srgbClr val="000000"/>
+                        </a:solidFill>
+                        <a:effectLst/>
+                        <a:latin typeface="+mn-lt"/>
+                        <a:ea typeface="+mn-ea"/>
+                      </a:endParaRPr>
                     </a:p>
                     <a:p>
                       <a:pPr marL="0" marR="0" lvl="0" indent="0" algn="l" defTabSz="1280160" rtl="0" eaLnBrk="1" fontAlgn="ctr" latinLnBrk="0" hangingPunct="1">
@@ -5287,14 +5604,16 @@
                       <a:r>
                         <a:rPr lang="en-US" altLang="ja-JP" sz="800" u="none" strike="noStrike" dirty="0" err="1">
                           <a:effectLst/>
+                          <a:latin typeface="+mn-lt"/>
                         </a:rPr>
                         <a:t>fw</a:t>
                       </a:r>
                       <a:r>
                         <a:rPr lang="en-US" altLang="ja-JP" sz="800" u="none" strike="noStrike" dirty="0">
                           <a:effectLst/>
-                        </a:rPr>
-                        <a:t>-normal</a:t>
+                          <a:latin typeface="+mn-lt"/>
+                        </a:rPr>
+                        <a:t>-light</a:t>
                       </a:r>
                     </a:p>
                     <a:p>
@@ -5318,14 +5637,16 @@
                       <a:r>
                         <a:rPr lang="en-US" altLang="ja-JP" sz="800" u="none" strike="noStrike" dirty="0" err="1">
                           <a:effectLst/>
+                          <a:latin typeface="+mn-lt"/>
                         </a:rPr>
                         <a:t>fw</a:t>
                       </a:r>
                       <a:r>
                         <a:rPr lang="en-US" altLang="ja-JP" sz="800" u="none" strike="noStrike" dirty="0">
                           <a:effectLst/>
-                        </a:rPr>
-                        <a:t>-bold</a:t>
+                          <a:latin typeface="+mn-lt"/>
+                        </a:rPr>
+                        <a:t>-normal</a:t>
                       </a:r>
                     </a:p>
                     <a:p>
@@ -5349,45 +5670,17 @@
                       <a:r>
                         <a:rPr lang="en-US" altLang="ja-JP" sz="800" u="none" strike="noStrike" dirty="0" err="1">
                           <a:effectLst/>
+                          <a:latin typeface="+mn-lt"/>
                         </a:rPr>
                         <a:t>fw</a:t>
                       </a:r>
                       <a:r>
                         <a:rPr lang="en-US" altLang="ja-JP" sz="800" u="none" strike="noStrike" dirty="0">
                           <a:effectLst/>
-                        </a:rPr>
-                        <a:t>-bolder</a:t>
-                      </a:r>
-                    </a:p>
-                  </a:txBody>
-                  <a:tcPr marL="45720" marR="45720" anchor="ctr"/>
-                </a:tc>
-                <a:tc>
-                  <a:txBody>
-                    <a:bodyPr/>
-                    <a:lstStyle/>
-                    <a:p>
-                      <a:pPr algn="l" fontAlgn="ctr"/>
-                      <a:r>
-                        <a:rPr lang="en-US" sz="800" u="none" strike="noStrike" dirty="0" err="1">
-                          <a:effectLst/>
-                        </a:rPr>
-                        <a:t>fw</a:t>
-                      </a:r>
-                      <a:r>
-                        <a:rPr lang="en-US" sz="800" u="none" strike="noStrike" dirty="0">
-                          <a:effectLst/>
-                        </a:rPr>
-                        <a:t>-lighter</a:t>
-                      </a:r>
-                      <a:endParaRPr lang="en-US" sz="800" b="0" i="0" u="none" strike="noStrike" dirty="0">
-                        <a:solidFill>
-                          <a:srgbClr val="000000"/>
-                        </a:solidFill>
-                        <a:effectLst/>
-                        <a:latin typeface="游ゴシック" panose="020B0400000000000000" pitchFamily="50" charset="-128"/>
-                        <a:ea typeface="游ゴシック" panose="020B0400000000000000" pitchFamily="50" charset="-128"/>
-                      </a:endParaRPr>
+                          <a:latin typeface="+mn-lt"/>
+                        </a:rPr>
+                        <a:t>-bold</a:t>
+                      </a:r>
                     </a:p>
                     <a:p>
                       <a:pPr marL="0" marR="0" lvl="0" indent="0" algn="l" defTabSz="1280160" rtl="0" eaLnBrk="1" fontAlgn="ctr" latinLnBrk="0" hangingPunct="1">
@@ -5410,15 +5703,42 @@
                       <a:r>
                         <a:rPr lang="en-US" altLang="ja-JP" sz="800" u="none" strike="noStrike" dirty="0" err="1">
                           <a:effectLst/>
+                          <a:latin typeface="+mn-lt"/>
                         </a:rPr>
                         <a:t>fw</a:t>
                       </a:r>
                       <a:r>
                         <a:rPr lang="en-US" altLang="ja-JP" sz="800" u="none" strike="noStrike" dirty="0">
                           <a:effectLst/>
-                        </a:rPr>
-                        <a:t>-light</a:t>
-                      </a:r>
+                          <a:latin typeface="+mn-lt"/>
+                        </a:rPr>
+                        <a:t>-bolder</a:t>
+                      </a:r>
+                    </a:p>
+                  </a:txBody>
+                  <a:tcPr marL="45720" marR="45720" anchor="ctr"/>
+                </a:tc>
+                <a:tc>
+                  <a:txBody>
+                    <a:bodyPr/>
+                    <a:lstStyle/>
+                    <a:p>
+                      <a:pPr algn="l" fontAlgn="ctr"/>
+                      <a:r>
+                        <a:rPr lang="en-US" sz="800" u="none" strike="noStrike" dirty="0">
+                          <a:effectLst/>
+                          <a:latin typeface="+mn-lt"/>
+                        </a:rPr>
+                        <a:t>lighter</a:t>
+                      </a:r>
+                      <a:endParaRPr lang="en-US" sz="800" b="0" i="0" u="none" strike="noStrike" dirty="0">
+                        <a:solidFill>
+                          <a:srgbClr val="000000"/>
+                        </a:solidFill>
+                        <a:effectLst/>
+                        <a:latin typeface="+mn-lt"/>
+                        <a:ea typeface="游ゴシック" panose="020B0400000000000000" pitchFamily="50" charset="-128"/>
+                      </a:endParaRPr>
                     </a:p>
                     <a:p>
                       <a:pPr marL="0" marR="0" lvl="0" indent="0" algn="l" defTabSz="1280160" rtl="0" eaLnBrk="1" fontAlgn="ctr" latinLnBrk="0" hangingPunct="1">
@@ -5439,16 +5759,11 @@
                         <a:defRPr/>
                       </a:pPr>
                       <a:r>
-                        <a:rPr lang="en-US" altLang="ja-JP" sz="800" u="none" strike="noStrike" dirty="0" err="1">
-                          <a:effectLst/>
-                        </a:rPr>
-                        <a:t>fw</a:t>
-                      </a:r>
-                      <a:r>
                         <a:rPr lang="en-US" altLang="ja-JP" sz="800" u="none" strike="noStrike" dirty="0">
                           <a:effectLst/>
-                        </a:rPr>
-                        <a:t>-normal</a:t>
+                          <a:latin typeface="+mn-lt"/>
+                        </a:rPr>
+                        <a:t>300</a:t>
                       </a:r>
                     </a:p>
                     <a:p>
@@ -5470,16 +5785,11 @@
                         <a:defRPr/>
                       </a:pPr>
                       <a:r>
-                        <a:rPr lang="en-US" altLang="ja-JP" sz="800" u="none" strike="noStrike" dirty="0" err="1">
-                          <a:effectLst/>
-                        </a:rPr>
-                        <a:t>fw</a:t>
-                      </a:r>
-                      <a:r>
                         <a:rPr lang="en-US" altLang="ja-JP" sz="800" u="none" strike="noStrike" dirty="0">
                           <a:effectLst/>
-                        </a:rPr>
-                        <a:t>-bold</a:t>
+                          <a:latin typeface="+mn-lt"/>
+                        </a:rPr>
+                        <a:t>400</a:t>
                       </a:r>
                     </a:p>
                     <a:p>
@@ -5501,114 +5811,13 @@
                         <a:defRPr/>
                       </a:pPr>
                       <a:r>
-                        <a:rPr lang="en-US" altLang="ja-JP" sz="800" u="none" strike="noStrike" dirty="0" err="1">
-                          <a:effectLst/>
-                        </a:rPr>
-                        <a:t>fw</a:t>
-                      </a:r>
-                      <a:r>
                         <a:rPr lang="en-US" altLang="ja-JP" sz="800" u="none" strike="noStrike" dirty="0">
                           <a:effectLst/>
-                        </a:rPr>
-                        <a:t>-bolder</a:t>
-                      </a:r>
-                    </a:p>
-                  </a:txBody>
-                  <a:tcPr marL="45720" marR="45720" anchor="ctr"/>
-                </a:tc>
-                <a:tc>
-                  <a:txBody>
-                    <a:bodyPr/>
-                    <a:lstStyle/>
-                    <a:p>
-                      <a:pPr algn="l" fontAlgn="ctr"/>
-                      <a:r>
-                        <a:rPr lang="en-US" sz="800" u="none" strike="noStrike" dirty="0">
-                          <a:effectLst/>
-                        </a:rPr>
-                        <a:t>m-10px h-50px m-md-50px</a:t>
-                      </a:r>
-                      <a:endParaRPr lang="en-US" sz="800" b="0" i="0" u="none" strike="noStrike" dirty="0">
-                        <a:solidFill>
-                          <a:srgbClr val="000000"/>
-                        </a:solidFill>
-                        <a:effectLst/>
-                        <a:latin typeface="游ゴシック" panose="020B0400000000000000" pitchFamily="50" charset="-128"/>
-                        <a:ea typeface="游ゴシック" panose="020B0400000000000000" pitchFamily="50" charset="-128"/>
-                      </a:endParaRPr>
-                    </a:p>
-                  </a:txBody>
-                  <a:tcPr marL="45720" marR="45720" anchor="ctr"/>
-                </a:tc>
-                <a:tc>
-                  <a:txBody>
-                    <a:bodyPr/>
-                    <a:lstStyle/>
-                    <a:p>
-                      <a:pPr algn="ctr" fontAlgn="ctr"/>
-                      <a:r>
-                        <a:rPr lang="en-US" altLang="ja-JP" sz="800" b="0" i="0" u="none" strike="noStrike" dirty="0">
-                          <a:solidFill>
-                            <a:srgbClr val="000000"/>
-                          </a:solidFill>
-                          <a:effectLst/>
-                          <a:latin typeface="游ゴシック" panose="020B0400000000000000" pitchFamily="50" charset="-128"/>
-                          <a:ea typeface="游ゴシック" panose="020B0400000000000000" pitchFamily="50" charset="-128"/>
-                        </a:rPr>
-                        <a:t>×</a:t>
-                      </a:r>
-                      <a:endParaRPr lang="en-US" sz="800" b="0" i="0" u="none" strike="noStrike" dirty="0">
-                        <a:solidFill>
-                          <a:srgbClr val="000000"/>
-                        </a:solidFill>
-                        <a:effectLst/>
-                        <a:latin typeface="游ゴシック" panose="020B0400000000000000" pitchFamily="50" charset="-128"/>
-                        <a:ea typeface="游ゴシック" panose="020B0400000000000000" pitchFamily="50" charset="-128"/>
-                      </a:endParaRPr>
-                    </a:p>
-                  </a:txBody>
-                  <a:tcPr marL="45720" marR="45720" anchor="ctr"/>
-                </a:tc>
-                <a:extLst>
-                  <a:ext uri="{0D108BD9-81ED-4DB2-BD59-A6C34878D82A}">
-                    <a16:rowId xmlns:a16="http://schemas.microsoft.com/office/drawing/2014/main" val="2733662300"/>
-                  </a:ext>
-                </a:extLst>
-              </a:tr>
-              <a:tr h="142786">
-                <a:tc>
-                  <a:txBody>
-                    <a:bodyPr/>
-                    <a:lstStyle/>
-                    <a:p>
-                      <a:pPr algn="l" fontAlgn="ctr"/>
-                      <a:r>
-                        <a:rPr lang="en-US" altLang="ja-JP" sz="800" b="0" i="0" u="none" strike="noStrike" dirty="0">
-                          <a:solidFill>
-                            <a:srgbClr val="000000"/>
-                          </a:solidFill>
-                          <a:effectLst/>
-                          <a:latin typeface="游ゴシック" panose="020B0400000000000000" pitchFamily="50" charset="-128"/>
-                          <a:ea typeface="游ゴシック" panose="020B0400000000000000" pitchFamily="50" charset="-128"/>
-                        </a:rPr>
-                        <a:t>letter-spacing</a:t>
-                      </a:r>
-                      <a:endParaRPr lang="en-US" sz="800" b="0" i="0" u="none" strike="noStrike" dirty="0">
-                        <a:solidFill>
-                          <a:srgbClr val="000000"/>
-                        </a:solidFill>
-                        <a:effectLst/>
-                        <a:latin typeface="游ゴシック" panose="020B0400000000000000" pitchFamily="50" charset="-128"/>
-                        <a:ea typeface="游ゴシック" panose="020B0400000000000000" pitchFamily="50" charset="-128"/>
-                      </a:endParaRPr>
-                    </a:p>
-                  </a:txBody>
-                  <a:tcPr marL="45720" marR="45720" anchor="ctr"/>
-                </a:tc>
-                <a:tc>
-                  <a:txBody>
-                    <a:bodyPr/>
-                    <a:lstStyle/>
+                          <a:latin typeface="+mn-lt"/>
+                        </a:rPr>
+                        <a:t>700</a:t>
+                      </a:r>
+                    </a:p>
                     <a:p>
                       <a:pPr marL="0" marR="0" lvl="0" indent="0" algn="l" defTabSz="1280160" rtl="0" eaLnBrk="1" fontAlgn="ctr" latinLnBrk="0" hangingPunct="1">
                         <a:lnSpc>
@@ -5628,20 +5837,29 @@
                         <a:defRPr/>
                       </a:pPr>
                       <a:r>
-                        <a:rPr lang="ja-JP" altLang="en-US" sz="800" dirty="0"/>
-                        <a:t>max-w-100</a:t>
-                      </a:r>
-                      <a:r>
-                        <a:rPr lang="en-US" altLang="ja-JP" sz="800" dirty="0"/>
-                        <a:t>p</a:t>
-                      </a:r>
-                      <a:endParaRPr lang="en-US" altLang="ja-JP" sz="800" b="0" i="0" u="none" strike="noStrike" dirty="0">
+                        <a:rPr lang="en-US" altLang="ja-JP" sz="800" u="none" strike="noStrike" dirty="0">
+                          <a:effectLst/>
+                          <a:latin typeface="+mn-lt"/>
+                        </a:rPr>
+                        <a:t>Bolder</a:t>
+                      </a:r>
+                    </a:p>
+                  </a:txBody>
+                  <a:tcPr marL="45720" marR="45720" anchor="ctr"/>
+                </a:tc>
+                <a:tc>
+                  <a:txBody>
+                    <a:bodyPr/>
+                    <a:lstStyle/>
+                    <a:p>
+                      <a:pPr algn="l" fontAlgn="ctr"/>
+                      <a:endParaRPr lang="en-US" sz="800" b="0" i="0" u="none" strike="noStrike" dirty="0">
                         <a:solidFill>
                           <a:srgbClr val="000000"/>
                         </a:solidFill>
                         <a:effectLst/>
-                        <a:latin typeface="游ゴシック" panose="020B0400000000000000" pitchFamily="50" charset="-128"/>
-                        <a:ea typeface="+mn-ea"/>
+                        <a:latin typeface="+mn-lt"/>
+                        <a:ea typeface="游ゴシック" panose="020B0400000000000000" pitchFamily="50" charset="-128"/>
                       </a:endParaRPr>
                     </a:p>
                   </a:txBody>
@@ -5652,35 +5870,60 @@
                     <a:bodyPr/>
                     <a:lstStyle/>
                     <a:p>
-                      <a:pPr algn="l" fontAlgn="ctr"/>
-                      <a:r>
-                        <a:rPr lang="en-US" sz="800" b="0" i="0" u="none" strike="noStrike" dirty="0">
+                      <a:pPr algn="ctr" fontAlgn="ctr"/>
+                      <a:r>
+                        <a:rPr lang="en-US" altLang="ja-JP" sz="800" b="0" i="0" u="none" strike="noStrike" dirty="0">
                           <a:solidFill>
                             <a:srgbClr val="000000"/>
                           </a:solidFill>
                           <a:effectLst/>
-                          <a:latin typeface="游ゴシック" panose="020B0400000000000000" pitchFamily="50" charset="-128"/>
+                          <a:latin typeface="+mn-lt"/>
                           <a:ea typeface="游ゴシック" panose="020B0400000000000000" pitchFamily="50" charset="-128"/>
                         </a:rPr>
-                        <a:t>100p</a:t>
-                      </a:r>
-                      <a:r>
-                        <a:rPr lang="ja-JP" altLang="en-US" sz="800" b="0" i="0" u="none" strike="noStrike" dirty="0">
+                        <a:t>×</a:t>
+                      </a:r>
+                      <a:endParaRPr lang="en-US" sz="800" b="0" i="0" u="none" strike="noStrike" dirty="0">
+                        <a:solidFill>
+                          <a:srgbClr val="000000"/>
+                        </a:solidFill>
+                        <a:effectLst/>
+                        <a:latin typeface="+mn-lt"/>
+                        <a:ea typeface="游ゴシック" panose="020B0400000000000000" pitchFamily="50" charset="-128"/>
+                      </a:endParaRPr>
+                    </a:p>
+                  </a:txBody>
+                  <a:tcPr marL="45720" marR="45720" anchor="ctr"/>
+                </a:tc>
+                <a:extLst>
+                  <a:ext uri="{0D108BD9-81ED-4DB2-BD59-A6C34878D82A}">
+                    <a16:rowId xmlns:a16="http://schemas.microsoft.com/office/drawing/2014/main" val="2733662300"/>
+                  </a:ext>
+                </a:extLst>
+              </a:tr>
+              <a:tr h="142786">
+                <a:tc>
+                  <a:txBody>
+                    <a:bodyPr/>
+                    <a:lstStyle/>
+                    <a:p>
+                      <a:pPr algn="l" fontAlgn="ctr"/>
+                      <a:r>
+                        <a:rPr lang="en-US" altLang="ja-JP" sz="800" b="0" i="0" u="none" strike="noStrike" dirty="0">
                           <a:solidFill>
                             <a:srgbClr val="000000"/>
                           </a:solidFill>
                           <a:effectLst/>
-                          <a:latin typeface="游ゴシック" panose="020B0400000000000000" pitchFamily="50" charset="-128"/>
+                          <a:latin typeface="+mn-lt"/>
                           <a:ea typeface="游ゴシック" panose="020B0400000000000000" pitchFamily="50" charset="-128"/>
                         </a:rPr>
-                        <a:t>のみ</a:t>
+                        <a:t>letter-spacing</a:t>
                       </a:r>
                       <a:endParaRPr lang="en-US" sz="800" b="0" i="0" u="none" strike="noStrike" dirty="0">
                         <a:solidFill>
                           <a:srgbClr val="000000"/>
                         </a:solidFill>
                         <a:effectLst/>
-                        <a:latin typeface="游ゴシック" panose="020B0400000000000000" pitchFamily="50" charset="-128"/>
+                        <a:latin typeface="+mn-lt"/>
                         <a:ea typeface="游ゴシック" panose="020B0400000000000000" pitchFamily="50" charset="-128"/>
                       </a:endParaRPr>
                     </a:p>
@@ -5692,49 +5935,7 @@
                     <a:bodyPr/>
                     <a:lstStyle/>
                     <a:p>
-                      <a:pPr algn="l" fontAlgn="ctr"/>
-                      <a:r>
-                        <a:rPr lang="ja-JP" altLang="en-US" sz="800" dirty="0"/>
-                        <a:t>max-w-100</a:t>
-                      </a:r>
-                      <a:r>
-                        <a:rPr lang="en-US" altLang="ja-JP" sz="800" dirty="0"/>
-                        <a:t>p</a:t>
-                      </a:r>
-                      <a:r>
-                        <a:rPr lang="ja-JP" altLang="en-US" sz="800" dirty="0"/>
-                        <a:t>  max-w-</a:t>
-                      </a:r>
-                      <a:r>
-                        <a:rPr lang="en-US" altLang="ja-JP" sz="800" dirty="0"/>
-                        <a:t>md-</a:t>
-                      </a:r>
-                      <a:r>
-                        <a:rPr lang="ja-JP" altLang="en-US" sz="800" dirty="0"/>
-                        <a:t>100</a:t>
-                      </a:r>
-                      <a:r>
-                        <a:rPr lang="en-US" altLang="ja-JP" sz="800" dirty="0"/>
-                        <a:t>p</a:t>
-                      </a:r>
-                      <a:endParaRPr lang="en-US" sz="800" b="0" i="0" u="none" strike="noStrike" dirty="0">
-                        <a:solidFill>
-                          <a:srgbClr val="000000"/>
-                        </a:solidFill>
-                        <a:effectLst/>
-                        <a:latin typeface="游ゴシック" panose="020B0400000000000000" pitchFamily="50" charset="-128"/>
-                        <a:ea typeface="游ゴシック" panose="020B0400000000000000" pitchFamily="50" charset="-128"/>
-                      </a:endParaRPr>
-                    </a:p>
-                  </a:txBody>
-                  <a:tcPr marL="45720" marR="45720" anchor="ctr"/>
-                </a:tc>
-                <a:tc>
-                  <a:txBody>
-                    <a:bodyPr/>
-                    <a:lstStyle/>
-                    <a:p>
-                      <a:pPr marL="0" marR="0" lvl="0" indent="0" algn="ctr" defTabSz="1280160" rtl="0" eaLnBrk="1" fontAlgn="ctr" latinLnBrk="0" hangingPunct="1">
+                      <a:pPr marL="0" marR="0" lvl="0" indent="0" algn="l" defTabSz="1280160" rtl="0" eaLnBrk="1" fontAlgn="ctr" latinLnBrk="0" hangingPunct="1">
                         <a:lnSpc>
                           <a:spcPct val="100000"/>
                         </a:lnSpc>
@@ -5752,58 +5953,79 @@
                         <a:defRPr/>
                       </a:pPr>
                       <a:r>
-                        <a:rPr lang="ja-JP" altLang="en-US" sz="800" b="0" i="0" u="none" strike="noStrike">
+                        <a:rPr lang="en-US" altLang="ja-JP" sz="800" dirty="0">
+                          <a:latin typeface="+mn-lt"/>
+                        </a:rPr>
+                        <a:t>ls-20</a:t>
+                      </a:r>
+                      <a:endParaRPr lang="en-US" altLang="ja-JP" sz="800" b="0" i="0" u="none" strike="noStrike" dirty="0">
+                        <a:solidFill>
+                          <a:srgbClr val="000000"/>
+                        </a:solidFill>
+                        <a:effectLst/>
+                        <a:latin typeface="+mn-lt"/>
+                        <a:ea typeface="+mn-ea"/>
+                      </a:endParaRPr>
+                    </a:p>
+                  </a:txBody>
+                  <a:tcPr marL="45720" marR="45720" anchor="ctr"/>
+                </a:tc>
+                <a:tc>
+                  <a:txBody>
+                    <a:bodyPr/>
+                    <a:lstStyle/>
+                    <a:p>
+                      <a:pPr algn="l" fontAlgn="ctr"/>
+                      <a:r>
+                        <a:rPr lang="en-US" sz="800" b="0" i="0" u="none" strike="noStrike" dirty="0">
                           <a:solidFill>
                             <a:srgbClr val="000000"/>
                           </a:solidFill>
                           <a:effectLst/>
-                          <a:latin typeface="游ゴシック" panose="020B0400000000000000" pitchFamily="50" charset="-128"/>
+                          <a:latin typeface="+mn-lt"/>
+                          <a:ea typeface="游ゴシック" panose="020B0400000000000000" pitchFamily="50" charset="-128"/>
+                        </a:rPr>
+                        <a:t>1 – 100</a:t>
+                      </a:r>
+                      <a:r>
+                        <a:rPr lang="ja-JP" altLang="en-US" sz="800" b="0" i="0" u="none" strike="noStrike" dirty="0">
+                          <a:solidFill>
+                            <a:srgbClr val="000000"/>
+                          </a:solidFill>
+                          <a:effectLst/>
+                          <a:latin typeface="+mn-lt"/>
                           <a:ea typeface="+mn-ea"/>
                         </a:rPr>
-                        <a:t>〇</a:t>
-                      </a:r>
-                      <a:endParaRPr lang="en-US" altLang="ja-JP" sz="800" b="0" i="0" u="none" strike="noStrike">
-                        <a:solidFill>
-                          <a:srgbClr val="000000"/>
-                        </a:solidFill>
-                        <a:effectLst/>
-                        <a:latin typeface="游ゴシック" panose="020B0400000000000000" pitchFamily="50" charset="-128"/>
-                        <a:ea typeface="+mn-ea"/>
-                      </a:endParaRPr>
-                    </a:p>
-                  </a:txBody>
-                  <a:tcPr marL="45720" marR="45720" anchor="ctr"/>
-                </a:tc>
-                <a:extLst>
-                  <a:ext uri="{0D108BD9-81ED-4DB2-BD59-A6C34878D82A}">
-                    <a16:rowId xmlns:a16="http://schemas.microsoft.com/office/drawing/2014/main" val="364004198"/>
-                  </a:ext>
-                </a:extLst>
-              </a:tr>
-              <a:tr h="142786">
-                <a:tc>
-                  <a:txBody>
-                    <a:bodyPr/>
-                    <a:lstStyle/>
-                    <a:p>
-                      <a:pPr algn="l" fontAlgn="ctr"/>
+                        <a:t>（</a:t>
+                      </a:r>
                       <a:r>
                         <a:rPr lang="en-US" altLang="ja-JP" sz="800" b="0" i="0" u="none" strike="noStrike" dirty="0">
                           <a:solidFill>
                             <a:srgbClr val="000000"/>
                           </a:solidFill>
                           <a:effectLst/>
-                          <a:latin typeface="游ゴシック" panose="020B0400000000000000" pitchFamily="50" charset="-128"/>
-                          <a:ea typeface="游ゴシック" panose="020B0400000000000000" pitchFamily="50" charset="-128"/>
-                        </a:rPr>
-                        <a:t>Line-height</a:t>
+                          <a:latin typeface="+mn-lt"/>
+                          <a:ea typeface="+mn-ea"/>
+                        </a:rPr>
+                        <a:t>×0.1</a:t>
+                      </a:r>
+                      <a:r>
+                        <a:rPr lang="ja-JP" altLang="en-US" sz="800" b="0" i="0" u="none" strike="noStrike" dirty="0">
+                          <a:solidFill>
+                            <a:srgbClr val="000000"/>
+                          </a:solidFill>
+                          <a:effectLst/>
+                          <a:latin typeface="+mn-lt"/>
+                          <a:ea typeface="+mn-ea"/>
+                        </a:rPr>
+                        <a:t>）</a:t>
                       </a:r>
                       <a:endParaRPr lang="en-US" sz="800" b="0" i="0" u="none" strike="noStrike" dirty="0">
                         <a:solidFill>
                           <a:srgbClr val="000000"/>
                         </a:solidFill>
                         <a:effectLst/>
-                        <a:latin typeface="游ゴシック" panose="020B0400000000000000" pitchFamily="50" charset="-128"/>
+                        <a:latin typeface="+mn-lt"/>
                         <a:ea typeface="游ゴシック" panose="020B0400000000000000" pitchFamily="50" charset="-128"/>
                       </a:endParaRPr>
                     </a:p>
@@ -5833,27 +6055,138 @@
                         <a:defRPr/>
                       </a:pPr>
                       <a:r>
-                        <a:rPr lang="ja-JP" altLang="en-US" sz="800" dirty="0"/>
-                        <a:t>m</a:t>
-                      </a:r>
-                      <a:r>
-                        <a:rPr lang="en-US" altLang="ja-JP" sz="800" dirty="0"/>
-                        <a:t>in</a:t>
-                      </a:r>
-                      <a:r>
-                        <a:rPr lang="ja-JP" altLang="en-US" sz="800" dirty="0"/>
-                        <a:t>-w-100</a:t>
-                      </a:r>
-                      <a:r>
-                        <a:rPr lang="en-US" altLang="ja-JP" sz="800" dirty="0"/>
-                        <a:t>p</a:t>
+                        <a:rPr lang="en-US" altLang="ja-JP" sz="800" dirty="0">
+                          <a:latin typeface="+mn-lt"/>
+                        </a:rPr>
+                        <a:t>ls-20(=2px) ls-25(=2.5px)</a:t>
                       </a:r>
                       <a:endParaRPr lang="en-US" altLang="ja-JP" sz="800" b="0" i="0" u="none" strike="noStrike" dirty="0">
                         <a:solidFill>
                           <a:srgbClr val="000000"/>
                         </a:solidFill>
                         <a:effectLst/>
-                        <a:latin typeface="游ゴシック" panose="020B0400000000000000" pitchFamily="50" charset="-128"/>
+                        <a:latin typeface="+mn-lt"/>
+                        <a:ea typeface="+mn-ea"/>
+                      </a:endParaRPr>
+                    </a:p>
+                  </a:txBody>
+                  <a:tcPr marL="45720" marR="45720" anchor="ctr"/>
+                </a:tc>
+                <a:tc>
+                  <a:txBody>
+                    <a:bodyPr/>
+                    <a:lstStyle/>
+                    <a:p>
+                      <a:pPr marL="0" marR="0" lvl="0" indent="0" algn="ctr" defTabSz="1280160" rtl="0" eaLnBrk="1" fontAlgn="ctr" latinLnBrk="0" hangingPunct="1">
+                        <a:lnSpc>
+                          <a:spcPct val="100000"/>
+                        </a:lnSpc>
+                        <a:spcBef>
+                          <a:spcPts val="0"/>
+                        </a:spcBef>
+                        <a:spcAft>
+                          <a:spcPts val="0"/>
+                        </a:spcAft>
+                        <a:buClrTx/>
+                        <a:buSzTx/>
+                        <a:buFontTx/>
+                        <a:buNone/>
+                        <a:tabLst/>
+                        <a:defRPr/>
+                      </a:pPr>
+                      <a:r>
+                        <a:rPr lang="ja-JP" altLang="en-US" sz="800" b="0" i="0" u="none" strike="noStrike" dirty="0">
+                          <a:solidFill>
+                            <a:srgbClr val="000000"/>
+                          </a:solidFill>
+                          <a:effectLst/>
+                          <a:latin typeface="+mn-lt"/>
+                          <a:ea typeface="+mn-ea"/>
+                        </a:rPr>
+                        <a:t>〇</a:t>
+                      </a:r>
+                      <a:endParaRPr lang="en-US" altLang="ja-JP" sz="800" b="0" i="0" u="none" strike="noStrike" dirty="0">
+                        <a:solidFill>
+                          <a:srgbClr val="000000"/>
+                        </a:solidFill>
+                        <a:effectLst/>
+                        <a:latin typeface="+mn-lt"/>
+                        <a:ea typeface="+mn-ea"/>
+                      </a:endParaRPr>
+                    </a:p>
+                  </a:txBody>
+                  <a:tcPr marL="45720" marR="45720" anchor="ctr"/>
+                </a:tc>
+                <a:extLst>
+                  <a:ext uri="{0D108BD9-81ED-4DB2-BD59-A6C34878D82A}">
+                    <a16:rowId xmlns:a16="http://schemas.microsoft.com/office/drawing/2014/main" val="364004198"/>
+                  </a:ext>
+                </a:extLst>
+              </a:tr>
+              <a:tr h="142786">
+                <a:tc>
+                  <a:txBody>
+                    <a:bodyPr/>
+                    <a:lstStyle/>
+                    <a:p>
+                      <a:pPr algn="l" fontAlgn="ctr"/>
+                      <a:r>
+                        <a:rPr lang="en-US" altLang="ja-JP" sz="800" b="0" i="0" u="none" strike="noStrike" dirty="0">
+                          <a:solidFill>
+                            <a:srgbClr val="000000"/>
+                          </a:solidFill>
+                          <a:effectLst/>
+                          <a:latin typeface="+mn-lt"/>
+                          <a:ea typeface="游ゴシック" panose="020B0400000000000000" pitchFamily="50" charset="-128"/>
+                        </a:rPr>
+                        <a:t>line-height</a:t>
+                      </a:r>
+                      <a:endParaRPr lang="en-US" sz="800" b="0" i="0" u="none" strike="noStrike" dirty="0">
+                        <a:solidFill>
+                          <a:srgbClr val="000000"/>
+                        </a:solidFill>
+                        <a:effectLst/>
+                        <a:latin typeface="+mn-lt"/>
+                        <a:ea typeface="游ゴシック" panose="020B0400000000000000" pitchFamily="50" charset="-128"/>
+                      </a:endParaRPr>
+                    </a:p>
+                  </a:txBody>
+                  <a:tcPr marL="45720" marR="45720" anchor="ctr"/>
+                </a:tc>
+                <a:tc>
+                  <a:txBody>
+                    <a:bodyPr/>
+                    <a:lstStyle/>
+                    <a:p>
+                      <a:pPr marL="0" marR="0" lvl="0" indent="0" algn="l" defTabSz="1280160" rtl="0" eaLnBrk="1" fontAlgn="ctr" latinLnBrk="0" hangingPunct="1">
+                        <a:lnSpc>
+                          <a:spcPct val="100000"/>
+                        </a:lnSpc>
+                        <a:spcBef>
+                          <a:spcPts val="0"/>
+                        </a:spcBef>
+                        <a:spcAft>
+                          <a:spcPts val="0"/>
+                        </a:spcAft>
+                        <a:buClrTx/>
+                        <a:buSzTx/>
+                        <a:buFontTx/>
+                        <a:buNone/>
+                        <a:tabLst/>
+                        <a:defRPr/>
+                      </a:pPr>
+                      <a:r>
+                        <a:rPr lang="en-US" altLang="ja-JP" sz="800" dirty="0">
+                          <a:latin typeface="+mn-lt"/>
+                        </a:rPr>
+                        <a:t>lh-20</a:t>
+                      </a:r>
+                      <a:endParaRPr lang="en-US" altLang="ja-JP" sz="800" b="0" i="0" u="none" strike="noStrike" dirty="0">
+                        <a:solidFill>
+                          <a:srgbClr val="000000"/>
+                        </a:solidFill>
+                        <a:effectLst/>
+                        <a:latin typeface="+mn-lt"/>
                         <a:ea typeface="+mn-ea"/>
                       </a:endParaRPr>
                     </a:p>
@@ -5872,10 +6205,10 @@
                             <a:srgbClr val="000000"/>
                           </a:solidFill>
                           <a:effectLst/>
-                          <a:latin typeface="游ゴシック" panose="020B0400000000000000" pitchFamily="50" charset="-128"/>
+                          <a:latin typeface="+mn-lt"/>
                           <a:ea typeface="游ゴシック" panose="020B0400000000000000" pitchFamily="50" charset="-128"/>
                         </a:rPr>
-                        <a:t>100p</a:t>
+                        <a:t>1 - 50</a:t>
                       </a:r>
                       <a:r>
                         <a:rPr lang="ja-JP" altLang="en-US" sz="800" b="0" i="0" u="none" strike="noStrike" dirty="0">
@@ -5883,17 +6216,39 @@
                             <a:srgbClr val="000000"/>
                           </a:solidFill>
                           <a:effectLst/>
-                          <a:latin typeface="游ゴシック" panose="020B0400000000000000" pitchFamily="50" charset="-128"/>
+                          <a:latin typeface="+mn-lt"/>
                           <a:ea typeface="游ゴシック" panose="020B0400000000000000" pitchFamily="50" charset="-128"/>
                         </a:rPr>
-                        <a:t>のみ</a:t>
+                        <a:t>（</a:t>
+                      </a:r>
+                      <a:r>
+                        <a:rPr lang="en-US" altLang="ja-JP" sz="800" b="0" i="0" u="none" strike="noStrike" dirty="0">
+                          <a:solidFill>
+                            <a:srgbClr val="000000"/>
+                          </a:solidFill>
+                          <a:effectLst/>
+                          <a:latin typeface="+mn-lt"/>
+                          <a:ea typeface="游ゴシック" panose="020B0400000000000000" pitchFamily="50" charset="-128"/>
+                        </a:rPr>
+                        <a:t>×0.1</a:t>
+                      </a:r>
+                      <a:r>
+                        <a:rPr lang="ja-JP" altLang="en-US" sz="800" b="0" i="0" u="none" strike="noStrike" dirty="0">
+                          <a:solidFill>
+                            <a:srgbClr val="000000"/>
+                          </a:solidFill>
+                          <a:effectLst/>
+                          <a:latin typeface="+mn-lt"/>
+                          <a:ea typeface="游ゴシック" panose="020B0400000000000000" pitchFamily="50" charset="-128"/>
+                        </a:rPr>
+                        <a:t>）</a:t>
                       </a:r>
                       <a:endParaRPr lang="en-US" sz="800" b="0" i="0" u="none" strike="noStrike" dirty="0">
                         <a:solidFill>
                           <a:srgbClr val="000000"/>
                         </a:solidFill>
                         <a:effectLst/>
-                        <a:latin typeface="游ゴシック" panose="020B0400000000000000" pitchFamily="50" charset="-128"/>
+                        <a:latin typeface="+mn-lt"/>
                         <a:ea typeface="游ゴシック" panose="020B0400000000000000" pitchFamily="50" charset="-128"/>
                       </a:endParaRPr>
                     </a:p>
@@ -5905,54 +6260,36 @@
                     <a:bodyPr/>
                     <a:lstStyle/>
                     <a:p>
-                      <a:pPr algn="l" fontAlgn="ctr"/>
-                      <a:r>
-                        <a:rPr lang="ja-JP" altLang="en-US" sz="800" dirty="0"/>
-                        <a:t>m</a:t>
-                      </a:r>
-                      <a:r>
-                        <a:rPr lang="en-US" altLang="ja-JP" sz="800" dirty="0"/>
-                        <a:t>in</a:t>
-                      </a:r>
-                      <a:r>
-                        <a:rPr lang="ja-JP" altLang="en-US" sz="800" dirty="0"/>
-                        <a:t>-w-100</a:t>
-                      </a:r>
-                      <a:r>
-                        <a:rPr lang="en-US" altLang="ja-JP" sz="800" dirty="0"/>
-                        <a:t>p</a:t>
-                      </a:r>
-                      <a:r>
-                        <a:rPr lang="ja-JP" altLang="en-US" sz="800" dirty="0"/>
-                        <a:t>  m</a:t>
-                      </a:r>
-                      <a:r>
-                        <a:rPr lang="en-US" altLang="ja-JP" sz="800" dirty="0"/>
-                        <a:t>in</a:t>
-                      </a:r>
-                      <a:r>
-                        <a:rPr lang="ja-JP" altLang="en-US" sz="800" dirty="0"/>
-                        <a:t>-w-</a:t>
-                      </a:r>
-                      <a:r>
-                        <a:rPr lang="en-US" altLang="ja-JP" sz="800" dirty="0"/>
-                        <a:t>md-</a:t>
-                      </a:r>
-                      <a:r>
-                        <a:rPr lang="ja-JP" altLang="en-US" sz="800" dirty="0"/>
-                        <a:t>100</a:t>
-                      </a:r>
-                      <a:r>
-                        <a:rPr lang="en-US" altLang="ja-JP" sz="800" dirty="0"/>
-                        <a:t>p</a:t>
-                      </a:r>
-                      <a:endParaRPr lang="en-US" sz="800" b="0" i="0" u="none" strike="noStrike" dirty="0">
+                      <a:pPr marL="0" marR="0" lvl="0" indent="0" algn="l" defTabSz="1280160" rtl="0" eaLnBrk="1" fontAlgn="ctr" latinLnBrk="0" hangingPunct="1">
+                        <a:lnSpc>
+                          <a:spcPct val="100000"/>
+                        </a:lnSpc>
+                        <a:spcBef>
+                          <a:spcPts val="0"/>
+                        </a:spcBef>
+                        <a:spcAft>
+                          <a:spcPts val="0"/>
+                        </a:spcAft>
+                        <a:buClrTx/>
+                        <a:buSzTx/>
+                        <a:buFontTx/>
+                        <a:buNone/>
+                        <a:tabLst/>
+                        <a:defRPr/>
+                      </a:pPr>
+                      <a:r>
+                        <a:rPr lang="en-US" altLang="ja-JP" sz="800" dirty="0">
+                          <a:latin typeface="+mn-lt"/>
+                        </a:rPr>
+                        <a:t>lh-14(=1.4) lh-18(=1.8)</a:t>
+                      </a:r>
+                      <a:endParaRPr lang="en-US" altLang="ja-JP" sz="800" b="0" i="0" u="none" strike="noStrike" dirty="0">
                         <a:solidFill>
                           <a:srgbClr val="000000"/>
                         </a:solidFill>
                         <a:effectLst/>
-                        <a:latin typeface="游ゴシック" panose="020B0400000000000000" pitchFamily="50" charset="-128"/>
-                        <a:ea typeface="游ゴシック" panose="020B0400000000000000" pitchFamily="50" charset="-128"/>
+                        <a:latin typeface="+mn-lt"/>
+                        <a:ea typeface="+mn-ea"/>
                       </a:endParaRPr>
                     </a:p>
                   </a:txBody>
@@ -5963,14 +6300,41 @@
                     <a:bodyPr/>
                     <a:lstStyle/>
                     <a:p>
-                      <a:pPr algn="ctr" fontAlgn="ctr"/>
-                      <a:endParaRPr lang="en-US" sz="800" b="0" i="0" u="none" strike="noStrike" dirty="0">
+                      <a:pPr marL="0" marR="0" lvl="0" indent="0" algn="ctr" defTabSz="1280160" rtl="0" eaLnBrk="1" fontAlgn="ctr" latinLnBrk="0" hangingPunct="1">
+                        <a:lnSpc>
+                          <a:spcPct val="100000"/>
+                        </a:lnSpc>
+                        <a:spcBef>
+                          <a:spcPts val="0"/>
+                        </a:spcBef>
+                        <a:spcAft>
+                          <a:spcPts val="0"/>
+                        </a:spcAft>
+                        <a:buClrTx/>
+                        <a:buSzTx/>
+                        <a:buFontTx/>
+                        <a:buNone/>
+                        <a:tabLst/>
+                        <a:defRPr/>
+                      </a:pPr>
+                      <a:r>
+                        <a:rPr lang="ja-JP" altLang="en-US" sz="800" b="0" i="0" u="none" strike="noStrike" dirty="0">
+                          <a:solidFill>
+                            <a:srgbClr val="000000"/>
+                          </a:solidFill>
+                          <a:effectLst/>
+                          <a:latin typeface="+mn-lt"/>
+                          <a:ea typeface="+mn-ea"/>
+                        </a:rPr>
+                        <a:t>〇</a:t>
+                      </a:r>
+                      <a:endParaRPr lang="en-US" altLang="ja-JP" sz="800" b="0" i="0" u="none" strike="noStrike" dirty="0">
                         <a:solidFill>
                           <a:srgbClr val="000000"/>
                         </a:solidFill>
                         <a:effectLst/>
-                        <a:latin typeface="游ゴシック" panose="020B0400000000000000" pitchFamily="50" charset="-128"/>
-                        <a:ea typeface="游ゴシック" panose="020B0400000000000000" pitchFamily="50" charset="-128"/>
+                        <a:latin typeface="+mn-lt"/>
+                        <a:ea typeface="+mn-ea"/>
                       </a:endParaRPr>
                     </a:p>
                   </a:txBody>
@@ -5979,6 +6343,290 @@
                 <a:extLst>
                   <a:ext uri="{0D108BD9-81ED-4DB2-BD59-A6C34878D82A}">
                     <a16:rowId xmlns:a16="http://schemas.microsoft.com/office/drawing/2014/main" val="2827395034"/>
+                  </a:ext>
+                </a:extLst>
+              </a:tr>
+              <a:tr h="142786">
+                <a:tc>
+                  <a:txBody>
+                    <a:bodyPr/>
+                    <a:lstStyle/>
+                    <a:p>
+                      <a:pPr algn="l" fontAlgn="ctr"/>
+                      <a:r>
+                        <a:rPr lang="en-US" sz="800" b="0" i="0" u="none" strike="noStrike" dirty="0">
+                          <a:solidFill>
+                            <a:srgbClr val="000000"/>
+                          </a:solidFill>
+                          <a:effectLst/>
+                          <a:latin typeface="+mn-lt"/>
+                          <a:ea typeface="游ゴシック" panose="020B0400000000000000" pitchFamily="50" charset="-128"/>
+                        </a:rPr>
+                        <a:t>text-align</a:t>
+                      </a:r>
+                    </a:p>
+                  </a:txBody>
+                  <a:tcPr marL="45720" marR="45720" anchor="ctr"/>
+                </a:tc>
+                <a:tc>
+                  <a:txBody>
+                    <a:bodyPr/>
+                    <a:lstStyle/>
+                    <a:p>
+                      <a:pPr marL="0" marR="0" lvl="0" indent="0" algn="l" defTabSz="1280160" rtl="0" eaLnBrk="1" fontAlgn="ctr" latinLnBrk="0" hangingPunct="1">
+                        <a:lnSpc>
+                          <a:spcPct val="100000"/>
+                        </a:lnSpc>
+                        <a:spcBef>
+                          <a:spcPts val="0"/>
+                        </a:spcBef>
+                        <a:spcAft>
+                          <a:spcPts val="0"/>
+                        </a:spcAft>
+                        <a:buClrTx/>
+                        <a:buSzTx/>
+                        <a:buFontTx/>
+                        <a:buNone/>
+                        <a:tabLst/>
+                        <a:defRPr/>
+                      </a:pPr>
+                      <a:r>
+                        <a:rPr kumimoji="1" lang="ja-JP" altLang="en-US" sz="800" kern="1200" dirty="0">
+                          <a:solidFill>
+                            <a:schemeClr val="tx1"/>
+                          </a:solidFill>
+                          <a:latin typeface="+mj-ea"/>
+                          <a:ea typeface="+mn-ea"/>
+                          <a:cs typeface="+mn-cs"/>
+                        </a:rPr>
+                        <a:t>text-left</a:t>
+                      </a:r>
+                      <a:endParaRPr kumimoji="1" lang="en-US" altLang="ja-JP" sz="800" kern="1200" dirty="0">
+                        <a:solidFill>
+                          <a:schemeClr val="tx1"/>
+                        </a:solidFill>
+                        <a:latin typeface="+mj-ea"/>
+                        <a:ea typeface="+mn-ea"/>
+                        <a:cs typeface="+mn-cs"/>
+                      </a:endParaRPr>
+                    </a:p>
+                    <a:p>
+                      <a:pPr marL="0" marR="0" lvl="0" indent="0" algn="l" defTabSz="1280160" rtl="0" eaLnBrk="1" fontAlgn="ctr" latinLnBrk="0" hangingPunct="1">
+                        <a:lnSpc>
+                          <a:spcPct val="100000"/>
+                        </a:lnSpc>
+                        <a:spcBef>
+                          <a:spcPts val="0"/>
+                        </a:spcBef>
+                        <a:spcAft>
+                          <a:spcPts val="0"/>
+                        </a:spcAft>
+                        <a:buClrTx/>
+                        <a:buSzTx/>
+                        <a:buFontTx/>
+                        <a:buNone/>
+                        <a:tabLst/>
+                        <a:defRPr/>
+                      </a:pPr>
+                      <a:r>
+                        <a:rPr kumimoji="1" lang="ja-JP" altLang="en-US" sz="800" kern="1200" dirty="0">
+                          <a:solidFill>
+                            <a:schemeClr val="tx1"/>
+                          </a:solidFill>
+                          <a:latin typeface="+mj-ea"/>
+                          <a:ea typeface="+mn-ea"/>
+                          <a:cs typeface="+mn-cs"/>
+                        </a:rPr>
+                        <a:t>text-center</a:t>
+                      </a:r>
+                      <a:endParaRPr kumimoji="1" lang="en-US" altLang="ja-JP" sz="800" kern="1200" dirty="0">
+                        <a:solidFill>
+                          <a:schemeClr val="tx1"/>
+                        </a:solidFill>
+                        <a:latin typeface="+mj-ea"/>
+                        <a:ea typeface="+mn-ea"/>
+                        <a:cs typeface="+mn-cs"/>
+                      </a:endParaRPr>
+                    </a:p>
+                    <a:p>
+                      <a:pPr marL="0" marR="0" lvl="0" indent="0" algn="l" defTabSz="1280160" rtl="0" eaLnBrk="1" fontAlgn="ctr" latinLnBrk="0" hangingPunct="1">
+                        <a:lnSpc>
+                          <a:spcPct val="100000"/>
+                        </a:lnSpc>
+                        <a:spcBef>
+                          <a:spcPts val="0"/>
+                        </a:spcBef>
+                        <a:spcAft>
+                          <a:spcPts val="0"/>
+                        </a:spcAft>
+                        <a:buClrTx/>
+                        <a:buSzTx/>
+                        <a:buFontTx/>
+                        <a:buNone/>
+                        <a:tabLst/>
+                        <a:defRPr/>
+                      </a:pPr>
+                      <a:r>
+                        <a:rPr kumimoji="1" lang="ja-JP" altLang="en-US" sz="800" kern="1200" dirty="0">
+                          <a:solidFill>
+                            <a:schemeClr val="tx1"/>
+                          </a:solidFill>
+                          <a:latin typeface="+mj-ea"/>
+                          <a:ea typeface="+mn-ea"/>
+                          <a:cs typeface="+mn-cs"/>
+                        </a:rPr>
+                        <a:t>text-right</a:t>
+                      </a:r>
+                      <a:endParaRPr kumimoji="1" lang="en-US" altLang="ja-JP" sz="800" kern="1200" dirty="0">
+                        <a:solidFill>
+                          <a:schemeClr val="tx1"/>
+                        </a:solidFill>
+                        <a:latin typeface="+mj-ea"/>
+                        <a:ea typeface="+mn-ea"/>
+                        <a:cs typeface="+mn-cs"/>
+                      </a:endParaRPr>
+                    </a:p>
+                    <a:p>
+                      <a:pPr marL="0" marR="0" lvl="0" indent="0" algn="l" defTabSz="1280160" rtl="0" eaLnBrk="1" fontAlgn="ctr" latinLnBrk="0" hangingPunct="1">
+                        <a:lnSpc>
+                          <a:spcPct val="100000"/>
+                        </a:lnSpc>
+                        <a:spcBef>
+                          <a:spcPts val="0"/>
+                        </a:spcBef>
+                        <a:spcAft>
+                          <a:spcPts val="0"/>
+                        </a:spcAft>
+                        <a:buClrTx/>
+                        <a:buSzTx/>
+                        <a:buFontTx/>
+                        <a:buNone/>
+                        <a:tabLst/>
+                        <a:defRPr/>
+                      </a:pPr>
+                      <a:r>
+                        <a:rPr kumimoji="1" lang="ja-JP" altLang="en-US" sz="800" kern="1200" dirty="0">
+                          <a:solidFill>
+                            <a:schemeClr val="tx1"/>
+                          </a:solidFill>
+                          <a:latin typeface="+mj-ea"/>
+                          <a:ea typeface="+mn-ea"/>
+                          <a:cs typeface="+mn-cs"/>
+                        </a:rPr>
+                        <a:t>text-justify</a:t>
+                      </a:r>
+                      <a:endParaRPr lang="en-US" altLang="ja-JP" sz="800" b="0" i="0" u="none" strike="noStrike" dirty="0">
+                        <a:solidFill>
+                          <a:srgbClr val="000000"/>
+                        </a:solidFill>
+                        <a:effectLst/>
+                        <a:latin typeface="+mn-lt"/>
+                        <a:ea typeface="+mn-ea"/>
+                      </a:endParaRPr>
+                    </a:p>
+                  </a:txBody>
+                  <a:tcPr marL="45720" marR="45720" anchor="ctr"/>
+                </a:tc>
+                <a:tc>
+                  <a:txBody>
+                    <a:bodyPr/>
+                    <a:lstStyle/>
+                    <a:p>
+                      <a:pPr algn="l" fontAlgn="ctr"/>
+                      <a:endParaRPr lang="en-US" sz="800" b="0" i="0" u="none" strike="noStrike" dirty="0">
+                        <a:solidFill>
+                          <a:srgbClr val="000000"/>
+                        </a:solidFill>
+                        <a:effectLst/>
+                        <a:latin typeface="+mn-lt"/>
+                        <a:ea typeface="游ゴシック" panose="020B0400000000000000" pitchFamily="50" charset="-128"/>
+                      </a:endParaRPr>
+                    </a:p>
+                  </a:txBody>
+                  <a:tcPr marL="45720" marR="45720" anchor="ctr"/>
+                </a:tc>
+                <a:tc>
+                  <a:txBody>
+                    <a:bodyPr/>
+                    <a:lstStyle/>
+                    <a:p>
+                      <a:pPr marL="0" marR="0" lvl="0" indent="0" algn="l" defTabSz="1280160" rtl="0" eaLnBrk="1" fontAlgn="ctr" latinLnBrk="0" hangingPunct="1">
+                        <a:lnSpc>
+                          <a:spcPct val="100000"/>
+                        </a:lnSpc>
+                        <a:spcBef>
+                          <a:spcPts val="0"/>
+                        </a:spcBef>
+                        <a:spcAft>
+                          <a:spcPts val="0"/>
+                        </a:spcAft>
+                        <a:buClrTx/>
+                        <a:buSzTx/>
+                        <a:buFontTx/>
+                        <a:buNone/>
+                        <a:tabLst/>
+                        <a:defRPr/>
+                      </a:pPr>
+                      <a:endParaRPr lang="en-US" altLang="ja-JP" sz="800" b="0" i="0" u="none" strike="noStrike" dirty="0">
+                        <a:solidFill>
+                          <a:srgbClr val="000000"/>
+                        </a:solidFill>
+                        <a:effectLst/>
+                        <a:latin typeface="+mn-lt"/>
+                        <a:ea typeface="+mn-ea"/>
+                      </a:endParaRPr>
+                    </a:p>
+                  </a:txBody>
+                  <a:tcPr marL="45720" marR="45720" anchor="ctr"/>
+                </a:tc>
+                <a:tc>
+                  <a:txBody>
+                    <a:bodyPr/>
+                    <a:lstStyle/>
+                    <a:p>
+                      <a:pPr marL="0" marR="0" lvl="0" indent="0" algn="ctr" defTabSz="1280160" rtl="0" eaLnBrk="1" fontAlgn="ctr" latinLnBrk="0" hangingPunct="1">
+                        <a:lnSpc>
+                          <a:spcPct val="100000"/>
+                        </a:lnSpc>
+                        <a:spcBef>
+                          <a:spcPts val="0"/>
+                        </a:spcBef>
+                        <a:spcAft>
+                          <a:spcPts val="0"/>
+                        </a:spcAft>
+                        <a:buClrTx/>
+                        <a:buSzTx/>
+                        <a:buFontTx/>
+                        <a:buNone/>
+                        <a:tabLst/>
+                        <a:defRPr/>
+                      </a:pPr>
+                      <a:r>
+                        <a:rPr lang="ja-JP" altLang="en-US" sz="800" b="0" i="0" u="none" strike="noStrike" dirty="0">
+                          <a:solidFill>
+                            <a:srgbClr val="000000"/>
+                          </a:solidFill>
+                          <a:effectLst/>
+                          <a:latin typeface="+mn-lt"/>
+                          <a:ea typeface="+mn-ea"/>
+                        </a:rPr>
+                        <a:t>〇</a:t>
+                      </a:r>
+                      <a:endParaRPr lang="en-US" altLang="ja-JP" sz="800" b="0" i="0" u="none" strike="noStrike" dirty="0">
+                        <a:solidFill>
+                          <a:srgbClr val="000000"/>
+                        </a:solidFill>
+                        <a:effectLst/>
+                        <a:latin typeface="+mn-lt"/>
+                        <a:ea typeface="+mn-ea"/>
+                      </a:endParaRPr>
+                    </a:p>
+                  </a:txBody>
+                  <a:tcPr marL="45720" marR="45720" anchor="ctr"/>
+                </a:tc>
+                <a:extLst>
+                  <a:ext uri="{0D108BD9-81ED-4DB2-BD59-A6C34878D82A}">
+                    <a16:rowId xmlns:a16="http://schemas.microsoft.com/office/drawing/2014/main" val="3405815092"/>
                   </a:ext>
                 </a:extLst>
               </a:tr>
@@ -6000,7 +6648,7 @@
         </p:nvSpPr>
         <p:spPr>
           <a:xfrm>
-            <a:off x="3176587" y="3311112"/>
+            <a:off x="3767137" y="3320356"/>
             <a:ext cx="2414588" cy="215444"/>
           </a:xfrm>
           <a:prstGeom prst="rect">
@@ -6020,6 +6668,8 @@
                 <a:solidFill>
                   <a:schemeClr val="accent6"/>
                 </a:solidFill>
+                <a:latin typeface="+mj-ea"/>
+                <a:ea typeface="+mj-ea"/>
               </a:rPr>
               <a:t>※</a:t>
             </a:r>
@@ -6028,6 +6678,8 @@
                 <a:solidFill>
                   <a:schemeClr val="accent6"/>
                 </a:solidFill>
+                <a:latin typeface="+mj-ea"/>
+                <a:ea typeface="+mj-ea"/>
               </a:rPr>
               <a:t>fz-Xpx</a:t>
             </a:r>
@@ -6036,6 +6688,8 @@
                 <a:solidFill>
                   <a:schemeClr val="accent6"/>
                 </a:solidFill>
+                <a:latin typeface="+mj-ea"/>
+                <a:ea typeface="+mj-ea"/>
               </a:rPr>
               <a:t>は、</a:t>
             </a:r>
@@ -6044,6 +6698,8 @@
                 <a:solidFill>
                   <a:schemeClr val="accent6"/>
                 </a:solidFill>
+                <a:latin typeface="+mj-ea"/>
+                <a:ea typeface="+mj-ea"/>
               </a:rPr>
               <a:t>rem</a:t>
             </a:r>
@@ -6052,12 +6708,1573 @@
                 <a:solidFill>
                   <a:schemeClr val="accent6"/>
                 </a:solidFill>
+                <a:latin typeface="+mj-ea"/>
+                <a:ea typeface="+mj-ea"/>
               </a:rPr>
               <a:t>変換されて反映されます</a:t>
             </a:r>
           </a:p>
         </p:txBody>
       </p:sp>
+      <p:sp>
+        <p:nvSpPr>
+          <p:cNvPr id="16" name="テキスト ボックス 15">
+            <a:extLst>
+              <a:ext uri="{FF2B5EF4-FFF2-40B4-BE49-F238E27FC236}">
+                <a16:creationId xmlns:a16="http://schemas.microsoft.com/office/drawing/2014/main" id="{AF07454F-68C5-440A-AF1C-E0FFC7BBB334}"/>
+              </a:ext>
+            </a:extLst>
+          </p:cNvPr>
+          <p:cNvSpPr txBox="1"/>
+          <p:nvPr/>
+        </p:nvSpPr>
+        <p:spPr>
+          <a:xfrm>
+            <a:off x="47623" y="5829688"/>
+            <a:ext cx="942977" cy="230832"/>
+          </a:xfrm>
+          <a:prstGeom prst="rect">
+            <a:avLst/>
+          </a:prstGeom>
+          <a:noFill/>
+        </p:spPr>
+        <p:txBody>
+          <a:bodyPr wrap="square" rtlCol="0">
+            <a:spAutoFit/>
+          </a:bodyPr>
+          <a:lstStyle/>
+          <a:p>
+            <a:r>
+              <a:rPr kumimoji="1" lang="ja-JP" altLang="en-US" sz="900" b="1" dirty="0">
+                <a:solidFill>
+                  <a:schemeClr val="accent6"/>
+                </a:solidFill>
+                <a:latin typeface="+mj-ea"/>
+                <a:ea typeface="+mj-ea"/>
+              </a:rPr>
+              <a:t>ボーダー</a:t>
+            </a:r>
+          </a:p>
+        </p:txBody>
+      </p:sp>
+      <p:graphicFrame>
+        <p:nvGraphicFramePr>
+          <p:cNvPr id="19" name="表 18">
+            <a:extLst>
+              <a:ext uri="{FF2B5EF4-FFF2-40B4-BE49-F238E27FC236}">
+                <a16:creationId xmlns:a16="http://schemas.microsoft.com/office/drawing/2014/main" id="{AD354745-8371-474E-8294-05D1D95C7E82}"/>
+              </a:ext>
+            </a:extLst>
+          </p:cNvPr>
+          <p:cNvGraphicFramePr>
+            <a:graphicFrameLocks noGrp="1"/>
+          </p:cNvGraphicFramePr>
+          <p:nvPr>
+            <p:extLst>
+              <p:ext uri="{D42A27DB-BD31-4B8C-83A1-F6EECF244321}">
+                <p14:modId xmlns:p14="http://schemas.microsoft.com/office/powerpoint/2010/main" val="3517849635"/>
+              </p:ext>
+            </p:extLst>
+          </p:nvPr>
+        </p:nvGraphicFramePr>
+        <p:xfrm>
+          <a:off x="276224" y="6060520"/>
+          <a:ext cx="5810250" cy="2118360"/>
+        </p:xfrm>
+        <a:graphic>
+          <a:graphicData uri="http://schemas.openxmlformats.org/drawingml/2006/table">
+            <a:tbl>
+              <a:tblPr>
+                <a:tableStyleId>{E8B1032C-EA38-4F05-BA0D-38AFFFC7BED3}</a:tableStyleId>
+              </a:tblPr>
+              <a:tblGrid>
+                <a:gridCol w="712914">
+                  <a:extLst>
+                    <a:ext uri="{9D8B030D-6E8A-4147-A177-3AD203B41FA5}">
+                      <a16:colId xmlns:a16="http://schemas.microsoft.com/office/drawing/2014/main" val="2998470273"/>
+                    </a:ext>
+                  </a:extLst>
+                </a:gridCol>
+                <a:gridCol w="839500">
+                  <a:extLst>
+                    <a:ext uri="{9D8B030D-6E8A-4147-A177-3AD203B41FA5}">
+                      <a16:colId xmlns:a16="http://schemas.microsoft.com/office/drawing/2014/main" val="3607064280"/>
+                    </a:ext>
+                  </a:extLst>
+                </a:gridCol>
+                <a:gridCol w="962186">
+                  <a:extLst>
+                    <a:ext uri="{9D8B030D-6E8A-4147-A177-3AD203B41FA5}">
+                      <a16:colId xmlns:a16="http://schemas.microsoft.com/office/drawing/2014/main" val="3012900613"/>
+                    </a:ext>
+                  </a:extLst>
+                </a:gridCol>
+                <a:gridCol w="2581275">
+                  <a:extLst>
+                    <a:ext uri="{9D8B030D-6E8A-4147-A177-3AD203B41FA5}">
+                      <a16:colId xmlns:a16="http://schemas.microsoft.com/office/drawing/2014/main" val="3942871161"/>
+                    </a:ext>
+                  </a:extLst>
+                </a:gridCol>
+                <a:gridCol w="714375">
+                  <a:extLst>
+                    <a:ext uri="{9D8B030D-6E8A-4147-A177-3AD203B41FA5}">
+                      <a16:colId xmlns:a16="http://schemas.microsoft.com/office/drawing/2014/main" val="2495800951"/>
+                    </a:ext>
+                  </a:extLst>
+                </a:gridCol>
+              </a:tblGrid>
+              <a:tr h="132587">
+                <a:tc>
+                  <a:txBody>
+                    <a:bodyPr/>
+                    <a:lstStyle/>
+                    <a:p>
+                      <a:pPr algn="l" fontAlgn="ctr"/>
+                      <a:endParaRPr lang="ja-JP" altLang="en-US" sz="700" b="0" i="0" u="none" strike="noStrike" dirty="0">
+                        <a:solidFill>
+                          <a:srgbClr val="000000"/>
+                        </a:solidFill>
+                        <a:effectLst/>
+                        <a:latin typeface="+mn-lt"/>
+                        <a:ea typeface="游ゴシック" panose="020B0400000000000000" pitchFamily="50" charset="-128"/>
+                      </a:endParaRPr>
+                    </a:p>
+                  </a:txBody>
+                  <a:tcPr marL="45720" marR="45720" anchor="ctr">
+                    <a:solidFill>
+                      <a:schemeClr val="accent6">
+                        <a:lumMod val="20000"/>
+                        <a:lumOff val="80000"/>
+                      </a:schemeClr>
+                    </a:solidFill>
+                  </a:tcPr>
+                </a:tc>
+                <a:tc>
+                  <a:txBody>
+                    <a:bodyPr/>
+                    <a:lstStyle/>
+                    <a:p>
+                      <a:pPr algn="l" fontAlgn="ctr"/>
+                      <a:r>
+                        <a:rPr lang="ja-JP" altLang="en-US" sz="700" b="0" i="0" u="none" strike="noStrike" dirty="0">
+                          <a:solidFill>
+                            <a:srgbClr val="000000"/>
+                          </a:solidFill>
+                          <a:effectLst/>
+                          <a:latin typeface="+mn-lt"/>
+                          <a:ea typeface="游ゴシック" panose="020B0400000000000000" pitchFamily="50" charset="-128"/>
+                        </a:rPr>
+                        <a:t>書き方</a:t>
+                      </a:r>
+                    </a:p>
+                  </a:txBody>
+                  <a:tcPr marL="45720" marR="45720" anchor="ctr">
+                    <a:solidFill>
+                      <a:schemeClr val="accent6">
+                        <a:lumMod val="20000"/>
+                        <a:lumOff val="80000"/>
+                      </a:schemeClr>
+                    </a:solidFill>
+                  </a:tcPr>
+                </a:tc>
+                <a:tc>
+                  <a:txBody>
+                    <a:bodyPr/>
+                    <a:lstStyle/>
+                    <a:p>
+                      <a:pPr algn="l" fontAlgn="ctr"/>
+                      <a:r>
+                        <a:rPr lang="ja-JP" altLang="en-US" sz="700" b="0" i="0" u="none" strike="noStrike" dirty="0">
+                          <a:solidFill>
+                            <a:srgbClr val="000000"/>
+                          </a:solidFill>
+                          <a:effectLst/>
+                          <a:latin typeface="+mn-lt"/>
+                          <a:ea typeface="游ゴシック" panose="020B0400000000000000" pitchFamily="50" charset="-128"/>
+                        </a:rPr>
+                        <a:t>適用範囲（幅）</a:t>
+                      </a:r>
+                    </a:p>
+                  </a:txBody>
+                  <a:tcPr marL="45720" marR="45720" anchor="ctr">
+                    <a:solidFill>
+                      <a:schemeClr val="accent6">
+                        <a:lumMod val="20000"/>
+                        <a:lumOff val="80000"/>
+                      </a:schemeClr>
+                    </a:solidFill>
+                  </a:tcPr>
+                </a:tc>
+                <a:tc>
+                  <a:txBody>
+                    <a:bodyPr/>
+                    <a:lstStyle/>
+                    <a:p>
+                      <a:pPr algn="l" fontAlgn="ctr"/>
+                      <a:r>
+                        <a:rPr lang="ja-JP" altLang="en-US" sz="700" u="none" strike="noStrike" dirty="0">
+                          <a:effectLst/>
+                          <a:latin typeface="+mn-lt"/>
+                        </a:rPr>
+                        <a:t>例</a:t>
+                      </a:r>
+                      <a:endParaRPr lang="ja-JP" altLang="en-US" sz="700" b="0" i="0" u="none" strike="noStrike" dirty="0">
+                        <a:solidFill>
+                          <a:srgbClr val="000000"/>
+                        </a:solidFill>
+                        <a:effectLst/>
+                        <a:latin typeface="+mn-lt"/>
+                        <a:ea typeface="游ゴシック" panose="020B0400000000000000" pitchFamily="50" charset="-128"/>
+                      </a:endParaRPr>
+                    </a:p>
+                  </a:txBody>
+                  <a:tcPr marL="45720" marR="45720" anchor="ctr">
+                    <a:solidFill>
+                      <a:schemeClr val="accent6">
+                        <a:lumMod val="20000"/>
+                        <a:lumOff val="80000"/>
+                      </a:schemeClr>
+                    </a:solidFill>
+                  </a:tcPr>
+                </a:tc>
+                <a:tc>
+                  <a:txBody>
+                    <a:bodyPr/>
+                    <a:lstStyle/>
+                    <a:p>
+                      <a:pPr algn="l" fontAlgn="ctr"/>
+                      <a:r>
+                        <a:rPr lang="en-US" altLang="ja-JP" sz="700" b="0" i="0" u="none" strike="noStrike" dirty="0">
+                          <a:solidFill>
+                            <a:srgbClr val="000000"/>
+                          </a:solidFill>
+                          <a:effectLst/>
+                          <a:latin typeface="+mn-lt"/>
+                          <a:ea typeface="游ゴシック" panose="020B0400000000000000" pitchFamily="50" charset="-128"/>
+                        </a:rPr>
+                        <a:t>Breakpoint</a:t>
+                      </a:r>
+                      <a:endParaRPr lang="ja-JP" altLang="en-US" sz="700" b="0" i="0" u="none" strike="noStrike" dirty="0">
+                        <a:solidFill>
+                          <a:srgbClr val="000000"/>
+                        </a:solidFill>
+                        <a:effectLst/>
+                        <a:latin typeface="+mn-lt"/>
+                        <a:ea typeface="游ゴシック" panose="020B0400000000000000" pitchFamily="50" charset="-128"/>
+                      </a:endParaRPr>
+                    </a:p>
+                  </a:txBody>
+                  <a:tcPr marL="45720" marR="45720" anchor="ctr">
+                    <a:solidFill>
+                      <a:schemeClr val="accent6">
+                        <a:lumMod val="20000"/>
+                        <a:lumOff val="80000"/>
+                      </a:schemeClr>
+                    </a:solidFill>
+                  </a:tcPr>
+                </a:tc>
+                <a:extLst>
+                  <a:ext uri="{0D108BD9-81ED-4DB2-BD59-A6C34878D82A}">
+                    <a16:rowId xmlns:a16="http://schemas.microsoft.com/office/drawing/2014/main" val="1199967262"/>
+                  </a:ext>
+                </a:extLst>
+              </a:tr>
+              <a:tr h="142786">
+                <a:tc>
+                  <a:txBody>
+                    <a:bodyPr/>
+                    <a:lstStyle/>
+                    <a:p>
+                      <a:pPr algn="l" fontAlgn="ctr"/>
+                      <a:r>
+                        <a:rPr lang="en-US" altLang="ja-JP" sz="800" b="0" i="0" u="none" strike="noStrike" dirty="0">
+                          <a:solidFill>
+                            <a:srgbClr val="000000"/>
+                          </a:solidFill>
+                          <a:effectLst/>
+                          <a:latin typeface="+mn-lt"/>
+                          <a:ea typeface="游ゴシック" panose="020B0400000000000000" pitchFamily="50" charset="-128"/>
+                        </a:rPr>
+                        <a:t>size</a:t>
+                      </a:r>
+                    </a:p>
+                  </a:txBody>
+                  <a:tcPr marL="45720" marR="45720" anchor="ctr"/>
+                </a:tc>
+                <a:tc>
+                  <a:txBody>
+                    <a:bodyPr/>
+                    <a:lstStyle/>
+                    <a:p>
+                      <a:pPr algn="l" fontAlgn="ctr"/>
+                      <a:r>
+                        <a:rPr lang="en-US" altLang="ja-JP" sz="800" dirty="0">
+                          <a:latin typeface="+mn-lt"/>
+                        </a:rPr>
+                        <a:t>fz-16px</a:t>
+                      </a:r>
+                      <a:endParaRPr lang="en-US" altLang="ja-JP" sz="800" b="0" i="0" u="none" strike="noStrike" dirty="0">
+                        <a:solidFill>
+                          <a:srgbClr val="000000"/>
+                        </a:solidFill>
+                        <a:effectLst/>
+                        <a:latin typeface="+mn-lt"/>
+                        <a:ea typeface="游ゴシック" panose="020B0400000000000000" pitchFamily="50" charset="-128"/>
+                      </a:endParaRPr>
+                    </a:p>
+                  </a:txBody>
+                  <a:tcPr marL="45720" marR="45720" anchor="ctr"/>
+                </a:tc>
+                <a:tc>
+                  <a:txBody>
+                    <a:bodyPr/>
+                    <a:lstStyle/>
+                    <a:p>
+                      <a:pPr algn="l" fontAlgn="ctr"/>
+                      <a:r>
+                        <a:rPr lang="en-US" sz="800" u="none" strike="noStrike" dirty="0">
+                          <a:effectLst/>
+                          <a:latin typeface="+mn-lt"/>
+                        </a:rPr>
+                        <a:t>0px</a:t>
+                      </a:r>
+                      <a:r>
+                        <a:rPr lang="ja-JP" altLang="en-US" sz="800" u="none" strike="noStrike" dirty="0">
+                          <a:effectLst/>
+                          <a:latin typeface="+mn-lt"/>
+                        </a:rPr>
+                        <a:t> </a:t>
+                      </a:r>
+                      <a:r>
+                        <a:rPr lang="en-US" altLang="ja-JP" sz="800" u="none" strike="noStrike" dirty="0">
+                          <a:effectLst/>
+                          <a:latin typeface="+mn-lt"/>
+                        </a:rPr>
+                        <a:t>-</a:t>
+                      </a:r>
+                      <a:r>
+                        <a:rPr lang="ja-JP" altLang="en-US" sz="800" u="none" strike="noStrike" dirty="0">
+                          <a:effectLst/>
+                          <a:latin typeface="+mn-lt"/>
+                        </a:rPr>
+                        <a:t> </a:t>
+                      </a:r>
+                      <a:r>
+                        <a:rPr lang="en-US" sz="800" u="none" strike="noStrike" dirty="0">
+                          <a:effectLst/>
+                          <a:latin typeface="+mn-lt"/>
+                        </a:rPr>
+                        <a:t>60px</a:t>
+                      </a:r>
+                      <a:endParaRPr lang="en-US" sz="800" b="0" i="0" u="none" strike="noStrike" dirty="0">
+                        <a:solidFill>
+                          <a:srgbClr val="000000"/>
+                        </a:solidFill>
+                        <a:effectLst/>
+                        <a:latin typeface="+mn-lt"/>
+                        <a:ea typeface="游ゴシック" panose="020B0400000000000000" pitchFamily="50" charset="-128"/>
+                      </a:endParaRPr>
+                    </a:p>
+                  </a:txBody>
+                  <a:tcPr marL="45720" marR="45720" anchor="ctr"/>
+                </a:tc>
+                <a:tc>
+                  <a:txBody>
+                    <a:bodyPr/>
+                    <a:lstStyle/>
+                    <a:p>
+                      <a:pPr marL="0" marR="0" lvl="0" indent="0" algn="l" defTabSz="1280160" rtl="0" eaLnBrk="1" fontAlgn="ctr" latinLnBrk="0" hangingPunct="1">
+                        <a:lnSpc>
+                          <a:spcPct val="100000"/>
+                        </a:lnSpc>
+                        <a:spcBef>
+                          <a:spcPts val="0"/>
+                        </a:spcBef>
+                        <a:spcAft>
+                          <a:spcPts val="0"/>
+                        </a:spcAft>
+                        <a:buClrTx/>
+                        <a:buSzTx/>
+                        <a:buFontTx/>
+                        <a:buNone/>
+                        <a:tabLst/>
+                        <a:defRPr/>
+                      </a:pPr>
+                      <a:r>
+                        <a:rPr lang="en-US" altLang="ja-JP" sz="800" dirty="0">
+                          <a:latin typeface="+mn-lt"/>
+                        </a:rPr>
+                        <a:t>fz-16px</a:t>
+                      </a:r>
+                      <a:r>
+                        <a:rPr lang="en-US" altLang="ja-JP" sz="800" b="0" i="0" u="none" strike="noStrike" dirty="0">
+                          <a:solidFill>
+                            <a:srgbClr val="000000"/>
+                          </a:solidFill>
+                          <a:effectLst/>
+                          <a:latin typeface="+mn-lt"/>
+                          <a:ea typeface="游ゴシック" panose="020B0400000000000000" pitchFamily="50" charset="-128"/>
+                        </a:rPr>
+                        <a:t> fx-md-18px</a:t>
+                      </a:r>
+                      <a:endParaRPr lang="en-US" altLang="ja-JP" sz="800" b="0" i="0" u="none" strike="noStrike" dirty="0">
+                        <a:solidFill>
+                          <a:srgbClr val="000000"/>
+                        </a:solidFill>
+                        <a:effectLst/>
+                        <a:latin typeface="+mn-lt"/>
+                        <a:ea typeface="+mn-ea"/>
+                      </a:endParaRPr>
+                    </a:p>
+                  </a:txBody>
+                  <a:tcPr marL="45720" marR="45720" anchor="ctr"/>
+                </a:tc>
+                <a:tc>
+                  <a:txBody>
+                    <a:bodyPr/>
+                    <a:lstStyle/>
+                    <a:p>
+                      <a:pPr algn="ctr" fontAlgn="ctr"/>
+                      <a:r>
+                        <a:rPr lang="ja-JP" altLang="en-US" sz="800" b="0" i="0" u="none" strike="noStrike" dirty="0">
+                          <a:solidFill>
+                            <a:srgbClr val="000000"/>
+                          </a:solidFill>
+                          <a:effectLst/>
+                          <a:latin typeface="+mn-lt"/>
+                          <a:ea typeface="游ゴシック" panose="020B0400000000000000" pitchFamily="50" charset="-128"/>
+                        </a:rPr>
+                        <a:t>〇</a:t>
+                      </a:r>
+                      <a:endParaRPr lang="en-US" sz="800" b="0" i="0" u="none" strike="noStrike" dirty="0">
+                        <a:solidFill>
+                          <a:srgbClr val="000000"/>
+                        </a:solidFill>
+                        <a:effectLst/>
+                        <a:latin typeface="+mn-lt"/>
+                        <a:ea typeface="游ゴシック" panose="020B0400000000000000" pitchFamily="50" charset="-128"/>
+                      </a:endParaRPr>
+                    </a:p>
+                  </a:txBody>
+                  <a:tcPr marL="45720" marR="45720" anchor="ctr"/>
+                </a:tc>
+                <a:extLst>
+                  <a:ext uri="{0D108BD9-81ED-4DB2-BD59-A6C34878D82A}">
+                    <a16:rowId xmlns:a16="http://schemas.microsoft.com/office/drawing/2014/main" val="1768608318"/>
+                  </a:ext>
+                </a:extLst>
+              </a:tr>
+              <a:tr h="142786">
+                <a:tc>
+                  <a:txBody>
+                    <a:bodyPr/>
+                    <a:lstStyle/>
+                    <a:p>
+                      <a:pPr algn="l" fontAlgn="ctr"/>
+                      <a:r>
+                        <a:rPr lang="en-US" altLang="ja-JP" sz="800" b="0" i="0" u="none" strike="noStrike" dirty="0">
+                          <a:solidFill>
+                            <a:srgbClr val="000000"/>
+                          </a:solidFill>
+                          <a:effectLst/>
+                          <a:latin typeface="+mn-lt"/>
+                          <a:ea typeface="游ゴシック" panose="020B0400000000000000" pitchFamily="50" charset="-128"/>
+                        </a:rPr>
+                        <a:t>weight</a:t>
+                      </a:r>
+                      <a:endParaRPr lang="en-US" sz="800" b="0" i="0" u="none" strike="noStrike" dirty="0">
+                        <a:solidFill>
+                          <a:srgbClr val="000000"/>
+                        </a:solidFill>
+                        <a:effectLst/>
+                        <a:latin typeface="+mn-lt"/>
+                        <a:ea typeface="游ゴシック" panose="020B0400000000000000" pitchFamily="50" charset="-128"/>
+                      </a:endParaRPr>
+                    </a:p>
+                  </a:txBody>
+                  <a:tcPr marL="45720" marR="45720" anchor="ctr"/>
+                </a:tc>
+                <a:tc>
+                  <a:txBody>
+                    <a:bodyPr/>
+                    <a:lstStyle/>
+                    <a:p>
+                      <a:pPr algn="l" fontAlgn="ctr"/>
+                      <a:r>
+                        <a:rPr lang="en-US" altLang="ja-JP" sz="800" u="none" strike="noStrike" dirty="0" err="1">
+                          <a:effectLst/>
+                          <a:latin typeface="+mn-lt"/>
+                        </a:rPr>
+                        <a:t>fw</a:t>
+                      </a:r>
+                      <a:r>
+                        <a:rPr lang="en-US" altLang="ja-JP" sz="800" u="none" strike="noStrike" dirty="0">
+                          <a:effectLst/>
+                          <a:latin typeface="+mn-lt"/>
+                        </a:rPr>
+                        <a:t>-lighter</a:t>
+                      </a:r>
+                      <a:endParaRPr lang="en-US" altLang="ja-JP" sz="800" b="0" i="0" u="none" strike="noStrike" dirty="0">
+                        <a:solidFill>
+                          <a:srgbClr val="000000"/>
+                        </a:solidFill>
+                        <a:effectLst/>
+                        <a:latin typeface="+mn-lt"/>
+                        <a:ea typeface="+mn-ea"/>
+                      </a:endParaRPr>
+                    </a:p>
+                    <a:p>
+                      <a:pPr marL="0" marR="0" lvl="0" indent="0" algn="l" defTabSz="1280160" rtl="0" eaLnBrk="1" fontAlgn="ctr" latinLnBrk="0" hangingPunct="1">
+                        <a:lnSpc>
+                          <a:spcPct val="100000"/>
+                        </a:lnSpc>
+                        <a:spcBef>
+                          <a:spcPts val="0"/>
+                        </a:spcBef>
+                        <a:spcAft>
+                          <a:spcPts val="0"/>
+                        </a:spcAft>
+                        <a:buClrTx/>
+                        <a:buSzTx/>
+                        <a:buFontTx/>
+                        <a:buNone/>
+                        <a:tabLst/>
+                        <a:defRPr/>
+                      </a:pPr>
+                      <a:r>
+                        <a:rPr lang="en-US" altLang="ja-JP" sz="800" u="none" strike="noStrike" dirty="0" err="1">
+                          <a:effectLst/>
+                          <a:latin typeface="+mn-lt"/>
+                        </a:rPr>
+                        <a:t>fw</a:t>
+                      </a:r>
+                      <a:r>
+                        <a:rPr lang="en-US" altLang="ja-JP" sz="800" u="none" strike="noStrike" dirty="0">
+                          <a:effectLst/>
+                          <a:latin typeface="+mn-lt"/>
+                        </a:rPr>
+                        <a:t>-light</a:t>
+                      </a:r>
+                    </a:p>
+                    <a:p>
+                      <a:pPr marL="0" marR="0" lvl="0" indent="0" algn="l" defTabSz="1280160" rtl="0" eaLnBrk="1" fontAlgn="ctr" latinLnBrk="0" hangingPunct="1">
+                        <a:lnSpc>
+                          <a:spcPct val="100000"/>
+                        </a:lnSpc>
+                        <a:spcBef>
+                          <a:spcPts val="0"/>
+                        </a:spcBef>
+                        <a:spcAft>
+                          <a:spcPts val="0"/>
+                        </a:spcAft>
+                        <a:buClrTx/>
+                        <a:buSzTx/>
+                        <a:buFontTx/>
+                        <a:buNone/>
+                        <a:tabLst/>
+                        <a:defRPr/>
+                      </a:pPr>
+                      <a:r>
+                        <a:rPr lang="en-US" altLang="ja-JP" sz="800" u="none" strike="noStrike" dirty="0" err="1">
+                          <a:effectLst/>
+                          <a:latin typeface="+mn-lt"/>
+                        </a:rPr>
+                        <a:t>fw</a:t>
+                      </a:r>
+                      <a:r>
+                        <a:rPr lang="en-US" altLang="ja-JP" sz="800" u="none" strike="noStrike" dirty="0">
+                          <a:effectLst/>
+                          <a:latin typeface="+mn-lt"/>
+                        </a:rPr>
+                        <a:t>-normal</a:t>
+                      </a:r>
+                    </a:p>
+                    <a:p>
+                      <a:pPr marL="0" marR="0" lvl="0" indent="0" algn="l" defTabSz="1280160" rtl="0" eaLnBrk="1" fontAlgn="ctr" latinLnBrk="0" hangingPunct="1">
+                        <a:lnSpc>
+                          <a:spcPct val="100000"/>
+                        </a:lnSpc>
+                        <a:spcBef>
+                          <a:spcPts val="0"/>
+                        </a:spcBef>
+                        <a:spcAft>
+                          <a:spcPts val="0"/>
+                        </a:spcAft>
+                        <a:buClrTx/>
+                        <a:buSzTx/>
+                        <a:buFontTx/>
+                        <a:buNone/>
+                        <a:tabLst/>
+                        <a:defRPr/>
+                      </a:pPr>
+                      <a:r>
+                        <a:rPr lang="en-US" altLang="ja-JP" sz="800" u="none" strike="noStrike" dirty="0" err="1">
+                          <a:effectLst/>
+                          <a:latin typeface="+mn-lt"/>
+                        </a:rPr>
+                        <a:t>fw</a:t>
+                      </a:r>
+                      <a:r>
+                        <a:rPr lang="en-US" altLang="ja-JP" sz="800" u="none" strike="noStrike" dirty="0">
+                          <a:effectLst/>
+                          <a:latin typeface="+mn-lt"/>
+                        </a:rPr>
+                        <a:t>-bold</a:t>
+                      </a:r>
+                    </a:p>
+                    <a:p>
+                      <a:pPr marL="0" marR="0" lvl="0" indent="0" algn="l" defTabSz="1280160" rtl="0" eaLnBrk="1" fontAlgn="ctr" latinLnBrk="0" hangingPunct="1">
+                        <a:lnSpc>
+                          <a:spcPct val="100000"/>
+                        </a:lnSpc>
+                        <a:spcBef>
+                          <a:spcPts val="0"/>
+                        </a:spcBef>
+                        <a:spcAft>
+                          <a:spcPts val="0"/>
+                        </a:spcAft>
+                        <a:buClrTx/>
+                        <a:buSzTx/>
+                        <a:buFontTx/>
+                        <a:buNone/>
+                        <a:tabLst/>
+                        <a:defRPr/>
+                      </a:pPr>
+                      <a:r>
+                        <a:rPr lang="en-US" altLang="ja-JP" sz="800" u="none" strike="noStrike" dirty="0" err="1">
+                          <a:effectLst/>
+                          <a:latin typeface="+mn-lt"/>
+                        </a:rPr>
+                        <a:t>fw</a:t>
+                      </a:r>
+                      <a:r>
+                        <a:rPr lang="en-US" altLang="ja-JP" sz="800" u="none" strike="noStrike" dirty="0">
+                          <a:effectLst/>
+                          <a:latin typeface="+mn-lt"/>
+                        </a:rPr>
+                        <a:t>-bolder</a:t>
+                      </a:r>
+                    </a:p>
+                  </a:txBody>
+                  <a:tcPr marL="45720" marR="45720" anchor="ctr"/>
+                </a:tc>
+                <a:tc>
+                  <a:txBody>
+                    <a:bodyPr/>
+                    <a:lstStyle/>
+                    <a:p>
+                      <a:pPr algn="l" fontAlgn="ctr"/>
+                      <a:r>
+                        <a:rPr lang="en-US" sz="800" u="none" strike="noStrike" dirty="0">
+                          <a:effectLst/>
+                          <a:latin typeface="+mn-lt"/>
+                        </a:rPr>
+                        <a:t>lighter</a:t>
+                      </a:r>
+                      <a:endParaRPr lang="en-US" sz="800" b="0" i="0" u="none" strike="noStrike" dirty="0">
+                        <a:solidFill>
+                          <a:srgbClr val="000000"/>
+                        </a:solidFill>
+                        <a:effectLst/>
+                        <a:latin typeface="+mn-lt"/>
+                        <a:ea typeface="游ゴシック" panose="020B0400000000000000" pitchFamily="50" charset="-128"/>
+                      </a:endParaRPr>
+                    </a:p>
+                    <a:p>
+                      <a:pPr marL="0" marR="0" lvl="0" indent="0" algn="l" defTabSz="1280160" rtl="0" eaLnBrk="1" fontAlgn="ctr" latinLnBrk="0" hangingPunct="1">
+                        <a:lnSpc>
+                          <a:spcPct val="100000"/>
+                        </a:lnSpc>
+                        <a:spcBef>
+                          <a:spcPts val="0"/>
+                        </a:spcBef>
+                        <a:spcAft>
+                          <a:spcPts val="0"/>
+                        </a:spcAft>
+                        <a:buClrTx/>
+                        <a:buSzTx/>
+                        <a:buFontTx/>
+                        <a:buNone/>
+                        <a:tabLst/>
+                        <a:defRPr/>
+                      </a:pPr>
+                      <a:r>
+                        <a:rPr lang="en-US" altLang="ja-JP" sz="800" u="none" strike="noStrike" dirty="0">
+                          <a:effectLst/>
+                          <a:latin typeface="+mn-lt"/>
+                        </a:rPr>
+                        <a:t>300</a:t>
+                      </a:r>
+                    </a:p>
+                    <a:p>
+                      <a:pPr marL="0" marR="0" lvl="0" indent="0" algn="l" defTabSz="1280160" rtl="0" eaLnBrk="1" fontAlgn="ctr" latinLnBrk="0" hangingPunct="1">
+                        <a:lnSpc>
+                          <a:spcPct val="100000"/>
+                        </a:lnSpc>
+                        <a:spcBef>
+                          <a:spcPts val="0"/>
+                        </a:spcBef>
+                        <a:spcAft>
+                          <a:spcPts val="0"/>
+                        </a:spcAft>
+                        <a:buClrTx/>
+                        <a:buSzTx/>
+                        <a:buFontTx/>
+                        <a:buNone/>
+                        <a:tabLst/>
+                        <a:defRPr/>
+                      </a:pPr>
+                      <a:r>
+                        <a:rPr lang="en-US" altLang="ja-JP" sz="800" u="none" strike="noStrike" dirty="0">
+                          <a:effectLst/>
+                          <a:latin typeface="+mn-lt"/>
+                        </a:rPr>
+                        <a:t>400</a:t>
+                      </a:r>
+                    </a:p>
+                    <a:p>
+                      <a:pPr marL="0" marR="0" lvl="0" indent="0" algn="l" defTabSz="1280160" rtl="0" eaLnBrk="1" fontAlgn="ctr" latinLnBrk="0" hangingPunct="1">
+                        <a:lnSpc>
+                          <a:spcPct val="100000"/>
+                        </a:lnSpc>
+                        <a:spcBef>
+                          <a:spcPts val="0"/>
+                        </a:spcBef>
+                        <a:spcAft>
+                          <a:spcPts val="0"/>
+                        </a:spcAft>
+                        <a:buClrTx/>
+                        <a:buSzTx/>
+                        <a:buFontTx/>
+                        <a:buNone/>
+                        <a:tabLst/>
+                        <a:defRPr/>
+                      </a:pPr>
+                      <a:r>
+                        <a:rPr lang="en-US" altLang="ja-JP" sz="800" u="none" strike="noStrike" dirty="0">
+                          <a:effectLst/>
+                          <a:latin typeface="+mn-lt"/>
+                        </a:rPr>
+                        <a:t>700</a:t>
+                      </a:r>
+                    </a:p>
+                    <a:p>
+                      <a:pPr marL="0" marR="0" lvl="0" indent="0" algn="l" defTabSz="1280160" rtl="0" eaLnBrk="1" fontAlgn="ctr" latinLnBrk="0" hangingPunct="1">
+                        <a:lnSpc>
+                          <a:spcPct val="100000"/>
+                        </a:lnSpc>
+                        <a:spcBef>
+                          <a:spcPts val="0"/>
+                        </a:spcBef>
+                        <a:spcAft>
+                          <a:spcPts val="0"/>
+                        </a:spcAft>
+                        <a:buClrTx/>
+                        <a:buSzTx/>
+                        <a:buFontTx/>
+                        <a:buNone/>
+                        <a:tabLst/>
+                        <a:defRPr/>
+                      </a:pPr>
+                      <a:r>
+                        <a:rPr lang="en-US" altLang="ja-JP" sz="800" u="none" strike="noStrike" dirty="0">
+                          <a:effectLst/>
+                          <a:latin typeface="+mn-lt"/>
+                        </a:rPr>
+                        <a:t>Bolder</a:t>
+                      </a:r>
+                    </a:p>
+                  </a:txBody>
+                  <a:tcPr marL="45720" marR="45720" anchor="ctr"/>
+                </a:tc>
+                <a:tc>
+                  <a:txBody>
+                    <a:bodyPr/>
+                    <a:lstStyle/>
+                    <a:p>
+                      <a:pPr algn="l" fontAlgn="ctr"/>
+                      <a:endParaRPr lang="en-US" sz="800" b="0" i="0" u="none" strike="noStrike" dirty="0">
+                        <a:solidFill>
+                          <a:srgbClr val="000000"/>
+                        </a:solidFill>
+                        <a:effectLst/>
+                        <a:latin typeface="+mn-lt"/>
+                        <a:ea typeface="游ゴシック" panose="020B0400000000000000" pitchFamily="50" charset="-128"/>
+                      </a:endParaRPr>
+                    </a:p>
+                  </a:txBody>
+                  <a:tcPr marL="45720" marR="45720" anchor="ctr"/>
+                </a:tc>
+                <a:tc>
+                  <a:txBody>
+                    <a:bodyPr/>
+                    <a:lstStyle/>
+                    <a:p>
+                      <a:pPr algn="ctr" fontAlgn="ctr"/>
+                      <a:r>
+                        <a:rPr lang="en-US" altLang="ja-JP" sz="800" b="0" i="0" u="none" strike="noStrike" dirty="0">
+                          <a:solidFill>
+                            <a:srgbClr val="000000"/>
+                          </a:solidFill>
+                          <a:effectLst/>
+                          <a:latin typeface="+mn-lt"/>
+                          <a:ea typeface="游ゴシック" panose="020B0400000000000000" pitchFamily="50" charset="-128"/>
+                        </a:rPr>
+                        <a:t>×</a:t>
+                      </a:r>
+                      <a:endParaRPr lang="en-US" sz="800" b="0" i="0" u="none" strike="noStrike" dirty="0">
+                        <a:solidFill>
+                          <a:srgbClr val="000000"/>
+                        </a:solidFill>
+                        <a:effectLst/>
+                        <a:latin typeface="+mn-lt"/>
+                        <a:ea typeface="游ゴシック" panose="020B0400000000000000" pitchFamily="50" charset="-128"/>
+                      </a:endParaRPr>
+                    </a:p>
+                  </a:txBody>
+                  <a:tcPr marL="45720" marR="45720" anchor="ctr"/>
+                </a:tc>
+                <a:extLst>
+                  <a:ext uri="{0D108BD9-81ED-4DB2-BD59-A6C34878D82A}">
+                    <a16:rowId xmlns:a16="http://schemas.microsoft.com/office/drawing/2014/main" val="2733662300"/>
+                  </a:ext>
+                </a:extLst>
+              </a:tr>
+              <a:tr h="142786">
+                <a:tc>
+                  <a:txBody>
+                    <a:bodyPr/>
+                    <a:lstStyle/>
+                    <a:p>
+                      <a:pPr algn="l" fontAlgn="ctr"/>
+                      <a:r>
+                        <a:rPr lang="en-US" altLang="ja-JP" sz="800" b="0" i="0" u="none" strike="noStrike" dirty="0">
+                          <a:solidFill>
+                            <a:srgbClr val="000000"/>
+                          </a:solidFill>
+                          <a:effectLst/>
+                          <a:latin typeface="+mn-lt"/>
+                          <a:ea typeface="游ゴシック" panose="020B0400000000000000" pitchFamily="50" charset="-128"/>
+                        </a:rPr>
+                        <a:t>letter-spacing</a:t>
+                      </a:r>
+                      <a:endParaRPr lang="en-US" sz="800" b="0" i="0" u="none" strike="noStrike" dirty="0">
+                        <a:solidFill>
+                          <a:srgbClr val="000000"/>
+                        </a:solidFill>
+                        <a:effectLst/>
+                        <a:latin typeface="+mn-lt"/>
+                        <a:ea typeface="游ゴシック" panose="020B0400000000000000" pitchFamily="50" charset="-128"/>
+                      </a:endParaRPr>
+                    </a:p>
+                  </a:txBody>
+                  <a:tcPr marL="45720" marR="45720" anchor="ctr"/>
+                </a:tc>
+                <a:tc>
+                  <a:txBody>
+                    <a:bodyPr/>
+                    <a:lstStyle/>
+                    <a:p>
+                      <a:pPr marL="0" marR="0" lvl="0" indent="0" algn="l" defTabSz="1280160" rtl="0" eaLnBrk="1" fontAlgn="ctr" latinLnBrk="0" hangingPunct="1">
+                        <a:lnSpc>
+                          <a:spcPct val="100000"/>
+                        </a:lnSpc>
+                        <a:spcBef>
+                          <a:spcPts val="0"/>
+                        </a:spcBef>
+                        <a:spcAft>
+                          <a:spcPts val="0"/>
+                        </a:spcAft>
+                        <a:buClrTx/>
+                        <a:buSzTx/>
+                        <a:buFontTx/>
+                        <a:buNone/>
+                        <a:tabLst/>
+                        <a:defRPr/>
+                      </a:pPr>
+                      <a:r>
+                        <a:rPr lang="en-US" altLang="ja-JP" sz="800" dirty="0">
+                          <a:latin typeface="+mn-lt"/>
+                        </a:rPr>
+                        <a:t>ls-20</a:t>
+                      </a:r>
+                      <a:endParaRPr lang="en-US" altLang="ja-JP" sz="800" b="0" i="0" u="none" strike="noStrike" dirty="0">
+                        <a:solidFill>
+                          <a:srgbClr val="000000"/>
+                        </a:solidFill>
+                        <a:effectLst/>
+                        <a:latin typeface="+mn-lt"/>
+                        <a:ea typeface="+mn-ea"/>
+                      </a:endParaRPr>
+                    </a:p>
+                  </a:txBody>
+                  <a:tcPr marL="45720" marR="45720" anchor="ctr"/>
+                </a:tc>
+                <a:tc>
+                  <a:txBody>
+                    <a:bodyPr/>
+                    <a:lstStyle/>
+                    <a:p>
+                      <a:pPr algn="l" fontAlgn="ctr"/>
+                      <a:r>
+                        <a:rPr lang="en-US" sz="800" b="0" i="0" u="none" strike="noStrike" dirty="0">
+                          <a:solidFill>
+                            <a:srgbClr val="000000"/>
+                          </a:solidFill>
+                          <a:effectLst/>
+                          <a:latin typeface="+mn-lt"/>
+                          <a:ea typeface="游ゴシック" panose="020B0400000000000000" pitchFamily="50" charset="-128"/>
+                        </a:rPr>
+                        <a:t>1 – 100</a:t>
+                      </a:r>
+                      <a:r>
+                        <a:rPr lang="ja-JP" altLang="en-US" sz="800" b="0" i="0" u="none" strike="noStrike" dirty="0">
+                          <a:solidFill>
+                            <a:srgbClr val="000000"/>
+                          </a:solidFill>
+                          <a:effectLst/>
+                          <a:latin typeface="+mn-lt"/>
+                          <a:ea typeface="+mn-ea"/>
+                        </a:rPr>
+                        <a:t>（</a:t>
+                      </a:r>
+                      <a:r>
+                        <a:rPr lang="en-US" altLang="ja-JP" sz="800" b="0" i="0" u="none" strike="noStrike" dirty="0">
+                          <a:solidFill>
+                            <a:srgbClr val="000000"/>
+                          </a:solidFill>
+                          <a:effectLst/>
+                          <a:latin typeface="+mn-lt"/>
+                          <a:ea typeface="+mn-ea"/>
+                        </a:rPr>
+                        <a:t>×0.1</a:t>
+                      </a:r>
+                      <a:r>
+                        <a:rPr lang="ja-JP" altLang="en-US" sz="800" b="0" i="0" u="none" strike="noStrike" dirty="0">
+                          <a:solidFill>
+                            <a:srgbClr val="000000"/>
+                          </a:solidFill>
+                          <a:effectLst/>
+                          <a:latin typeface="+mn-lt"/>
+                          <a:ea typeface="+mn-ea"/>
+                        </a:rPr>
+                        <a:t>）</a:t>
+                      </a:r>
+                      <a:endParaRPr lang="en-US" sz="800" b="0" i="0" u="none" strike="noStrike" dirty="0">
+                        <a:solidFill>
+                          <a:srgbClr val="000000"/>
+                        </a:solidFill>
+                        <a:effectLst/>
+                        <a:latin typeface="+mn-lt"/>
+                        <a:ea typeface="游ゴシック" panose="020B0400000000000000" pitchFamily="50" charset="-128"/>
+                      </a:endParaRPr>
+                    </a:p>
+                  </a:txBody>
+                  <a:tcPr marL="45720" marR="45720" anchor="ctr"/>
+                </a:tc>
+                <a:tc>
+                  <a:txBody>
+                    <a:bodyPr/>
+                    <a:lstStyle/>
+                    <a:p>
+                      <a:pPr marL="0" marR="0" lvl="0" indent="0" algn="l" defTabSz="1280160" rtl="0" eaLnBrk="1" fontAlgn="ctr" latinLnBrk="0" hangingPunct="1">
+                        <a:lnSpc>
+                          <a:spcPct val="100000"/>
+                        </a:lnSpc>
+                        <a:spcBef>
+                          <a:spcPts val="0"/>
+                        </a:spcBef>
+                        <a:spcAft>
+                          <a:spcPts val="0"/>
+                        </a:spcAft>
+                        <a:buClrTx/>
+                        <a:buSzTx/>
+                        <a:buFontTx/>
+                        <a:buNone/>
+                        <a:tabLst/>
+                        <a:defRPr/>
+                      </a:pPr>
+                      <a:r>
+                        <a:rPr lang="en-US" altLang="ja-JP" sz="800" dirty="0">
+                          <a:latin typeface="+mn-lt"/>
+                        </a:rPr>
+                        <a:t>ls-20(=2px) ls-25(=2.5px)</a:t>
+                      </a:r>
+                      <a:endParaRPr lang="en-US" altLang="ja-JP" sz="800" b="0" i="0" u="none" strike="noStrike" dirty="0">
+                        <a:solidFill>
+                          <a:srgbClr val="000000"/>
+                        </a:solidFill>
+                        <a:effectLst/>
+                        <a:latin typeface="+mn-lt"/>
+                        <a:ea typeface="+mn-ea"/>
+                      </a:endParaRPr>
+                    </a:p>
+                  </a:txBody>
+                  <a:tcPr marL="45720" marR="45720" anchor="ctr"/>
+                </a:tc>
+                <a:tc>
+                  <a:txBody>
+                    <a:bodyPr/>
+                    <a:lstStyle/>
+                    <a:p>
+                      <a:pPr marL="0" marR="0" lvl="0" indent="0" algn="ctr" defTabSz="1280160" rtl="0" eaLnBrk="1" fontAlgn="ctr" latinLnBrk="0" hangingPunct="1">
+                        <a:lnSpc>
+                          <a:spcPct val="100000"/>
+                        </a:lnSpc>
+                        <a:spcBef>
+                          <a:spcPts val="0"/>
+                        </a:spcBef>
+                        <a:spcAft>
+                          <a:spcPts val="0"/>
+                        </a:spcAft>
+                        <a:buClrTx/>
+                        <a:buSzTx/>
+                        <a:buFontTx/>
+                        <a:buNone/>
+                        <a:tabLst/>
+                        <a:defRPr/>
+                      </a:pPr>
+                      <a:r>
+                        <a:rPr lang="ja-JP" altLang="en-US" sz="800" b="0" i="0" u="none" strike="noStrike" dirty="0">
+                          <a:solidFill>
+                            <a:srgbClr val="000000"/>
+                          </a:solidFill>
+                          <a:effectLst/>
+                          <a:latin typeface="+mn-lt"/>
+                          <a:ea typeface="+mn-ea"/>
+                        </a:rPr>
+                        <a:t>〇</a:t>
+                      </a:r>
+                      <a:endParaRPr lang="en-US" altLang="ja-JP" sz="800" b="0" i="0" u="none" strike="noStrike" dirty="0">
+                        <a:solidFill>
+                          <a:srgbClr val="000000"/>
+                        </a:solidFill>
+                        <a:effectLst/>
+                        <a:latin typeface="+mn-lt"/>
+                        <a:ea typeface="+mn-ea"/>
+                      </a:endParaRPr>
+                    </a:p>
+                  </a:txBody>
+                  <a:tcPr marL="45720" marR="45720" anchor="ctr"/>
+                </a:tc>
+                <a:extLst>
+                  <a:ext uri="{0D108BD9-81ED-4DB2-BD59-A6C34878D82A}">
+                    <a16:rowId xmlns:a16="http://schemas.microsoft.com/office/drawing/2014/main" val="364004198"/>
+                  </a:ext>
+                </a:extLst>
+              </a:tr>
+              <a:tr h="142786">
+                <a:tc>
+                  <a:txBody>
+                    <a:bodyPr/>
+                    <a:lstStyle/>
+                    <a:p>
+                      <a:pPr algn="l" fontAlgn="ctr"/>
+                      <a:r>
+                        <a:rPr lang="en-US" altLang="ja-JP" sz="800" b="0" i="0" u="none" strike="noStrike" dirty="0">
+                          <a:solidFill>
+                            <a:srgbClr val="000000"/>
+                          </a:solidFill>
+                          <a:effectLst/>
+                          <a:latin typeface="+mn-lt"/>
+                          <a:ea typeface="游ゴシック" panose="020B0400000000000000" pitchFamily="50" charset="-128"/>
+                        </a:rPr>
+                        <a:t>line-height</a:t>
+                      </a:r>
+                      <a:endParaRPr lang="en-US" sz="800" b="0" i="0" u="none" strike="noStrike" dirty="0">
+                        <a:solidFill>
+                          <a:srgbClr val="000000"/>
+                        </a:solidFill>
+                        <a:effectLst/>
+                        <a:latin typeface="+mn-lt"/>
+                        <a:ea typeface="游ゴシック" panose="020B0400000000000000" pitchFamily="50" charset="-128"/>
+                      </a:endParaRPr>
+                    </a:p>
+                  </a:txBody>
+                  <a:tcPr marL="45720" marR="45720" anchor="ctr"/>
+                </a:tc>
+                <a:tc>
+                  <a:txBody>
+                    <a:bodyPr/>
+                    <a:lstStyle/>
+                    <a:p>
+                      <a:pPr marL="0" marR="0" lvl="0" indent="0" algn="l" defTabSz="1280160" rtl="0" eaLnBrk="1" fontAlgn="ctr" latinLnBrk="0" hangingPunct="1">
+                        <a:lnSpc>
+                          <a:spcPct val="100000"/>
+                        </a:lnSpc>
+                        <a:spcBef>
+                          <a:spcPts val="0"/>
+                        </a:spcBef>
+                        <a:spcAft>
+                          <a:spcPts val="0"/>
+                        </a:spcAft>
+                        <a:buClrTx/>
+                        <a:buSzTx/>
+                        <a:buFontTx/>
+                        <a:buNone/>
+                        <a:tabLst/>
+                        <a:defRPr/>
+                      </a:pPr>
+                      <a:r>
+                        <a:rPr lang="en-US" altLang="ja-JP" sz="800" dirty="0">
+                          <a:latin typeface="+mn-lt"/>
+                        </a:rPr>
+                        <a:t>lh-20</a:t>
+                      </a:r>
+                      <a:endParaRPr lang="en-US" altLang="ja-JP" sz="800" b="0" i="0" u="none" strike="noStrike" dirty="0">
+                        <a:solidFill>
+                          <a:srgbClr val="000000"/>
+                        </a:solidFill>
+                        <a:effectLst/>
+                        <a:latin typeface="+mn-lt"/>
+                        <a:ea typeface="+mn-ea"/>
+                      </a:endParaRPr>
+                    </a:p>
+                  </a:txBody>
+                  <a:tcPr marL="45720" marR="45720" anchor="ctr"/>
+                </a:tc>
+                <a:tc>
+                  <a:txBody>
+                    <a:bodyPr/>
+                    <a:lstStyle/>
+                    <a:p>
+                      <a:pPr algn="l" fontAlgn="ctr"/>
+                      <a:r>
+                        <a:rPr lang="en-US" sz="800" b="0" i="0" u="none" strike="noStrike" dirty="0">
+                          <a:solidFill>
+                            <a:srgbClr val="000000"/>
+                          </a:solidFill>
+                          <a:effectLst/>
+                          <a:latin typeface="+mn-lt"/>
+                          <a:ea typeface="游ゴシック" panose="020B0400000000000000" pitchFamily="50" charset="-128"/>
+                        </a:rPr>
+                        <a:t>1 - 50</a:t>
+                      </a:r>
+                      <a:r>
+                        <a:rPr lang="ja-JP" altLang="en-US" sz="800" b="0" i="0" u="none" strike="noStrike" dirty="0">
+                          <a:solidFill>
+                            <a:srgbClr val="000000"/>
+                          </a:solidFill>
+                          <a:effectLst/>
+                          <a:latin typeface="+mn-lt"/>
+                          <a:ea typeface="游ゴシック" panose="020B0400000000000000" pitchFamily="50" charset="-128"/>
+                        </a:rPr>
+                        <a:t>（</a:t>
+                      </a:r>
+                      <a:r>
+                        <a:rPr lang="en-US" altLang="ja-JP" sz="800" b="0" i="0" u="none" strike="noStrike" dirty="0">
+                          <a:solidFill>
+                            <a:srgbClr val="000000"/>
+                          </a:solidFill>
+                          <a:effectLst/>
+                          <a:latin typeface="+mn-lt"/>
+                          <a:ea typeface="游ゴシック" panose="020B0400000000000000" pitchFamily="50" charset="-128"/>
+                        </a:rPr>
+                        <a:t>×0.1</a:t>
+                      </a:r>
+                      <a:r>
+                        <a:rPr lang="ja-JP" altLang="en-US" sz="800" b="0" i="0" u="none" strike="noStrike" dirty="0">
+                          <a:solidFill>
+                            <a:srgbClr val="000000"/>
+                          </a:solidFill>
+                          <a:effectLst/>
+                          <a:latin typeface="+mn-lt"/>
+                          <a:ea typeface="游ゴシック" panose="020B0400000000000000" pitchFamily="50" charset="-128"/>
+                        </a:rPr>
+                        <a:t>）</a:t>
+                      </a:r>
+                      <a:endParaRPr lang="en-US" sz="800" b="0" i="0" u="none" strike="noStrike" dirty="0">
+                        <a:solidFill>
+                          <a:srgbClr val="000000"/>
+                        </a:solidFill>
+                        <a:effectLst/>
+                        <a:latin typeface="+mn-lt"/>
+                        <a:ea typeface="游ゴシック" panose="020B0400000000000000" pitchFamily="50" charset="-128"/>
+                      </a:endParaRPr>
+                    </a:p>
+                  </a:txBody>
+                  <a:tcPr marL="45720" marR="45720" anchor="ctr"/>
+                </a:tc>
+                <a:tc>
+                  <a:txBody>
+                    <a:bodyPr/>
+                    <a:lstStyle/>
+                    <a:p>
+                      <a:pPr marL="0" marR="0" lvl="0" indent="0" algn="l" defTabSz="1280160" rtl="0" eaLnBrk="1" fontAlgn="ctr" latinLnBrk="0" hangingPunct="1">
+                        <a:lnSpc>
+                          <a:spcPct val="100000"/>
+                        </a:lnSpc>
+                        <a:spcBef>
+                          <a:spcPts val="0"/>
+                        </a:spcBef>
+                        <a:spcAft>
+                          <a:spcPts val="0"/>
+                        </a:spcAft>
+                        <a:buClrTx/>
+                        <a:buSzTx/>
+                        <a:buFontTx/>
+                        <a:buNone/>
+                        <a:tabLst/>
+                        <a:defRPr/>
+                      </a:pPr>
+                      <a:r>
+                        <a:rPr lang="en-US" altLang="ja-JP" sz="800" dirty="0">
+                          <a:latin typeface="+mn-lt"/>
+                        </a:rPr>
+                        <a:t>lh-14(=1.4) lh-18(=1.8)</a:t>
+                      </a:r>
+                      <a:endParaRPr lang="en-US" altLang="ja-JP" sz="800" b="0" i="0" u="none" strike="noStrike" dirty="0">
+                        <a:solidFill>
+                          <a:srgbClr val="000000"/>
+                        </a:solidFill>
+                        <a:effectLst/>
+                        <a:latin typeface="+mn-lt"/>
+                        <a:ea typeface="+mn-ea"/>
+                      </a:endParaRPr>
+                    </a:p>
+                  </a:txBody>
+                  <a:tcPr marL="45720" marR="45720" anchor="ctr"/>
+                </a:tc>
+                <a:tc>
+                  <a:txBody>
+                    <a:bodyPr/>
+                    <a:lstStyle/>
+                    <a:p>
+                      <a:pPr marL="0" marR="0" lvl="0" indent="0" algn="ctr" defTabSz="1280160" rtl="0" eaLnBrk="1" fontAlgn="ctr" latinLnBrk="0" hangingPunct="1">
+                        <a:lnSpc>
+                          <a:spcPct val="100000"/>
+                        </a:lnSpc>
+                        <a:spcBef>
+                          <a:spcPts val="0"/>
+                        </a:spcBef>
+                        <a:spcAft>
+                          <a:spcPts val="0"/>
+                        </a:spcAft>
+                        <a:buClrTx/>
+                        <a:buSzTx/>
+                        <a:buFontTx/>
+                        <a:buNone/>
+                        <a:tabLst/>
+                        <a:defRPr/>
+                      </a:pPr>
+                      <a:r>
+                        <a:rPr lang="ja-JP" altLang="en-US" sz="800" b="0" i="0" u="none" strike="noStrike" dirty="0">
+                          <a:solidFill>
+                            <a:srgbClr val="000000"/>
+                          </a:solidFill>
+                          <a:effectLst/>
+                          <a:latin typeface="+mn-lt"/>
+                          <a:ea typeface="+mn-ea"/>
+                        </a:rPr>
+                        <a:t>〇</a:t>
+                      </a:r>
+                      <a:endParaRPr lang="en-US" altLang="ja-JP" sz="800" b="0" i="0" u="none" strike="noStrike" dirty="0">
+                        <a:solidFill>
+                          <a:srgbClr val="000000"/>
+                        </a:solidFill>
+                        <a:effectLst/>
+                        <a:latin typeface="+mn-lt"/>
+                        <a:ea typeface="+mn-ea"/>
+                      </a:endParaRPr>
+                    </a:p>
+                  </a:txBody>
+                  <a:tcPr marL="45720" marR="45720" anchor="ctr"/>
+                </a:tc>
+                <a:extLst>
+                  <a:ext uri="{0D108BD9-81ED-4DB2-BD59-A6C34878D82A}">
+                    <a16:rowId xmlns:a16="http://schemas.microsoft.com/office/drawing/2014/main" val="2827395034"/>
+                  </a:ext>
+                </a:extLst>
+              </a:tr>
+              <a:tr h="142786">
+                <a:tc>
+                  <a:txBody>
+                    <a:bodyPr/>
+                    <a:lstStyle/>
+                    <a:p>
+                      <a:pPr algn="l" fontAlgn="ctr"/>
+                      <a:r>
+                        <a:rPr lang="en-US" sz="800" b="0" i="0" u="none" strike="noStrike" dirty="0">
+                          <a:solidFill>
+                            <a:srgbClr val="000000"/>
+                          </a:solidFill>
+                          <a:effectLst/>
+                          <a:latin typeface="+mn-lt"/>
+                          <a:ea typeface="游ゴシック" panose="020B0400000000000000" pitchFamily="50" charset="-128"/>
+                        </a:rPr>
+                        <a:t>text-align</a:t>
+                      </a:r>
+                    </a:p>
+                  </a:txBody>
+                  <a:tcPr marL="45720" marR="45720" anchor="ctr"/>
+                </a:tc>
+                <a:tc>
+                  <a:txBody>
+                    <a:bodyPr/>
+                    <a:lstStyle/>
+                    <a:p>
+                      <a:pPr marL="0" marR="0" lvl="0" indent="0" algn="l" defTabSz="1280160" rtl="0" eaLnBrk="1" fontAlgn="ctr" latinLnBrk="0" hangingPunct="1">
+                        <a:lnSpc>
+                          <a:spcPct val="100000"/>
+                        </a:lnSpc>
+                        <a:spcBef>
+                          <a:spcPts val="0"/>
+                        </a:spcBef>
+                        <a:spcAft>
+                          <a:spcPts val="0"/>
+                        </a:spcAft>
+                        <a:buClrTx/>
+                        <a:buSzTx/>
+                        <a:buFontTx/>
+                        <a:buNone/>
+                        <a:tabLst/>
+                        <a:defRPr/>
+                      </a:pPr>
+                      <a:r>
+                        <a:rPr kumimoji="1" lang="ja-JP" altLang="en-US" sz="800" kern="1200" dirty="0">
+                          <a:solidFill>
+                            <a:schemeClr val="tx1"/>
+                          </a:solidFill>
+                          <a:latin typeface="+mj-ea"/>
+                          <a:ea typeface="+mn-ea"/>
+                          <a:cs typeface="+mn-cs"/>
+                        </a:rPr>
+                        <a:t>text-left</a:t>
+                      </a:r>
+                      <a:endParaRPr kumimoji="1" lang="en-US" altLang="ja-JP" sz="800" kern="1200" dirty="0">
+                        <a:solidFill>
+                          <a:schemeClr val="tx1"/>
+                        </a:solidFill>
+                        <a:latin typeface="+mj-ea"/>
+                        <a:ea typeface="+mn-ea"/>
+                        <a:cs typeface="+mn-cs"/>
+                      </a:endParaRPr>
+                    </a:p>
+                    <a:p>
+                      <a:pPr marL="0" marR="0" lvl="0" indent="0" algn="l" defTabSz="1280160" rtl="0" eaLnBrk="1" fontAlgn="ctr" latinLnBrk="0" hangingPunct="1">
+                        <a:lnSpc>
+                          <a:spcPct val="100000"/>
+                        </a:lnSpc>
+                        <a:spcBef>
+                          <a:spcPts val="0"/>
+                        </a:spcBef>
+                        <a:spcAft>
+                          <a:spcPts val="0"/>
+                        </a:spcAft>
+                        <a:buClrTx/>
+                        <a:buSzTx/>
+                        <a:buFontTx/>
+                        <a:buNone/>
+                        <a:tabLst/>
+                        <a:defRPr/>
+                      </a:pPr>
+                      <a:r>
+                        <a:rPr kumimoji="1" lang="ja-JP" altLang="en-US" sz="800" kern="1200" dirty="0">
+                          <a:solidFill>
+                            <a:schemeClr val="tx1"/>
+                          </a:solidFill>
+                          <a:latin typeface="+mj-ea"/>
+                          <a:ea typeface="+mn-ea"/>
+                          <a:cs typeface="+mn-cs"/>
+                        </a:rPr>
+                        <a:t>text-center</a:t>
+                      </a:r>
+                      <a:endParaRPr kumimoji="1" lang="en-US" altLang="ja-JP" sz="800" kern="1200" dirty="0">
+                        <a:solidFill>
+                          <a:schemeClr val="tx1"/>
+                        </a:solidFill>
+                        <a:latin typeface="+mj-ea"/>
+                        <a:ea typeface="+mn-ea"/>
+                        <a:cs typeface="+mn-cs"/>
+                      </a:endParaRPr>
+                    </a:p>
+                    <a:p>
+                      <a:pPr marL="0" marR="0" lvl="0" indent="0" algn="l" defTabSz="1280160" rtl="0" eaLnBrk="1" fontAlgn="ctr" latinLnBrk="0" hangingPunct="1">
+                        <a:lnSpc>
+                          <a:spcPct val="100000"/>
+                        </a:lnSpc>
+                        <a:spcBef>
+                          <a:spcPts val="0"/>
+                        </a:spcBef>
+                        <a:spcAft>
+                          <a:spcPts val="0"/>
+                        </a:spcAft>
+                        <a:buClrTx/>
+                        <a:buSzTx/>
+                        <a:buFontTx/>
+                        <a:buNone/>
+                        <a:tabLst/>
+                        <a:defRPr/>
+                      </a:pPr>
+                      <a:r>
+                        <a:rPr kumimoji="1" lang="ja-JP" altLang="en-US" sz="800" kern="1200" dirty="0">
+                          <a:solidFill>
+                            <a:schemeClr val="tx1"/>
+                          </a:solidFill>
+                          <a:latin typeface="+mj-ea"/>
+                          <a:ea typeface="+mn-ea"/>
+                          <a:cs typeface="+mn-cs"/>
+                        </a:rPr>
+                        <a:t>text-right</a:t>
+                      </a:r>
+                      <a:endParaRPr kumimoji="1" lang="en-US" altLang="ja-JP" sz="800" kern="1200" dirty="0">
+                        <a:solidFill>
+                          <a:schemeClr val="tx1"/>
+                        </a:solidFill>
+                        <a:latin typeface="+mj-ea"/>
+                        <a:ea typeface="+mn-ea"/>
+                        <a:cs typeface="+mn-cs"/>
+                      </a:endParaRPr>
+                    </a:p>
+                    <a:p>
+                      <a:pPr marL="0" marR="0" lvl="0" indent="0" algn="l" defTabSz="1280160" rtl="0" eaLnBrk="1" fontAlgn="ctr" latinLnBrk="0" hangingPunct="1">
+                        <a:lnSpc>
+                          <a:spcPct val="100000"/>
+                        </a:lnSpc>
+                        <a:spcBef>
+                          <a:spcPts val="0"/>
+                        </a:spcBef>
+                        <a:spcAft>
+                          <a:spcPts val="0"/>
+                        </a:spcAft>
+                        <a:buClrTx/>
+                        <a:buSzTx/>
+                        <a:buFontTx/>
+                        <a:buNone/>
+                        <a:tabLst/>
+                        <a:defRPr/>
+                      </a:pPr>
+                      <a:r>
+                        <a:rPr kumimoji="1" lang="ja-JP" altLang="en-US" sz="800" kern="1200" dirty="0">
+                          <a:solidFill>
+                            <a:schemeClr val="tx1"/>
+                          </a:solidFill>
+                          <a:latin typeface="+mj-ea"/>
+                          <a:ea typeface="+mn-ea"/>
+                          <a:cs typeface="+mn-cs"/>
+                        </a:rPr>
+                        <a:t>text-justify</a:t>
+                      </a:r>
+                      <a:endParaRPr lang="en-US" altLang="ja-JP" sz="800" b="0" i="0" u="none" strike="noStrike" dirty="0">
+                        <a:solidFill>
+                          <a:srgbClr val="000000"/>
+                        </a:solidFill>
+                        <a:effectLst/>
+                        <a:latin typeface="+mn-lt"/>
+                        <a:ea typeface="+mn-ea"/>
+                      </a:endParaRPr>
+                    </a:p>
+                  </a:txBody>
+                  <a:tcPr marL="45720" marR="45720" anchor="ctr"/>
+                </a:tc>
+                <a:tc>
+                  <a:txBody>
+                    <a:bodyPr/>
+                    <a:lstStyle/>
+                    <a:p>
+                      <a:pPr algn="l" fontAlgn="ctr"/>
+                      <a:endParaRPr lang="en-US" sz="800" b="0" i="0" u="none" strike="noStrike" dirty="0">
+                        <a:solidFill>
+                          <a:srgbClr val="000000"/>
+                        </a:solidFill>
+                        <a:effectLst/>
+                        <a:latin typeface="+mn-lt"/>
+                        <a:ea typeface="游ゴシック" panose="020B0400000000000000" pitchFamily="50" charset="-128"/>
+                      </a:endParaRPr>
+                    </a:p>
+                  </a:txBody>
+                  <a:tcPr marL="45720" marR="45720" anchor="ctr"/>
+                </a:tc>
+                <a:tc>
+                  <a:txBody>
+                    <a:bodyPr/>
+                    <a:lstStyle/>
+                    <a:p>
+                      <a:pPr marL="0" marR="0" lvl="0" indent="0" algn="l" defTabSz="1280160" rtl="0" eaLnBrk="1" fontAlgn="ctr" latinLnBrk="0" hangingPunct="1">
+                        <a:lnSpc>
+                          <a:spcPct val="100000"/>
+                        </a:lnSpc>
+                        <a:spcBef>
+                          <a:spcPts val="0"/>
+                        </a:spcBef>
+                        <a:spcAft>
+                          <a:spcPts val="0"/>
+                        </a:spcAft>
+                        <a:buClrTx/>
+                        <a:buSzTx/>
+                        <a:buFontTx/>
+                        <a:buNone/>
+                        <a:tabLst/>
+                        <a:defRPr/>
+                      </a:pPr>
+                      <a:endParaRPr lang="en-US" altLang="ja-JP" sz="800" b="0" i="0" u="none" strike="noStrike" dirty="0">
+                        <a:solidFill>
+                          <a:srgbClr val="000000"/>
+                        </a:solidFill>
+                        <a:effectLst/>
+                        <a:latin typeface="+mn-lt"/>
+                        <a:ea typeface="+mn-ea"/>
+                      </a:endParaRPr>
+                    </a:p>
+                  </a:txBody>
+                  <a:tcPr marL="45720" marR="45720" anchor="ctr"/>
+                </a:tc>
+                <a:tc>
+                  <a:txBody>
+                    <a:bodyPr/>
+                    <a:lstStyle/>
+                    <a:p>
+                      <a:pPr marL="0" marR="0" lvl="0" indent="0" algn="ctr" defTabSz="1280160" rtl="0" eaLnBrk="1" fontAlgn="ctr" latinLnBrk="0" hangingPunct="1">
+                        <a:lnSpc>
+                          <a:spcPct val="100000"/>
+                        </a:lnSpc>
+                        <a:spcBef>
+                          <a:spcPts val="0"/>
+                        </a:spcBef>
+                        <a:spcAft>
+                          <a:spcPts val="0"/>
+                        </a:spcAft>
+                        <a:buClrTx/>
+                        <a:buSzTx/>
+                        <a:buFontTx/>
+                        <a:buNone/>
+                        <a:tabLst/>
+                        <a:defRPr/>
+                      </a:pPr>
+                      <a:r>
+                        <a:rPr lang="ja-JP" altLang="en-US" sz="800" b="0" i="0" u="none" strike="noStrike" dirty="0">
+                          <a:solidFill>
+                            <a:srgbClr val="000000"/>
+                          </a:solidFill>
+                          <a:effectLst/>
+                          <a:latin typeface="+mn-lt"/>
+                          <a:ea typeface="+mn-ea"/>
+                        </a:rPr>
+                        <a:t>〇</a:t>
+                      </a:r>
+                      <a:endParaRPr lang="en-US" altLang="ja-JP" sz="800" b="0" i="0" u="none" strike="noStrike" dirty="0">
+                        <a:solidFill>
+                          <a:srgbClr val="000000"/>
+                        </a:solidFill>
+                        <a:effectLst/>
+                        <a:latin typeface="+mn-lt"/>
+                        <a:ea typeface="+mn-ea"/>
+                      </a:endParaRPr>
+                    </a:p>
+                  </a:txBody>
+                  <a:tcPr marL="45720" marR="45720" anchor="ctr"/>
+                </a:tc>
+                <a:extLst>
+                  <a:ext uri="{0D108BD9-81ED-4DB2-BD59-A6C34878D82A}">
+                    <a16:rowId xmlns:a16="http://schemas.microsoft.com/office/drawing/2014/main" val="3405815092"/>
+                  </a:ext>
+                </a:extLst>
+              </a:tr>
+            </a:tbl>
+          </a:graphicData>
+        </a:graphic>
+      </p:graphicFrame>
     </p:spTree>
     <p:extLst>
       <p:ext uri="{BB962C8B-B14F-4D97-AF65-F5344CB8AC3E}">
